--- a/remote/fig/slide.pptx
+++ b/remote/fig/slide.pptx
@@ -5,13 +5,20 @@
     <p:sldMasterId id="2147483663" r:id="rId1"/>
   </p:sldMasterIdLst>
   <p:notesMasterIdLst>
-    <p:notesMasterId r:id="rId6"/>
+    <p:notesMasterId r:id="rId13"/>
   </p:notesMasterIdLst>
   <p:sldIdLst>
     <p:sldId id="256" r:id="rId2"/>
     <p:sldId id="297" r:id="rId3"/>
     <p:sldId id="298" r:id="rId4"/>
     <p:sldId id="299" r:id="rId5"/>
+    <p:sldId id="300" r:id="rId6"/>
+    <p:sldId id="301" r:id="rId7"/>
+    <p:sldId id="302" r:id="rId8"/>
+    <p:sldId id="304" r:id="rId9"/>
+    <p:sldId id="303" r:id="rId10"/>
+    <p:sldId id="305" r:id="rId11"/>
+    <p:sldId id="306" r:id="rId12"/>
   </p:sldIdLst>
   <p:sldSz cx="9144000" cy="6858000" type="screen4x3"/>
   <p:notesSz cx="6858000" cy="9144000"/>
@@ -1203,6 +1210,1575 @@
 </p:sld>
 </file>
 
+<file path=ppt/slides/slide10.xml><?xml version="1.0" encoding="utf-8"?>
+<p:sld xmlns:a="http://schemas.openxmlformats.org/drawingml/2006/main" xmlns:r="http://schemas.openxmlformats.org/officeDocument/2006/relationships" xmlns:p="http://schemas.openxmlformats.org/presentationml/2006/main">
+  <p:cSld>
+    <p:spTree>
+      <p:nvGrpSpPr>
+        <p:cNvPr id="1" name=""/>
+        <p:cNvGrpSpPr/>
+        <p:nvPr/>
+      </p:nvGrpSpPr>
+      <p:grpSpPr>
+        <a:xfrm>
+          <a:off x="0" y="0"/>
+          <a:ext cx="0" cy="0"/>
+          <a:chOff x="0" y="0"/>
+          <a:chExt cx="0" cy="0"/>
+        </a:xfrm>
+      </p:grpSpPr>
+      <p:sp>
+        <p:nvSpPr>
+          <p:cNvPr id="2" name="テキスト プレースホルダー 1">
+            <a:extLst>
+              <a:ext uri="{FF2B5EF4-FFF2-40B4-BE49-F238E27FC236}">
+                <a16:creationId xmlns:a16="http://schemas.microsoft.com/office/drawing/2014/main" id="{8846A185-F924-46C0-AEF0-AC198D30E0C6}"/>
+              </a:ext>
+            </a:extLst>
+          </p:cNvPr>
+          <p:cNvSpPr>
+            <a:spLocks noGrp="1"/>
+          </p:cNvSpPr>
+          <p:nvPr>
+            <p:ph type="body" sz="quarter" idx="10"/>
+          </p:nvPr>
+        </p:nvSpPr>
+        <p:spPr/>
+        <p:txBody>
+          <a:bodyPr/>
+          <a:lstStyle/>
+          <a:p>
+            <a:r>
+              <a:rPr lang="ja-JP" altLang="en-US"/>
+              <a:t>リモートリポジトリの使い方</a:t>
+            </a:r>
+            <a:endParaRPr lang="en-US"/>
+          </a:p>
+        </p:txBody>
+      </p:sp>
+      <p:sp>
+        <p:nvSpPr>
+          <p:cNvPr id="3" name="フローチャート: 磁気ディスク 2">
+            <a:extLst>
+              <a:ext uri="{FF2B5EF4-FFF2-40B4-BE49-F238E27FC236}">
+                <a16:creationId xmlns:a16="http://schemas.microsoft.com/office/drawing/2014/main" id="{3B867CCE-F1E0-41DF-B8EA-8B97ADC19775}"/>
+              </a:ext>
+            </a:extLst>
+          </p:cNvPr>
+          <p:cNvSpPr/>
+          <p:nvPr/>
+        </p:nvSpPr>
+        <p:spPr>
+          <a:xfrm>
+            <a:off x="4283968" y="2276871"/>
+            <a:ext cx="504056" cy="360040"/>
+          </a:xfrm>
+          <a:prstGeom prst="flowChartMagneticDisk">
+            <a:avLst/>
+          </a:prstGeom>
+          <a:solidFill>
+            <a:schemeClr val="bg1">
+              <a:lumMod val="95000"/>
+            </a:schemeClr>
+          </a:solidFill>
+          <a:ln>
+            <a:solidFill>
+              <a:schemeClr val="tx1"/>
+            </a:solidFill>
+          </a:ln>
+        </p:spPr>
+        <p:style>
+          <a:lnRef idx="2">
+            <a:schemeClr val="accent1">
+              <a:shade val="50000"/>
+            </a:schemeClr>
+          </a:lnRef>
+          <a:fillRef idx="1">
+            <a:schemeClr val="accent1"/>
+          </a:fillRef>
+          <a:effectRef idx="0">
+            <a:schemeClr val="accent1"/>
+          </a:effectRef>
+          <a:fontRef idx="minor">
+            <a:schemeClr val="lt1"/>
+          </a:fontRef>
+        </p:style>
+        <p:txBody>
+          <a:bodyPr rtlCol="0" anchor="ctr"/>
+          <a:lstStyle/>
+          <a:p>
+            <a:pPr algn="ctr"/>
+            <a:r>
+              <a:rPr kumimoji="1" lang="en-US" altLang="ja-JP" sz="1100" dirty="0">
+                <a:solidFill>
+                  <a:schemeClr val="tx1"/>
+                </a:solidFill>
+                <a:latin typeface="Consolas" panose="020B0609020204030204" pitchFamily="49" charset="0"/>
+              </a:rPr>
+              <a:t>.git</a:t>
+            </a:r>
+            <a:endParaRPr kumimoji="1" lang="ja-JP" altLang="en-US" sz="1100" dirty="0">
+              <a:solidFill>
+                <a:schemeClr val="tx1"/>
+              </a:solidFill>
+              <a:latin typeface="Consolas" panose="020B0609020204030204" pitchFamily="49" charset="0"/>
+            </a:endParaRPr>
+          </a:p>
+        </p:txBody>
+      </p:sp>
+      <p:sp>
+        <p:nvSpPr>
+          <p:cNvPr id="4" name="四角形: 角を丸くする 3">
+            <a:extLst>
+              <a:ext uri="{FF2B5EF4-FFF2-40B4-BE49-F238E27FC236}">
+                <a16:creationId xmlns:a16="http://schemas.microsoft.com/office/drawing/2014/main" id="{DE93C943-3190-4596-BEA5-F22DD2BCAB09}"/>
+              </a:ext>
+            </a:extLst>
+          </p:cNvPr>
+          <p:cNvSpPr/>
+          <p:nvPr/>
+        </p:nvSpPr>
+        <p:spPr>
+          <a:xfrm>
+            <a:off x="4067944" y="2132855"/>
+            <a:ext cx="936104" cy="576064"/>
+          </a:xfrm>
+          <a:prstGeom prst="roundRect">
+            <a:avLst/>
+          </a:prstGeom>
+          <a:noFill/>
+          <a:ln w="28575">
+            <a:solidFill>
+              <a:schemeClr val="tx1"/>
+            </a:solidFill>
+            <a:prstDash val="dash"/>
+          </a:ln>
+        </p:spPr>
+        <p:style>
+          <a:lnRef idx="2">
+            <a:schemeClr val="accent1">
+              <a:shade val="50000"/>
+            </a:schemeClr>
+          </a:lnRef>
+          <a:fillRef idx="1">
+            <a:schemeClr val="accent1"/>
+          </a:fillRef>
+          <a:effectRef idx="0">
+            <a:schemeClr val="accent1"/>
+          </a:effectRef>
+          <a:fontRef idx="minor">
+            <a:schemeClr val="lt1"/>
+          </a:fontRef>
+        </p:style>
+        <p:txBody>
+          <a:bodyPr rtlCol="0" anchor="ctr"/>
+          <a:lstStyle/>
+          <a:p>
+            <a:pPr algn="ctr"/>
+            <a:endParaRPr kumimoji="1" lang="ja-JP" altLang="en-US"/>
+          </a:p>
+        </p:txBody>
+      </p:sp>
+      <p:sp>
+        <p:nvSpPr>
+          <p:cNvPr id="5" name="テキスト ボックス 4">
+            <a:extLst>
+              <a:ext uri="{FF2B5EF4-FFF2-40B4-BE49-F238E27FC236}">
+                <a16:creationId xmlns:a16="http://schemas.microsoft.com/office/drawing/2014/main" id="{A0B77B58-8893-4D67-ADA2-B356FD159363}"/>
+              </a:ext>
+            </a:extLst>
+          </p:cNvPr>
+          <p:cNvSpPr txBox="1"/>
+          <p:nvPr/>
+        </p:nvSpPr>
+        <p:spPr>
+          <a:xfrm>
+            <a:off x="3707904" y="1700807"/>
+            <a:ext cx="2262158" cy="369332"/>
+          </a:xfrm>
+          <a:prstGeom prst="rect">
+            <a:avLst/>
+          </a:prstGeom>
+          <a:noFill/>
+        </p:spPr>
+        <p:txBody>
+          <a:bodyPr wrap="none" rtlCol="0">
+            <a:spAutoFit/>
+          </a:bodyPr>
+          <a:lstStyle/>
+          <a:p>
+            <a:pPr algn="ctr"/>
+            <a:r>
+              <a:rPr lang="ja-JP" altLang="en-US" dirty="0"/>
+              <a:t>リモートリポジトリ</a:t>
+            </a:r>
+            <a:endParaRPr kumimoji="1" lang="en-US" altLang="ja-JP" dirty="0"/>
+          </a:p>
+        </p:txBody>
+      </p:sp>
+      <p:sp>
+        <p:nvSpPr>
+          <p:cNvPr id="6" name="矢印: 下 5">
+            <a:extLst>
+              <a:ext uri="{FF2B5EF4-FFF2-40B4-BE49-F238E27FC236}">
+                <a16:creationId xmlns:a16="http://schemas.microsoft.com/office/drawing/2014/main" id="{3CEE4807-3ECA-402F-878D-AABD9B5DB8A3}"/>
+              </a:ext>
+            </a:extLst>
+          </p:cNvPr>
+          <p:cNvSpPr/>
+          <p:nvPr/>
+        </p:nvSpPr>
+        <p:spPr>
+          <a:xfrm rot="2700000">
+            <a:off x="3244969" y="2966064"/>
+            <a:ext cx="360040" cy="1080120"/>
+          </a:xfrm>
+          <a:prstGeom prst="downArrow">
+            <a:avLst/>
+          </a:prstGeom>
+          <a:solidFill>
+            <a:srgbClr val="FF0000"/>
+          </a:solidFill>
+          <a:ln>
+            <a:solidFill>
+              <a:schemeClr val="tx1"/>
+            </a:solidFill>
+          </a:ln>
+        </p:spPr>
+        <p:style>
+          <a:lnRef idx="2">
+            <a:schemeClr val="accent1">
+              <a:shade val="50000"/>
+            </a:schemeClr>
+          </a:lnRef>
+          <a:fillRef idx="1">
+            <a:schemeClr val="accent1"/>
+          </a:fillRef>
+          <a:effectRef idx="0">
+            <a:schemeClr val="accent1"/>
+          </a:effectRef>
+          <a:fontRef idx="minor">
+            <a:schemeClr val="lt1"/>
+          </a:fontRef>
+        </p:style>
+        <p:txBody>
+          <a:bodyPr rtlCol="0" anchor="ctr"/>
+          <a:lstStyle/>
+          <a:p>
+            <a:pPr algn="ctr"/>
+            <a:endParaRPr kumimoji="1" lang="ja-JP" altLang="en-US"/>
+          </a:p>
+        </p:txBody>
+      </p:sp>
+      <p:sp>
+        <p:nvSpPr>
+          <p:cNvPr id="7" name="テキスト ボックス 6">
+            <a:extLst>
+              <a:ext uri="{FF2B5EF4-FFF2-40B4-BE49-F238E27FC236}">
+                <a16:creationId xmlns:a16="http://schemas.microsoft.com/office/drawing/2014/main" id="{6AB517B1-CE7E-4903-896D-134A58DCFD3D}"/>
+              </a:ext>
+            </a:extLst>
+          </p:cNvPr>
+          <p:cNvSpPr txBox="1"/>
+          <p:nvPr/>
+        </p:nvSpPr>
+        <p:spPr>
+          <a:xfrm>
+            <a:off x="1043608" y="2636912"/>
+            <a:ext cx="2100255" cy="830997"/>
+          </a:xfrm>
+          <a:prstGeom prst="rect">
+            <a:avLst/>
+          </a:prstGeom>
+          <a:noFill/>
+        </p:spPr>
+        <p:txBody>
+          <a:bodyPr wrap="none" rtlCol="0">
+            <a:spAutoFit/>
+          </a:bodyPr>
+          <a:lstStyle/>
+          <a:p>
+            <a:r>
+              <a:rPr kumimoji="1" lang="en-US" altLang="ja-JP" sz="2400" dirty="0">
+                <a:solidFill>
+                  <a:srgbClr val="FF0000"/>
+                </a:solidFill>
+              </a:rPr>
+              <a:t>fetch</a:t>
+            </a:r>
+            <a:r>
+              <a:rPr kumimoji="1" lang="en-US" altLang="ja-JP" sz="2400" dirty="0"/>
+              <a:t> &amp; </a:t>
+            </a:r>
+            <a:r>
+              <a:rPr kumimoji="1" lang="en-US" altLang="ja-JP" sz="2400" dirty="0">
+                <a:solidFill>
+                  <a:srgbClr val="FF0000"/>
+                </a:solidFill>
+              </a:rPr>
+              <a:t>merge</a:t>
+            </a:r>
+          </a:p>
+          <a:p>
+            <a:r>
+              <a:rPr lang="en-US" altLang="ja-JP" sz="2400" dirty="0"/>
+              <a:t>(</a:t>
+            </a:r>
+            <a:r>
+              <a:rPr lang="ja-JP" altLang="en-US" sz="2400" dirty="0"/>
+              <a:t>初回は</a:t>
+            </a:r>
+            <a:r>
+              <a:rPr lang="en-US" altLang="ja-JP" sz="2400" dirty="0">
+                <a:solidFill>
+                  <a:srgbClr val="FF0000"/>
+                </a:solidFill>
+              </a:rPr>
+              <a:t>clone</a:t>
+            </a:r>
+            <a:r>
+              <a:rPr lang="en-US" altLang="ja-JP" sz="2400" dirty="0"/>
+              <a:t>)</a:t>
+            </a:r>
+            <a:endParaRPr kumimoji="1" lang="ja-JP" altLang="en-US" sz="2400" dirty="0"/>
+          </a:p>
+        </p:txBody>
+      </p:sp>
+      <p:sp>
+        <p:nvSpPr>
+          <p:cNvPr id="8" name="矢印: 下 7">
+            <a:extLst>
+              <a:ext uri="{FF2B5EF4-FFF2-40B4-BE49-F238E27FC236}">
+                <a16:creationId xmlns:a16="http://schemas.microsoft.com/office/drawing/2014/main" id="{B2ABC539-DAB3-4802-8E83-A857FC41E368}"/>
+              </a:ext>
+            </a:extLst>
+          </p:cNvPr>
+          <p:cNvSpPr/>
+          <p:nvPr/>
+        </p:nvSpPr>
+        <p:spPr>
+          <a:xfrm rot="8100000">
+            <a:off x="5837258" y="2966066"/>
+            <a:ext cx="360040" cy="1080120"/>
+          </a:xfrm>
+          <a:prstGeom prst="downArrow">
+            <a:avLst/>
+          </a:prstGeom>
+          <a:solidFill>
+            <a:srgbClr val="FF0000"/>
+          </a:solidFill>
+          <a:ln>
+            <a:solidFill>
+              <a:schemeClr val="tx1"/>
+            </a:solidFill>
+          </a:ln>
+        </p:spPr>
+        <p:style>
+          <a:lnRef idx="2">
+            <a:schemeClr val="accent1">
+              <a:shade val="50000"/>
+            </a:schemeClr>
+          </a:lnRef>
+          <a:fillRef idx="1">
+            <a:schemeClr val="accent1"/>
+          </a:fillRef>
+          <a:effectRef idx="0">
+            <a:schemeClr val="accent1"/>
+          </a:effectRef>
+          <a:fontRef idx="minor">
+            <a:schemeClr val="lt1"/>
+          </a:fontRef>
+        </p:style>
+        <p:txBody>
+          <a:bodyPr rtlCol="0" anchor="ctr"/>
+          <a:lstStyle/>
+          <a:p>
+            <a:pPr algn="ctr"/>
+            <a:endParaRPr kumimoji="1" lang="ja-JP" altLang="en-US"/>
+          </a:p>
+        </p:txBody>
+      </p:sp>
+      <p:sp>
+        <p:nvSpPr>
+          <p:cNvPr id="9" name="テキスト ボックス 8">
+            <a:extLst>
+              <a:ext uri="{FF2B5EF4-FFF2-40B4-BE49-F238E27FC236}">
+                <a16:creationId xmlns:a16="http://schemas.microsoft.com/office/drawing/2014/main" id="{F86F08EC-4B2D-4A24-A369-372E94D47E9F}"/>
+              </a:ext>
+            </a:extLst>
+          </p:cNvPr>
+          <p:cNvSpPr txBox="1"/>
+          <p:nvPr/>
+        </p:nvSpPr>
+        <p:spPr>
+          <a:xfrm>
+            <a:off x="6372200" y="3068960"/>
+            <a:ext cx="1152128" cy="461665"/>
+          </a:xfrm>
+          <a:prstGeom prst="rect">
+            <a:avLst/>
+          </a:prstGeom>
+          <a:noFill/>
+        </p:spPr>
+        <p:txBody>
+          <a:bodyPr wrap="square" rtlCol="0">
+            <a:spAutoFit/>
+          </a:bodyPr>
+          <a:lstStyle/>
+          <a:p>
+            <a:r>
+              <a:rPr kumimoji="1" lang="en-US" altLang="ja-JP" sz="2400" dirty="0">
+                <a:solidFill>
+                  <a:srgbClr val="FF0000"/>
+                </a:solidFill>
+              </a:rPr>
+              <a:t>push</a:t>
+            </a:r>
+            <a:endParaRPr kumimoji="1" lang="ja-JP" altLang="en-US" sz="2400" dirty="0">
+              <a:solidFill>
+                <a:srgbClr val="FF0000"/>
+              </a:solidFill>
+            </a:endParaRPr>
+          </a:p>
+        </p:txBody>
+      </p:sp>
+      <p:pic>
+        <p:nvPicPr>
+          <p:cNvPr id="10" name="図 9">
+            <a:extLst>
+              <a:ext uri="{FF2B5EF4-FFF2-40B4-BE49-F238E27FC236}">
+                <a16:creationId xmlns:a16="http://schemas.microsoft.com/office/drawing/2014/main" id="{B2357197-6BED-431B-A64F-033E79B167BF}"/>
+              </a:ext>
+            </a:extLst>
+          </p:cNvPr>
+          <p:cNvPicPr>
+            <a:picLocks noChangeAspect="1"/>
+          </p:cNvPicPr>
+          <p:nvPr/>
+        </p:nvPicPr>
+        <p:blipFill>
+          <a:blip r:embed="rId2">
+            <a:extLst>
+              <a:ext uri="{28A0092B-C50C-407E-A947-70E740481C1C}">
+                <a14:useLocalDpi xmlns:a14="http://schemas.microsoft.com/office/drawing/2010/main" val="0"/>
+              </a:ext>
+            </a:extLst>
+          </a:blip>
+          <a:stretch>
+            <a:fillRect/>
+          </a:stretch>
+        </p:blipFill>
+        <p:spPr>
+          <a:xfrm>
+            <a:off x="4283968" y="1052735"/>
+            <a:ext cx="609600" cy="609600"/>
+          </a:xfrm>
+          <a:prstGeom prst="rect">
+            <a:avLst/>
+          </a:prstGeom>
+        </p:spPr>
+      </p:pic>
+      <p:grpSp>
+        <p:nvGrpSpPr>
+          <p:cNvPr id="11" name="グループ化 10">
+            <a:extLst>
+              <a:ext uri="{FF2B5EF4-FFF2-40B4-BE49-F238E27FC236}">
+                <a16:creationId xmlns:a16="http://schemas.microsoft.com/office/drawing/2014/main" id="{6C8A1EAB-B295-4BDC-B9F2-0E607807BE95}"/>
+              </a:ext>
+            </a:extLst>
+          </p:cNvPr>
+          <p:cNvGrpSpPr/>
+          <p:nvPr/>
+        </p:nvGrpSpPr>
+        <p:grpSpPr>
+          <a:xfrm>
+            <a:off x="1259632" y="4725144"/>
+            <a:ext cx="1656184" cy="1224136"/>
+            <a:chOff x="611560" y="3284984"/>
+            <a:chExt cx="2376264" cy="1728192"/>
+          </a:xfrm>
+        </p:grpSpPr>
+        <p:pic>
+          <p:nvPicPr>
+            <p:cNvPr id="12" name="Picture 2" descr="ファイルアイコン（ブランク）">
+              <a:extLst>
+                <a:ext uri="{FF2B5EF4-FFF2-40B4-BE49-F238E27FC236}">
+                  <a16:creationId xmlns:a16="http://schemas.microsoft.com/office/drawing/2014/main" id="{D6859416-AC02-4B26-A26E-337AE126A546}"/>
+                </a:ext>
+              </a:extLst>
+            </p:cNvPr>
+            <p:cNvPicPr>
+              <a:picLocks noChangeAspect="1" noChangeArrowheads="1"/>
+            </p:cNvPicPr>
+            <p:nvPr/>
+          </p:nvPicPr>
+          <p:blipFill>
+            <a:blip r:embed="rId3" cstate="print">
+              <a:extLst>
+                <a:ext uri="{28A0092B-C50C-407E-A947-70E740481C1C}">
+                  <a14:useLocalDpi xmlns:a14="http://schemas.microsoft.com/office/drawing/2010/main" val="0"/>
+                </a:ext>
+              </a:extLst>
+            </a:blip>
+            <a:srcRect/>
+            <a:stretch>
+              <a:fillRect/>
+            </a:stretch>
+          </p:blipFill>
+          <p:spPr bwMode="auto">
+            <a:xfrm>
+              <a:off x="2411760" y="4344198"/>
+              <a:ext cx="576064" cy="668978"/>
+            </a:xfrm>
+            <a:prstGeom prst="rect">
+              <a:avLst/>
+            </a:prstGeom>
+            <a:noFill/>
+            <a:extLst>
+              <a:ext uri="{909E8E84-426E-40DD-AFC4-6F175D3DCCD1}">
+                <a14:hiddenFill xmlns:a14="http://schemas.microsoft.com/office/drawing/2010/main">
+                  <a:solidFill>
+                    <a:srgbClr val="FFFFFF"/>
+                  </a:solidFill>
+                </a14:hiddenFill>
+              </a:ext>
+            </a:extLst>
+          </p:spPr>
+        </p:pic>
+        <p:pic>
+          <p:nvPicPr>
+            <p:cNvPr id="13" name="Picture 4" descr="フォルダのイラスト">
+              <a:extLst>
+                <a:ext uri="{FF2B5EF4-FFF2-40B4-BE49-F238E27FC236}">
+                  <a16:creationId xmlns:a16="http://schemas.microsoft.com/office/drawing/2014/main" id="{C07B9B63-1ED8-4A30-A42A-957045B2A1B5}"/>
+                </a:ext>
+              </a:extLst>
+            </p:cNvPr>
+            <p:cNvPicPr>
+              <a:picLocks noChangeAspect="1" noChangeArrowheads="1"/>
+            </p:cNvPicPr>
+            <p:nvPr/>
+          </p:nvPicPr>
+          <p:blipFill>
+            <a:blip r:embed="rId4" cstate="print">
+              <a:extLst>
+                <a:ext uri="{28A0092B-C50C-407E-A947-70E740481C1C}">
+                  <a14:useLocalDpi xmlns:a14="http://schemas.microsoft.com/office/drawing/2010/main" val="0"/>
+                </a:ext>
+              </a:extLst>
+            </a:blip>
+            <a:srcRect/>
+            <a:stretch>
+              <a:fillRect/>
+            </a:stretch>
+          </p:blipFill>
+          <p:spPr bwMode="auto">
+            <a:xfrm>
+              <a:off x="611560" y="3284984"/>
+              <a:ext cx="792088" cy="663374"/>
+            </a:xfrm>
+            <a:prstGeom prst="rect">
+              <a:avLst/>
+            </a:prstGeom>
+            <a:noFill/>
+            <a:extLst>
+              <a:ext uri="{909E8E84-426E-40DD-AFC4-6F175D3DCCD1}">
+                <a14:hiddenFill xmlns:a14="http://schemas.microsoft.com/office/drawing/2010/main">
+                  <a:solidFill>
+                    <a:srgbClr val="FFFFFF"/>
+                  </a:solidFill>
+                </a14:hiddenFill>
+              </a:ext>
+            </a:extLst>
+          </p:spPr>
+        </p:pic>
+        <p:sp>
+          <p:nvSpPr>
+            <p:cNvPr id="14" name="フローチャート: 磁気ディスク 13">
+              <a:extLst>
+                <a:ext uri="{FF2B5EF4-FFF2-40B4-BE49-F238E27FC236}">
+                  <a16:creationId xmlns:a16="http://schemas.microsoft.com/office/drawing/2014/main" id="{A4585C29-1693-47A5-B064-7787D6FB4590}"/>
+                </a:ext>
+              </a:extLst>
+            </p:cNvPr>
+            <p:cNvSpPr/>
+            <p:nvPr/>
+          </p:nvSpPr>
+          <p:spPr>
+            <a:xfrm>
+              <a:off x="611560" y="4416206"/>
+              <a:ext cx="720080" cy="504056"/>
+            </a:xfrm>
+            <a:prstGeom prst="flowChartMagneticDisk">
+              <a:avLst/>
+            </a:prstGeom>
+            <a:solidFill>
+              <a:schemeClr val="bg1">
+                <a:lumMod val="95000"/>
+              </a:schemeClr>
+            </a:solidFill>
+            <a:ln>
+              <a:solidFill>
+                <a:schemeClr val="tx1"/>
+              </a:solidFill>
+            </a:ln>
+          </p:spPr>
+          <p:style>
+            <a:lnRef idx="2">
+              <a:schemeClr val="accent1">
+                <a:shade val="50000"/>
+              </a:schemeClr>
+            </a:lnRef>
+            <a:fillRef idx="1">
+              <a:schemeClr val="accent1"/>
+            </a:fillRef>
+            <a:effectRef idx="0">
+              <a:schemeClr val="accent1"/>
+            </a:effectRef>
+            <a:fontRef idx="minor">
+              <a:schemeClr val="lt1"/>
+            </a:fontRef>
+          </p:style>
+          <p:txBody>
+            <a:bodyPr rtlCol="0" anchor="ctr"/>
+            <a:lstStyle/>
+            <a:p>
+              <a:pPr algn="ctr"/>
+              <a:r>
+                <a:rPr kumimoji="1" lang="en-US" altLang="ja-JP" sz="1100" dirty="0">
+                  <a:solidFill>
+                    <a:schemeClr val="tx1"/>
+                  </a:solidFill>
+                  <a:latin typeface="Consolas" panose="020B0609020204030204" pitchFamily="49" charset="0"/>
+                </a:rPr>
+                <a:t>.git</a:t>
+              </a:r>
+              <a:endParaRPr kumimoji="1" lang="ja-JP" altLang="en-US" sz="1100" dirty="0">
+                <a:solidFill>
+                  <a:schemeClr val="tx1"/>
+                </a:solidFill>
+                <a:latin typeface="Consolas" panose="020B0609020204030204" pitchFamily="49" charset="0"/>
+              </a:endParaRPr>
+            </a:p>
+          </p:txBody>
+        </p:sp>
+        <p:pic>
+          <p:nvPicPr>
+            <p:cNvPr id="15" name="Picture 4" descr="フォルダのイラスト">
+              <a:extLst>
+                <a:ext uri="{FF2B5EF4-FFF2-40B4-BE49-F238E27FC236}">
+                  <a16:creationId xmlns:a16="http://schemas.microsoft.com/office/drawing/2014/main" id="{132C861C-45CA-4A69-AEA1-5619EB8C935E}"/>
+                </a:ext>
+              </a:extLst>
+            </p:cNvPr>
+            <p:cNvPicPr>
+              <a:picLocks noChangeAspect="1" noChangeArrowheads="1"/>
+            </p:cNvPicPr>
+            <p:nvPr/>
+          </p:nvPicPr>
+          <p:blipFill>
+            <a:blip r:embed="rId4" cstate="print">
+              <a:extLst>
+                <a:ext uri="{28A0092B-C50C-407E-A947-70E740481C1C}">
+                  <a14:useLocalDpi xmlns:a14="http://schemas.microsoft.com/office/drawing/2010/main" val="0"/>
+                </a:ext>
+              </a:extLst>
+            </a:blip>
+            <a:srcRect/>
+            <a:stretch>
+              <a:fillRect/>
+            </a:stretch>
+          </p:blipFill>
+          <p:spPr bwMode="auto">
+            <a:xfrm>
+              <a:off x="1475656" y="4344198"/>
+              <a:ext cx="792088" cy="663374"/>
+            </a:xfrm>
+            <a:prstGeom prst="rect">
+              <a:avLst/>
+            </a:prstGeom>
+            <a:noFill/>
+            <a:extLst>
+              <a:ext uri="{909E8E84-426E-40DD-AFC4-6F175D3DCCD1}">
+                <a14:hiddenFill xmlns:a14="http://schemas.microsoft.com/office/drawing/2010/main">
+                  <a:solidFill>
+                    <a:srgbClr val="FFFFFF"/>
+                  </a:solidFill>
+                </a14:hiddenFill>
+              </a:ext>
+            </a:extLst>
+          </p:spPr>
+        </p:pic>
+        <p:cxnSp>
+          <p:nvCxnSpPr>
+            <p:cNvPr id="16" name="コネクタ: カギ線 15">
+              <a:extLst>
+                <a:ext uri="{FF2B5EF4-FFF2-40B4-BE49-F238E27FC236}">
+                  <a16:creationId xmlns:a16="http://schemas.microsoft.com/office/drawing/2014/main" id="{A522B02A-C3D6-41D9-8EEB-3A89EDD4F174}"/>
+                </a:ext>
+              </a:extLst>
+            </p:cNvPr>
+            <p:cNvCxnSpPr>
+              <a:stCxn id="13" idx="2"/>
+              <a:endCxn id="15" idx="0"/>
+            </p:cNvCxnSpPr>
+            <p:nvPr/>
+          </p:nvCxnSpPr>
+          <p:spPr>
+            <a:xfrm rot="16200000" flipH="1">
+              <a:off x="1241732" y="3714230"/>
+              <a:ext cx="395840" cy="864096"/>
+            </a:xfrm>
+            <a:prstGeom prst="bentConnector3">
+              <a:avLst/>
+            </a:prstGeom>
+            <a:ln w="12700">
+              <a:solidFill>
+                <a:schemeClr val="tx1"/>
+              </a:solidFill>
+            </a:ln>
+          </p:spPr>
+          <p:style>
+            <a:lnRef idx="1">
+              <a:schemeClr val="accent1"/>
+            </a:lnRef>
+            <a:fillRef idx="0">
+              <a:schemeClr val="accent1"/>
+            </a:fillRef>
+            <a:effectRef idx="0">
+              <a:schemeClr val="accent1"/>
+            </a:effectRef>
+            <a:fontRef idx="minor">
+              <a:schemeClr val="tx1"/>
+            </a:fontRef>
+          </p:style>
+        </p:cxnSp>
+        <p:cxnSp>
+          <p:nvCxnSpPr>
+            <p:cNvPr id="17" name="コネクタ: カギ線 16">
+              <a:extLst>
+                <a:ext uri="{FF2B5EF4-FFF2-40B4-BE49-F238E27FC236}">
+                  <a16:creationId xmlns:a16="http://schemas.microsoft.com/office/drawing/2014/main" id="{1FF5F6F3-B20D-4611-8B1A-41EF6191F14A}"/>
+                </a:ext>
+              </a:extLst>
+            </p:cNvPr>
+            <p:cNvCxnSpPr>
+              <a:stCxn id="13" idx="2"/>
+              <a:endCxn id="12" idx="0"/>
+            </p:cNvCxnSpPr>
+            <p:nvPr/>
+          </p:nvCxnSpPr>
+          <p:spPr>
+            <a:xfrm rot="16200000" flipH="1">
+              <a:off x="1655778" y="3300184"/>
+              <a:ext cx="395840" cy="1692188"/>
+            </a:xfrm>
+            <a:prstGeom prst="bentConnector3">
+              <a:avLst/>
+            </a:prstGeom>
+            <a:ln w="12700">
+              <a:solidFill>
+                <a:schemeClr val="tx1"/>
+              </a:solidFill>
+            </a:ln>
+          </p:spPr>
+          <p:style>
+            <a:lnRef idx="1">
+              <a:schemeClr val="accent1"/>
+            </a:lnRef>
+            <a:fillRef idx="0">
+              <a:schemeClr val="accent1"/>
+            </a:fillRef>
+            <a:effectRef idx="0">
+              <a:schemeClr val="accent1"/>
+            </a:effectRef>
+            <a:fontRef idx="minor">
+              <a:schemeClr val="tx1"/>
+            </a:fontRef>
+          </p:style>
+        </p:cxnSp>
+        <p:cxnSp>
+          <p:nvCxnSpPr>
+            <p:cNvPr id="18" name="直線コネクタ 17">
+              <a:extLst>
+                <a:ext uri="{FF2B5EF4-FFF2-40B4-BE49-F238E27FC236}">
+                  <a16:creationId xmlns:a16="http://schemas.microsoft.com/office/drawing/2014/main" id="{05077C91-7335-4633-B89C-490CF6680583}"/>
+                </a:ext>
+              </a:extLst>
+            </p:cNvPr>
+            <p:cNvCxnSpPr>
+              <a:cxnSpLocks/>
+            </p:cNvCxnSpPr>
+            <p:nvPr/>
+          </p:nvCxnSpPr>
+          <p:spPr>
+            <a:xfrm>
+              <a:off x="1004863" y="4121300"/>
+              <a:ext cx="0" cy="216024"/>
+            </a:xfrm>
+            <a:prstGeom prst="line">
+              <a:avLst/>
+            </a:prstGeom>
+            <a:ln w="12700">
+              <a:solidFill>
+                <a:schemeClr val="tx1"/>
+              </a:solidFill>
+            </a:ln>
+          </p:spPr>
+          <p:style>
+            <a:lnRef idx="1">
+              <a:schemeClr val="accent1"/>
+            </a:lnRef>
+            <a:fillRef idx="0">
+              <a:schemeClr val="accent1"/>
+            </a:fillRef>
+            <a:effectRef idx="0">
+              <a:schemeClr val="accent1"/>
+            </a:effectRef>
+            <a:fontRef idx="minor">
+              <a:schemeClr val="tx1"/>
+            </a:fontRef>
+          </p:style>
+        </p:cxnSp>
+      </p:grpSp>
+      <p:sp>
+        <p:nvSpPr>
+          <p:cNvPr id="19" name="四角形: 角を丸くする 18">
+            <a:extLst>
+              <a:ext uri="{FF2B5EF4-FFF2-40B4-BE49-F238E27FC236}">
+                <a16:creationId xmlns:a16="http://schemas.microsoft.com/office/drawing/2014/main" id="{9C84640C-EEC2-4A7A-AB9E-F1312F58DE66}"/>
+              </a:ext>
+            </a:extLst>
+          </p:cNvPr>
+          <p:cNvSpPr/>
+          <p:nvPr/>
+        </p:nvSpPr>
+        <p:spPr>
+          <a:xfrm>
+            <a:off x="971600" y="4581128"/>
+            <a:ext cx="2376264" cy="1440160"/>
+          </a:xfrm>
+          <a:prstGeom prst="roundRect">
+            <a:avLst/>
+          </a:prstGeom>
+          <a:noFill/>
+          <a:ln w="28575">
+            <a:solidFill>
+              <a:schemeClr val="tx1"/>
+            </a:solidFill>
+            <a:prstDash val="dash"/>
+          </a:ln>
+        </p:spPr>
+        <p:style>
+          <a:lnRef idx="2">
+            <a:schemeClr val="accent1">
+              <a:shade val="50000"/>
+            </a:schemeClr>
+          </a:lnRef>
+          <a:fillRef idx="1">
+            <a:schemeClr val="accent1"/>
+          </a:fillRef>
+          <a:effectRef idx="0">
+            <a:schemeClr val="accent1"/>
+          </a:effectRef>
+          <a:fontRef idx="minor">
+            <a:schemeClr val="lt1"/>
+          </a:fontRef>
+        </p:style>
+        <p:txBody>
+          <a:bodyPr rtlCol="0" anchor="ctr"/>
+          <a:lstStyle/>
+          <a:p>
+            <a:pPr algn="ctr"/>
+            <a:endParaRPr kumimoji="1" lang="ja-JP" altLang="en-US"/>
+          </a:p>
+        </p:txBody>
+      </p:sp>
+      <p:sp>
+        <p:nvSpPr>
+          <p:cNvPr id="20" name="テキスト ボックス 19">
+            <a:extLst>
+              <a:ext uri="{FF2B5EF4-FFF2-40B4-BE49-F238E27FC236}">
+                <a16:creationId xmlns:a16="http://schemas.microsoft.com/office/drawing/2014/main" id="{0328074C-0038-4A64-A6CD-A0545F8E1754}"/>
+              </a:ext>
+            </a:extLst>
+          </p:cNvPr>
+          <p:cNvSpPr txBox="1"/>
+          <p:nvPr/>
+        </p:nvSpPr>
+        <p:spPr>
+          <a:xfrm>
+            <a:off x="1115616" y="4077072"/>
+            <a:ext cx="2262158" cy="369332"/>
+          </a:xfrm>
+          <a:prstGeom prst="rect">
+            <a:avLst/>
+          </a:prstGeom>
+          <a:noFill/>
+        </p:spPr>
+        <p:txBody>
+          <a:bodyPr wrap="none" rtlCol="0">
+            <a:spAutoFit/>
+          </a:bodyPr>
+          <a:lstStyle/>
+          <a:p>
+            <a:r>
+              <a:rPr kumimoji="1" lang="ja-JP" altLang="en-US" dirty="0"/>
+              <a:t>ローカルリポジトリ</a:t>
+            </a:r>
+          </a:p>
+        </p:txBody>
+      </p:sp>
+      <p:grpSp>
+        <p:nvGrpSpPr>
+          <p:cNvPr id="21" name="グループ化 20">
+            <a:extLst>
+              <a:ext uri="{FF2B5EF4-FFF2-40B4-BE49-F238E27FC236}">
+                <a16:creationId xmlns:a16="http://schemas.microsoft.com/office/drawing/2014/main" id="{4103BAB4-6BB5-49EA-9EE6-EDF7DA6C040F}"/>
+              </a:ext>
+            </a:extLst>
+          </p:cNvPr>
+          <p:cNvGrpSpPr/>
+          <p:nvPr/>
+        </p:nvGrpSpPr>
+        <p:grpSpPr>
+          <a:xfrm>
+            <a:off x="5868144" y="4725144"/>
+            <a:ext cx="1656184" cy="1224136"/>
+            <a:chOff x="611560" y="3284984"/>
+            <a:chExt cx="2376264" cy="1728192"/>
+          </a:xfrm>
+        </p:grpSpPr>
+        <p:pic>
+          <p:nvPicPr>
+            <p:cNvPr id="22" name="Picture 2" descr="ファイルアイコン（ブランク）">
+              <a:extLst>
+                <a:ext uri="{FF2B5EF4-FFF2-40B4-BE49-F238E27FC236}">
+                  <a16:creationId xmlns:a16="http://schemas.microsoft.com/office/drawing/2014/main" id="{5D0335CB-9AEC-4D8E-84AB-20E5D9A4ADC4}"/>
+                </a:ext>
+              </a:extLst>
+            </p:cNvPr>
+            <p:cNvPicPr>
+              <a:picLocks noChangeAspect="1" noChangeArrowheads="1"/>
+            </p:cNvPicPr>
+            <p:nvPr/>
+          </p:nvPicPr>
+          <p:blipFill>
+            <a:blip r:embed="rId3" cstate="print">
+              <a:extLst>
+                <a:ext uri="{28A0092B-C50C-407E-A947-70E740481C1C}">
+                  <a14:useLocalDpi xmlns:a14="http://schemas.microsoft.com/office/drawing/2010/main" val="0"/>
+                </a:ext>
+              </a:extLst>
+            </a:blip>
+            <a:srcRect/>
+            <a:stretch>
+              <a:fillRect/>
+            </a:stretch>
+          </p:blipFill>
+          <p:spPr bwMode="auto">
+            <a:xfrm>
+              <a:off x="2411760" y="4344198"/>
+              <a:ext cx="576064" cy="668978"/>
+            </a:xfrm>
+            <a:prstGeom prst="rect">
+              <a:avLst/>
+            </a:prstGeom>
+            <a:noFill/>
+            <a:extLst>
+              <a:ext uri="{909E8E84-426E-40DD-AFC4-6F175D3DCCD1}">
+                <a14:hiddenFill xmlns:a14="http://schemas.microsoft.com/office/drawing/2010/main">
+                  <a:solidFill>
+                    <a:srgbClr val="FFFFFF"/>
+                  </a:solidFill>
+                </a14:hiddenFill>
+              </a:ext>
+            </a:extLst>
+          </p:spPr>
+        </p:pic>
+        <p:pic>
+          <p:nvPicPr>
+            <p:cNvPr id="23" name="Picture 4" descr="フォルダのイラスト">
+              <a:extLst>
+                <a:ext uri="{FF2B5EF4-FFF2-40B4-BE49-F238E27FC236}">
+                  <a16:creationId xmlns:a16="http://schemas.microsoft.com/office/drawing/2014/main" id="{2F350B0B-AC8F-44B7-8C10-AFAA0D6C0509}"/>
+                </a:ext>
+              </a:extLst>
+            </p:cNvPr>
+            <p:cNvPicPr>
+              <a:picLocks noChangeAspect="1" noChangeArrowheads="1"/>
+            </p:cNvPicPr>
+            <p:nvPr/>
+          </p:nvPicPr>
+          <p:blipFill>
+            <a:blip r:embed="rId4" cstate="print">
+              <a:extLst>
+                <a:ext uri="{28A0092B-C50C-407E-A947-70E740481C1C}">
+                  <a14:useLocalDpi xmlns:a14="http://schemas.microsoft.com/office/drawing/2010/main" val="0"/>
+                </a:ext>
+              </a:extLst>
+            </a:blip>
+            <a:srcRect/>
+            <a:stretch>
+              <a:fillRect/>
+            </a:stretch>
+          </p:blipFill>
+          <p:spPr bwMode="auto">
+            <a:xfrm>
+              <a:off x="611560" y="3284984"/>
+              <a:ext cx="792088" cy="663374"/>
+            </a:xfrm>
+            <a:prstGeom prst="rect">
+              <a:avLst/>
+            </a:prstGeom>
+            <a:noFill/>
+            <a:extLst>
+              <a:ext uri="{909E8E84-426E-40DD-AFC4-6F175D3DCCD1}">
+                <a14:hiddenFill xmlns:a14="http://schemas.microsoft.com/office/drawing/2010/main">
+                  <a:solidFill>
+                    <a:srgbClr val="FFFFFF"/>
+                  </a:solidFill>
+                </a14:hiddenFill>
+              </a:ext>
+            </a:extLst>
+          </p:spPr>
+        </p:pic>
+        <p:sp>
+          <p:nvSpPr>
+            <p:cNvPr id="24" name="フローチャート: 磁気ディスク 23">
+              <a:extLst>
+                <a:ext uri="{FF2B5EF4-FFF2-40B4-BE49-F238E27FC236}">
+                  <a16:creationId xmlns:a16="http://schemas.microsoft.com/office/drawing/2014/main" id="{9843FC41-8CC9-4387-9D3C-AE87317780AB}"/>
+                </a:ext>
+              </a:extLst>
+            </p:cNvPr>
+            <p:cNvSpPr/>
+            <p:nvPr/>
+          </p:nvSpPr>
+          <p:spPr>
+            <a:xfrm>
+              <a:off x="611560" y="4416206"/>
+              <a:ext cx="720080" cy="504056"/>
+            </a:xfrm>
+            <a:prstGeom prst="flowChartMagneticDisk">
+              <a:avLst/>
+            </a:prstGeom>
+            <a:solidFill>
+              <a:schemeClr val="bg1">
+                <a:lumMod val="95000"/>
+              </a:schemeClr>
+            </a:solidFill>
+            <a:ln>
+              <a:solidFill>
+                <a:schemeClr val="tx1"/>
+              </a:solidFill>
+            </a:ln>
+          </p:spPr>
+          <p:style>
+            <a:lnRef idx="2">
+              <a:schemeClr val="accent1">
+                <a:shade val="50000"/>
+              </a:schemeClr>
+            </a:lnRef>
+            <a:fillRef idx="1">
+              <a:schemeClr val="accent1"/>
+            </a:fillRef>
+            <a:effectRef idx="0">
+              <a:schemeClr val="accent1"/>
+            </a:effectRef>
+            <a:fontRef idx="minor">
+              <a:schemeClr val="lt1"/>
+            </a:fontRef>
+          </p:style>
+          <p:txBody>
+            <a:bodyPr rtlCol="0" anchor="ctr"/>
+            <a:lstStyle/>
+            <a:p>
+              <a:pPr algn="ctr"/>
+              <a:r>
+                <a:rPr kumimoji="1" lang="en-US" altLang="ja-JP" sz="1100" dirty="0">
+                  <a:solidFill>
+                    <a:schemeClr val="tx1"/>
+                  </a:solidFill>
+                  <a:latin typeface="Consolas" panose="020B0609020204030204" pitchFamily="49" charset="0"/>
+                </a:rPr>
+                <a:t>.git</a:t>
+              </a:r>
+              <a:endParaRPr kumimoji="1" lang="ja-JP" altLang="en-US" sz="1100" dirty="0">
+                <a:solidFill>
+                  <a:schemeClr val="tx1"/>
+                </a:solidFill>
+                <a:latin typeface="Consolas" panose="020B0609020204030204" pitchFamily="49" charset="0"/>
+              </a:endParaRPr>
+            </a:p>
+          </p:txBody>
+        </p:sp>
+        <p:pic>
+          <p:nvPicPr>
+            <p:cNvPr id="25" name="Picture 4" descr="フォルダのイラスト">
+              <a:extLst>
+                <a:ext uri="{FF2B5EF4-FFF2-40B4-BE49-F238E27FC236}">
+                  <a16:creationId xmlns:a16="http://schemas.microsoft.com/office/drawing/2014/main" id="{D3F1801E-9394-48CC-9ABE-5AC0FDF0E2BE}"/>
+                </a:ext>
+              </a:extLst>
+            </p:cNvPr>
+            <p:cNvPicPr>
+              <a:picLocks noChangeAspect="1" noChangeArrowheads="1"/>
+            </p:cNvPicPr>
+            <p:nvPr/>
+          </p:nvPicPr>
+          <p:blipFill>
+            <a:blip r:embed="rId4" cstate="print">
+              <a:extLst>
+                <a:ext uri="{28A0092B-C50C-407E-A947-70E740481C1C}">
+                  <a14:useLocalDpi xmlns:a14="http://schemas.microsoft.com/office/drawing/2010/main" val="0"/>
+                </a:ext>
+              </a:extLst>
+            </a:blip>
+            <a:srcRect/>
+            <a:stretch>
+              <a:fillRect/>
+            </a:stretch>
+          </p:blipFill>
+          <p:spPr bwMode="auto">
+            <a:xfrm>
+              <a:off x="1475656" y="4344198"/>
+              <a:ext cx="792088" cy="663374"/>
+            </a:xfrm>
+            <a:prstGeom prst="rect">
+              <a:avLst/>
+            </a:prstGeom>
+            <a:noFill/>
+            <a:extLst>
+              <a:ext uri="{909E8E84-426E-40DD-AFC4-6F175D3DCCD1}">
+                <a14:hiddenFill xmlns:a14="http://schemas.microsoft.com/office/drawing/2010/main">
+                  <a:solidFill>
+                    <a:srgbClr val="FFFFFF"/>
+                  </a:solidFill>
+                </a14:hiddenFill>
+              </a:ext>
+            </a:extLst>
+          </p:spPr>
+        </p:pic>
+        <p:cxnSp>
+          <p:nvCxnSpPr>
+            <p:cNvPr id="26" name="コネクタ: カギ線 25">
+              <a:extLst>
+                <a:ext uri="{FF2B5EF4-FFF2-40B4-BE49-F238E27FC236}">
+                  <a16:creationId xmlns:a16="http://schemas.microsoft.com/office/drawing/2014/main" id="{19933E87-6C97-46F3-88CC-9189ADFF17C0}"/>
+                </a:ext>
+              </a:extLst>
+            </p:cNvPr>
+            <p:cNvCxnSpPr>
+              <a:stCxn id="23" idx="2"/>
+              <a:endCxn id="25" idx="0"/>
+            </p:cNvCxnSpPr>
+            <p:nvPr/>
+          </p:nvCxnSpPr>
+          <p:spPr>
+            <a:xfrm rot="16200000" flipH="1">
+              <a:off x="1241732" y="3714230"/>
+              <a:ext cx="395840" cy="864096"/>
+            </a:xfrm>
+            <a:prstGeom prst="bentConnector3">
+              <a:avLst/>
+            </a:prstGeom>
+            <a:ln w="12700">
+              <a:solidFill>
+                <a:schemeClr val="tx1"/>
+              </a:solidFill>
+            </a:ln>
+          </p:spPr>
+          <p:style>
+            <a:lnRef idx="1">
+              <a:schemeClr val="accent1"/>
+            </a:lnRef>
+            <a:fillRef idx="0">
+              <a:schemeClr val="accent1"/>
+            </a:fillRef>
+            <a:effectRef idx="0">
+              <a:schemeClr val="accent1"/>
+            </a:effectRef>
+            <a:fontRef idx="minor">
+              <a:schemeClr val="tx1"/>
+            </a:fontRef>
+          </p:style>
+        </p:cxnSp>
+        <p:cxnSp>
+          <p:nvCxnSpPr>
+            <p:cNvPr id="27" name="コネクタ: カギ線 26">
+              <a:extLst>
+                <a:ext uri="{FF2B5EF4-FFF2-40B4-BE49-F238E27FC236}">
+                  <a16:creationId xmlns:a16="http://schemas.microsoft.com/office/drawing/2014/main" id="{7D46C6BC-3C0C-428D-866D-99C2DEA0837F}"/>
+                </a:ext>
+              </a:extLst>
+            </p:cNvPr>
+            <p:cNvCxnSpPr>
+              <a:stCxn id="23" idx="2"/>
+              <a:endCxn id="22" idx="0"/>
+            </p:cNvCxnSpPr>
+            <p:nvPr/>
+          </p:nvCxnSpPr>
+          <p:spPr>
+            <a:xfrm rot="16200000" flipH="1">
+              <a:off x="1655778" y="3300184"/>
+              <a:ext cx="395840" cy="1692188"/>
+            </a:xfrm>
+            <a:prstGeom prst="bentConnector3">
+              <a:avLst/>
+            </a:prstGeom>
+            <a:ln w="12700">
+              <a:solidFill>
+                <a:schemeClr val="tx1"/>
+              </a:solidFill>
+            </a:ln>
+          </p:spPr>
+          <p:style>
+            <a:lnRef idx="1">
+              <a:schemeClr val="accent1"/>
+            </a:lnRef>
+            <a:fillRef idx="0">
+              <a:schemeClr val="accent1"/>
+            </a:fillRef>
+            <a:effectRef idx="0">
+              <a:schemeClr val="accent1"/>
+            </a:effectRef>
+            <a:fontRef idx="minor">
+              <a:schemeClr val="tx1"/>
+            </a:fontRef>
+          </p:style>
+        </p:cxnSp>
+        <p:cxnSp>
+          <p:nvCxnSpPr>
+            <p:cNvPr id="28" name="直線コネクタ 27">
+              <a:extLst>
+                <a:ext uri="{FF2B5EF4-FFF2-40B4-BE49-F238E27FC236}">
+                  <a16:creationId xmlns:a16="http://schemas.microsoft.com/office/drawing/2014/main" id="{8A61BE9E-A35D-49A6-9C71-BF973516F219}"/>
+                </a:ext>
+              </a:extLst>
+            </p:cNvPr>
+            <p:cNvCxnSpPr>
+              <a:cxnSpLocks/>
+            </p:cNvCxnSpPr>
+            <p:nvPr/>
+          </p:nvCxnSpPr>
+          <p:spPr>
+            <a:xfrm>
+              <a:off x="1004863" y="4121300"/>
+              <a:ext cx="0" cy="216024"/>
+            </a:xfrm>
+            <a:prstGeom prst="line">
+              <a:avLst/>
+            </a:prstGeom>
+            <a:ln w="12700">
+              <a:solidFill>
+                <a:schemeClr val="tx1"/>
+              </a:solidFill>
+            </a:ln>
+          </p:spPr>
+          <p:style>
+            <a:lnRef idx="1">
+              <a:schemeClr val="accent1"/>
+            </a:lnRef>
+            <a:fillRef idx="0">
+              <a:schemeClr val="accent1"/>
+            </a:fillRef>
+            <a:effectRef idx="0">
+              <a:schemeClr val="accent1"/>
+            </a:effectRef>
+            <a:fontRef idx="minor">
+              <a:schemeClr val="tx1"/>
+            </a:fontRef>
+          </p:style>
+        </p:cxnSp>
+      </p:grpSp>
+      <p:sp>
+        <p:nvSpPr>
+          <p:cNvPr id="29" name="四角形: 角を丸くする 28">
+            <a:extLst>
+              <a:ext uri="{FF2B5EF4-FFF2-40B4-BE49-F238E27FC236}">
+                <a16:creationId xmlns:a16="http://schemas.microsoft.com/office/drawing/2014/main" id="{4EEBB386-569E-41C2-B249-73FEF1373D90}"/>
+              </a:ext>
+            </a:extLst>
+          </p:cNvPr>
+          <p:cNvSpPr/>
+          <p:nvPr/>
+        </p:nvSpPr>
+        <p:spPr>
+          <a:xfrm>
+            <a:off x="5580112" y="4581128"/>
+            <a:ext cx="2376264" cy="1440160"/>
+          </a:xfrm>
+          <a:prstGeom prst="roundRect">
+            <a:avLst/>
+          </a:prstGeom>
+          <a:noFill/>
+          <a:ln w="28575">
+            <a:solidFill>
+              <a:schemeClr val="tx1"/>
+            </a:solidFill>
+            <a:prstDash val="dash"/>
+          </a:ln>
+        </p:spPr>
+        <p:style>
+          <a:lnRef idx="2">
+            <a:schemeClr val="accent1">
+              <a:shade val="50000"/>
+            </a:schemeClr>
+          </a:lnRef>
+          <a:fillRef idx="1">
+            <a:schemeClr val="accent1"/>
+          </a:fillRef>
+          <a:effectRef idx="0">
+            <a:schemeClr val="accent1"/>
+          </a:effectRef>
+          <a:fontRef idx="minor">
+            <a:schemeClr val="lt1"/>
+          </a:fontRef>
+        </p:style>
+        <p:txBody>
+          <a:bodyPr rtlCol="0" anchor="ctr"/>
+          <a:lstStyle/>
+          <a:p>
+            <a:pPr algn="ctr"/>
+            <a:endParaRPr kumimoji="1" lang="ja-JP" altLang="en-US"/>
+          </a:p>
+        </p:txBody>
+      </p:sp>
+      <p:sp>
+        <p:nvSpPr>
+          <p:cNvPr id="30" name="テキスト ボックス 29">
+            <a:extLst>
+              <a:ext uri="{FF2B5EF4-FFF2-40B4-BE49-F238E27FC236}">
+                <a16:creationId xmlns:a16="http://schemas.microsoft.com/office/drawing/2014/main" id="{B3F1189D-EC1D-4133-9AB3-593E04357B7F}"/>
+              </a:ext>
+            </a:extLst>
+          </p:cNvPr>
+          <p:cNvSpPr txBox="1"/>
+          <p:nvPr/>
+        </p:nvSpPr>
+        <p:spPr>
+          <a:xfrm>
+            <a:off x="5580112" y="4149080"/>
+            <a:ext cx="2262158" cy="369332"/>
+          </a:xfrm>
+          <a:prstGeom prst="rect">
+            <a:avLst/>
+          </a:prstGeom>
+          <a:noFill/>
+        </p:spPr>
+        <p:txBody>
+          <a:bodyPr wrap="none" rtlCol="0">
+            <a:spAutoFit/>
+          </a:bodyPr>
+          <a:lstStyle/>
+          <a:p>
+            <a:r>
+              <a:rPr kumimoji="1" lang="ja-JP" altLang="en-US" dirty="0"/>
+              <a:t>ローカルリポジトリ</a:t>
+            </a:r>
+          </a:p>
+        </p:txBody>
+      </p:sp>
+      <p:sp>
+        <p:nvSpPr>
+          <p:cNvPr id="31" name="矢印: 下 30">
+            <a:extLst>
+              <a:ext uri="{FF2B5EF4-FFF2-40B4-BE49-F238E27FC236}">
+                <a16:creationId xmlns:a16="http://schemas.microsoft.com/office/drawing/2014/main" id="{A4126D58-1A70-4425-A31D-D95F3802AE40}"/>
+              </a:ext>
+            </a:extLst>
+          </p:cNvPr>
+          <p:cNvSpPr/>
+          <p:nvPr/>
+        </p:nvSpPr>
+        <p:spPr>
+          <a:xfrm rot="16200000">
+            <a:off x="4355976" y="4725144"/>
+            <a:ext cx="360040" cy="1080120"/>
+          </a:xfrm>
+          <a:prstGeom prst="downArrow">
+            <a:avLst/>
+          </a:prstGeom>
+          <a:solidFill>
+            <a:srgbClr val="FF0000"/>
+          </a:solidFill>
+          <a:ln>
+            <a:solidFill>
+              <a:schemeClr val="tx1"/>
+            </a:solidFill>
+          </a:ln>
+        </p:spPr>
+        <p:style>
+          <a:lnRef idx="2">
+            <a:schemeClr val="accent1">
+              <a:shade val="50000"/>
+            </a:schemeClr>
+          </a:lnRef>
+          <a:fillRef idx="1">
+            <a:schemeClr val="accent1"/>
+          </a:fillRef>
+          <a:effectRef idx="0">
+            <a:schemeClr val="accent1"/>
+          </a:effectRef>
+          <a:fontRef idx="minor">
+            <a:schemeClr val="lt1"/>
+          </a:fontRef>
+        </p:style>
+        <p:txBody>
+          <a:bodyPr rtlCol="0" anchor="ctr"/>
+          <a:lstStyle/>
+          <a:p>
+            <a:pPr algn="ctr"/>
+            <a:endParaRPr kumimoji="1" lang="ja-JP" altLang="en-US"/>
+          </a:p>
+        </p:txBody>
+      </p:sp>
+      <p:sp>
+        <p:nvSpPr>
+          <p:cNvPr id="32" name="テキスト ボックス 31">
+            <a:extLst>
+              <a:ext uri="{FF2B5EF4-FFF2-40B4-BE49-F238E27FC236}">
+                <a16:creationId xmlns:a16="http://schemas.microsoft.com/office/drawing/2014/main" id="{E290DE39-DACB-4475-8CFC-0300548B4BE1}"/>
+              </a:ext>
+            </a:extLst>
+          </p:cNvPr>
+          <p:cNvSpPr txBox="1"/>
+          <p:nvPr/>
+        </p:nvSpPr>
+        <p:spPr>
+          <a:xfrm>
+            <a:off x="3851920" y="4581128"/>
+            <a:ext cx="1176925" cy="461665"/>
+          </a:xfrm>
+          <a:prstGeom prst="rect">
+            <a:avLst/>
+          </a:prstGeom>
+          <a:noFill/>
+        </p:spPr>
+        <p:txBody>
+          <a:bodyPr wrap="none" rtlCol="0">
+            <a:spAutoFit/>
+          </a:bodyPr>
+          <a:lstStyle/>
+          <a:p>
+            <a:r>
+              <a:rPr kumimoji="1" lang="en-US" altLang="ja-JP" sz="2400" dirty="0"/>
+              <a:t>commit</a:t>
+            </a:r>
+            <a:endParaRPr kumimoji="1" lang="ja-JP" altLang="en-US" sz="2400" dirty="0"/>
+          </a:p>
+        </p:txBody>
+      </p:sp>
+      <p:sp>
+        <p:nvSpPr>
+          <p:cNvPr id="33" name="テキスト ボックス 32">
+            <a:extLst>
+              <a:ext uri="{FF2B5EF4-FFF2-40B4-BE49-F238E27FC236}">
+                <a16:creationId xmlns:a16="http://schemas.microsoft.com/office/drawing/2014/main" id="{509834A7-0D6C-4D34-B079-EE607ACC3A0F}"/>
+              </a:ext>
+            </a:extLst>
+          </p:cNvPr>
+          <p:cNvSpPr txBox="1"/>
+          <p:nvPr/>
+        </p:nvSpPr>
+        <p:spPr>
+          <a:xfrm>
+            <a:off x="1619672" y="6237312"/>
+            <a:ext cx="5724644" cy="461665"/>
+          </a:xfrm>
+          <a:prstGeom prst="rect">
+            <a:avLst/>
+          </a:prstGeom>
+          <a:noFill/>
+          <a:ln>
+            <a:solidFill>
+              <a:schemeClr val="tx1"/>
+            </a:solidFill>
+          </a:ln>
+        </p:spPr>
+        <p:txBody>
+          <a:bodyPr wrap="none" rtlCol="0">
+            <a:spAutoFit/>
+          </a:bodyPr>
+          <a:lstStyle/>
+          <a:p>
+            <a:r>
+              <a:rPr lang="ja-JP" altLang="en-US" sz="2400"/>
+              <a:t>赤字がリモートとやりとりするコマンド</a:t>
+            </a:r>
+            <a:endParaRPr lang="en-US" sz="2400"/>
+          </a:p>
+        </p:txBody>
+      </p:sp>
+    </p:spTree>
+    <p:extLst>
+      <p:ext uri="{BB962C8B-B14F-4D97-AF65-F5344CB8AC3E}">
+        <p14:creationId xmlns:p14="http://schemas.microsoft.com/office/powerpoint/2010/main" val="207680702"/>
+      </p:ext>
+    </p:extLst>
+  </p:cSld>
+  <p:clrMapOvr>
+    <a:masterClrMapping/>
+  </p:clrMapOvr>
+</p:sld>
+</file>
+
+<file path=ppt/slides/slide11.xml><?xml version="1.0" encoding="utf-8"?>
+<p:sld xmlns:a="http://schemas.openxmlformats.org/drawingml/2006/main" xmlns:r="http://schemas.openxmlformats.org/officeDocument/2006/relationships" xmlns:p="http://schemas.openxmlformats.org/presentationml/2006/main">
+  <p:cSld>
+    <p:spTree>
+      <p:nvGrpSpPr>
+        <p:cNvPr id="1" name=""/>
+        <p:cNvGrpSpPr/>
+        <p:nvPr/>
+      </p:nvGrpSpPr>
+      <p:grpSpPr>
+        <a:xfrm>
+          <a:off x="0" y="0"/>
+          <a:ext cx="0" cy="0"/>
+          <a:chOff x="0" y="0"/>
+          <a:chExt cx="0" cy="0"/>
+        </a:xfrm>
+      </p:grpSpPr>
+      <p:sp>
+        <p:nvSpPr>
+          <p:cNvPr id="2" name="テキスト プレースホルダー 1">
+            <a:extLst>
+              <a:ext uri="{FF2B5EF4-FFF2-40B4-BE49-F238E27FC236}">
+                <a16:creationId xmlns:a16="http://schemas.microsoft.com/office/drawing/2014/main" id="{22E63EE2-CC56-433E-9778-DD06A540D4CA}"/>
+              </a:ext>
+            </a:extLst>
+          </p:cNvPr>
+          <p:cNvSpPr>
+            <a:spLocks noGrp="1"/>
+          </p:cNvSpPr>
+          <p:nvPr>
+            <p:ph type="body" sz="quarter" idx="10"/>
+          </p:nvPr>
+        </p:nvSpPr>
+        <p:spPr/>
+        <p:txBody>
+          <a:bodyPr/>
+          <a:lstStyle/>
+          <a:p>
+            <a:endParaRPr lang="en-US"/>
+          </a:p>
+        </p:txBody>
+      </p:sp>
+    </p:spTree>
+    <p:extLst>
+      <p:ext uri="{BB962C8B-B14F-4D97-AF65-F5344CB8AC3E}">
+        <p14:creationId xmlns:p14="http://schemas.microsoft.com/office/powerpoint/2010/main" val="2886410710"/>
+      </p:ext>
+    </p:extLst>
+  </p:cSld>
+  <p:clrMapOvr>
+    <a:masterClrMapping/>
+  </p:clrMapOvr>
+</p:sld>
+</file>
+
 <file path=ppt/slides/slide2.xml><?xml version="1.0" encoding="utf-8"?>
 <p:sld xmlns:a="http://schemas.openxmlformats.org/drawingml/2006/main" xmlns:r="http://schemas.openxmlformats.org/officeDocument/2006/relationships" xmlns:p="http://schemas.openxmlformats.org/presentationml/2006/main">
   <p:cSld>
@@ -1387,24 +2963,36 @@
           </a:bodyPr>
           <a:lstStyle/>
           <a:p>
+            <a:pPr marL="342900" indent="-342900">
+              <a:buFont typeface="Arial" panose="020B0604020202020204" pitchFamily="34" charset="0"/>
+              <a:buChar char="•"/>
+            </a:pPr>
             <a:r>
               <a:rPr lang="en-US" sz="2400"/>
               <a:t>Git</a:t>
             </a:r>
             <a:r>
               <a:rPr lang="ja-JP" altLang="en-US" sz="2400"/>
-              <a:t>はローカルに全ての情報を持っており、履歴を管理できる</a:t>
+              <a:t>はローカルに全ての情報を持ち、履歴を管理できる</a:t>
             </a:r>
             <a:endParaRPr lang="en-US" altLang="ja-JP" sz="2400"/>
           </a:p>
           <a:p>
+            <a:pPr marL="342900" indent="-342900">
+              <a:buFont typeface="Arial" panose="020B0604020202020204" pitchFamily="34" charset="0"/>
+              <a:buChar char="•"/>
+            </a:pPr>
             <a:r>
               <a:rPr lang="ja-JP" altLang="en-US" sz="2400"/>
-              <a:t>しかし、多人数開発の時には、「開発に関わるみんな」から参照可能な場所にリポジトリが欲しい</a:t>
+              <a:t>しかし、多人数開発の時には、「開発に関わるみんな」が参照可能な場所にリポジトリが欲しい</a:t>
             </a:r>
             <a:endParaRPr lang="en-US" altLang="ja-JP" sz="2400"/>
           </a:p>
           <a:p>
+            <a:pPr marL="342900" indent="-342900">
+              <a:buFont typeface="Arial" panose="020B0604020202020204" pitchFamily="34" charset="0"/>
+              <a:buChar char="•"/>
+            </a:pPr>
             <a:r>
               <a:rPr lang="ja-JP" altLang="en-US" sz="2400"/>
               <a:t>個人開発でも、「どこからでもアクセスできる場所」にリポジトリがあると便利</a:t>
@@ -1562,10 +3150,5171 @@
           </a:p>
         </p:txBody>
       </p:sp>
+      <p:sp>
+        <p:nvSpPr>
+          <p:cNvPr id="3" name="フローチャート: 磁気ディスク 2">
+            <a:extLst>
+              <a:ext uri="{FF2B5EF4-FFF2-40B4-BE49-F238E27FC236}">
+                <a16:creationId xmlns:a16="http://schemas.microsoft.com/office/drawing/2014/main" id="{836B4DCB-7B12-4B7F-90D0-0CD2F83280E4}"/>
+              </a:ext>
+            </a:extLst>
+          </p:cNvPr>
+          <p:cNvSpPr/>
+          <p:nvPr/>
+        </p:nvSpPr>
+        <p:spPr>
+          <a:xfrm>
+            <a:off x="4211960" y="1628800"/>
+            <a:ext cx="720080" cy="504056"/>
+          </a:xfrm>
+          <a:prstGeom prst="flowChartMagneticDisk">
+            <a:avLst/>
+          </a:prstGeom>
+          <a:solidFill>
+            <a:schemeClr val="bg1">
+              <a:lumMod val="95000"/>
+            </a:schemeClr>
+          </a:solidFill>
+          <a:ln>
+            <a:solidFill>
+              <a:schemeClr val="tx1"/>
+            </a:solidFill>
+          </a:ln>
+        </p:spPr>
+        <p:style>
+          <a:lnRef idx="2">
+            <a:schemeClr val="accent1">
+              <a:shade val="50000"/>
+            </a:schemeClr>
+          </a:lnRef>
+          <a:fillRef idx="1">
+            <a:schemeClr val="accent1"/>
+          </a:fillRef>
+          <a:effectRef idx="0">
+            <a:schemeClr val="accent1"/>
+          </a:effectRef>
+          <a:fontRef idx="minor">
+            <a:schemeClr val="lt1"/>
+          </a:fontRef>
+        </p:style>
+        <p:txBody>
+          <a:bodyPr rtlCol="0" anchor="ctr"/>
+          <a:lstStyle/>
+          <a:p>
+            <a:pPr algn="ctr"/>
+            <a:r>
+              <a:rPr kumimoji="1" lang="en-US" altLang="ja-JP" dirty="0">
+                <a:solidFill>
+                  <a:schemeClr val="tx1"/>
+                </a:solidFill>
+                <a:latin typeface="Consolas" panose="020B0609020204030204" pitchFamily="49" charset="0"/>
+              </a:rPr>
+              <a:t>.git</a:t>
+            </a:r>
+            <a:endParaRPr kumimoji="1" lang="ja-JP" altLang="en-US" dirty="0">
+              <a:solidFill>
+                <a:schemeClr val="tx1"/>
+              </a:solidFill>
+              <a:latin typeface="Consolas" panose="020B0609020204030204" pitchFamily="49" charset="0"/>
+            </a:endParaRPr>
+          </a:p>
+        </p:txBody>
+      </p:sp>
+      <p:sp>
+        <p:nvSpPr>
+          <p:cNvPr id="4" name="四角形: 角を丸くする 3">
+            <a:extLst>
+              <a:ext uri="{FF2B5EF4-FFF2-40B4-BE49-F238E27FC236}">
+                <a16:creationId xmlns:a16="http://schemas.microsoft.com/office/drawing/2014/main" id="{B1BA8C0D-AFDB-42EA-B7CB-2755AA05119D}"/>
+              </a:ext>
+            </a:extLst>
+          </p:cNvPr>
+          <p:cNvSpPr/>
+          <p:nvPr/>
+        </p:nvSpPr>
+        <p:spPr>
+          <a:xfrm>
+            <a:off x="3059832" y="1484784"/>
+            <a:ext cx="3024336" cy="1584176"/>
+          </a:xfrm>
+          <a:prstGeom prst="roundRect">
+            <a:avLst/>
+          </a:prstGeom>
+          <a:noFill/>
+          <a:ln w="28575">
+            <a:solidFill>
+              <a:schemeClr val="tx1"/>
+            </a:solidFill>
+            <a:prstDash val="dash"/>
+          </a:ln>
+        </p:spPr>
+        <p:style>
+          <a:lnRef idx="2">
+            <a:schemeClr val="accent1">
+              <a:shade val="50000"/>
+            </a:schemeClr>
+          </a:lnRef>
+          <a:fillRef idx="1">
+            <a:schemeClr val="accent1"/>
+          </a:fillRef>
+          <a:effectRef idx="0">
+            <a:schemeClr val="accent1"/>
+          </a:effectRef>
+          <a:fontRef idx="minor">
+            <a:schemeClr val="lt1"/>
+          </a:fontRef>
+        </p:style>
+        <p:txBody>
+          <a:bodyPr rtlCol="0" anchor="ctr"/>
+          <a:lstStyle/>
+          <a:p>
+            <a:pPr algn="ctr"/>
+            <a:endParaRPr kumimoji="1" lang="ja-JP" altLang="en-US"/>
+          </a:p>
+        </p:txBody>
+      </p:sp>
+      <p:pic>
+        <p:nvPicPr>
+          <p:cNvPr id="5" name="図 4">
+            <a:extLst>
+              <a:ext uri="{FF2B5EF4-FFF2-40B4-BE49-F238E27FC236}">
+                <a16:creationId xmlns:a16="http://schemas.microsoft.com/office/drawing/2014/main" id="{C95E328C-9BA2-46B4-ACE8-8A6FF91C10D0}"/>
+              </a:ext>
+            </a:extLst>
+          </p:cNvPr>
+          <p:cNvPicPr>
+            <a:picLocks noChangeAspect="1"/>
+          </p:cNvPicPr>
+          <p:nvPr/>
+        </p:nvPicPr>
+        <p:blipFill>
+          <a:blip r:embed="rId2">
+            <a:extLst>
+              <a:ext uri="{28A0092B-C50C-407E-A947-70E740481C1C}">
+                <a14:useLocalDpi xmlns:a14="http://schemas.microsoft.com/office/drawing/2010/main" val="0"/>
+              </a:ext>
+            </a:extLst>
+          </a:blip>
+          <a:stretch>
+            <a:fillRect/>
+          </a:stretch>
+        </p:blipFill>
+        <p:spPr>
+          <a:xfrm>
+            <a:off x="2483768" y="836712"/>
+            <a:ext cx="609600" cy="609600"/>
+          </a:xfrm>
+          <a:prstGeom prst="rect">
+            <a:avLst/>
+          </a:prstGeom>
+        </p:spPr>
+      </p:pic>
+      <p:sp>
+        <p:nvSpPr>
+          <p:cNvPr id="6" name="テキスト ボックス 5">
+            <a:extLst>
+              <a:ext uri="{FF2B5EF4-FFF2-40B4-BE49-F238E27FC236}">
+                <a16:creationId xmlns:a16="http://schemas.microsoft.com/office/drawing/2014/main" id="{3504E13B-F257-471E-9226-4B3FBAB44296}"/>
+              </a:ext>
+            </a:extLst>
+          </p:cNvPr>
+          <p:cNvSpPr txBox="1"/>
+          <p:nvPr/>
+        </p:nvSpPr>
+        <p:spPr>
+          <a:xfrm>
+            <a:off x="3419872" y="980728"/>
+            <a:ext cx="2262159" cy="369332"/>
+          </a:xfrm>
+          <a:prstGeom prst="rect">
+            <a:avLst/>
+          </a:prstGeom>
+          <a:noFill/>
+        </p:spPr>
+        <p:txBody>
+          <a:bodyPr wrap="none" rtlCol="0">
+            <a:spAutoFit/>
+          </a:bodyPr>
+          <a:lstStyle/>
+          <a:p>
+            <a:pPr algn="ctr"/>
+            <a:r>
+              <a:rPr lang="ja-JP" altLang="en-US" dirty="0"/>
+              <a:t>リモートリポジトリ</a:t>
+            </a:r>
+            <a:endParaRPr kumimoji="1" lang="en-US" altLang="ja-JP" dirty="0"/>
+          </a:p>
+        </p:txBody>
+      </p:sp>
+      <p:pic>
+        <p:nvPicPr>
+          <p:cNvPr id="7" name="Picture 2" descr="ファイルアイコン（ブランク）">
+            <a:extLst>
+              <a:ext uri="{FF2B5EF4-FFF2-40B4-BE49-F238E27FC236}">
+                <a16:creationId xmlns:a16="http://schemas.microsoft.com/office/drawing/2014/main" id="{5513AF61-BA98-48B2-8365-3F7C2E39EF0F}"/>
+              </a:ext>
+            </a:extLst>
+          </p:cNvPr>
+          <p:cNvPicPr>
+            <a:picLocks noChangeAspect="1" noChangeArrowheads="1"/>
+          </p:cNvPicPr>
+          <p:nvPr/>
+        </p:nvPicPr>
+        <p:blipFill>
+          <a:blip r:embed="rId3" cstate="print">
+            <a:extLst>
+              <a:ext uri="{28A0092B-C50C-407E-A947-70E740481C1C}">
+                <a14:useLocalDpi xmlns:a14="http://schemas.microsoft.com/office/drawing/2010/main" val="0"/>
+              </a:ext>
+            </a:extLst>
+          </a:blip>
+          <a:srcRect/>
+          <a:stretch>
+            <a:fillRect/>
+          </a:stretch>
+        </p:blipFill>
+        <p:spPr bwMode="auto">
+          <a:xfrm>
+            <a:off x="3203848" y="5352310"/>
+            <a:ext cx="576064" cy="668978"/>
+          </a:xfrm>
+          <a:prstGeom prst="rect">
+            <a:avLst/>
+          </a:prstGeom>
+          <a:noFill/>
+          <a:extLst>
+            <a:ext uri="{909E8E84-426E-40DD-AFC4-6F175D3DCCD1}">
+              <a14:hiddenFill xmlns:a14="http://schemas.microsoft.com/office/drawing/2010/main">
+                <a:solidFill>
+                  <a:srgbClr val="FFFFFF"/>
+                </a:solidFill>
+              </a14:hiddenFill>
+            </a:ext>
+          </a:extLst>
+        </p:spPr>
+      </p:pic>
+      <p:pic>
+        <p:nvPicPr>
+          <p:cNvPr id="8" name="Picture 4" descr="フォルダのイラスト">
+            <a:extLst>
+              <a:ext uri="{FF2B5EF4-FFF2-40B4-BE49-F238E27FC236}">
+                <a16:creationId xmlns:a16="http://schemas.microsoft.com/office/drawing/2014/main" id="{D7426754-9C15-4361-B00B-9DDC4AB75314}"/>
+              </a:ext>
+            </a:extLst>
+          </p:cNvPr>
+          <p:cNvPicPr>
+            <a:picLocks noChangeAspect="1" noChangeArrowheads="1"/>
+          </p:cNvPicPr>
+          <p:nvPr/>
+        </p:nvPicPr>
+        <p:blipFill>
+          <a:blip r:embed="rId4" cstate="print">
+            <a:extLst>
+              <a:ext uri="{28A0092B-C50C-407E-A947-70E740481C1C}">
+                <a14:useLocalDpi xmlns:a14="http://schemas.microsoft.com/office/drawing/2010/main" val="0"/>
+              </a:ext>
+            </a:extLst>
+          </a:blip>
+          <a:srcRect/>
+          <a:stretch>
+            <a:fillRect/>
+          </a:stretch>
+        </p:blipFill>
+        <p:spPr bwMode="auto">
+          <a:xfrm>
+            <a:off x="1403648" y="4293096"/>
+            <a:ext cx="792088" cy="663374"/>
+          </a:xfrm>
+          <a:prstGeom prst="rect">
+            <a:avLst/>
+          </a:prstGeom>
+          <a:noFill/>
+          <a:extLst>
+            <a:ext uri="{909E8E84-426E-40DD-AFC4-6F175D3DCCD1}">
+              <a14:hiddenFill xmlns:a14="http://schemas.microsoft.com/office/drawing/2010/main">
+                <a:solidFill>
+                  <a:srgbClr val="FFFFFF"/>
+                </a:solidFill>
+              </a14:hiddenFill>
+            </a:ext>
+          </a:extLst>
+        </p:spPr>
+      </p:pic>
+      <p:sp>
+        <p:nvSpPr>
+          <p:cNvPr id="9" name="フローチャート: 磁気ディスク 8">
+            <a:extLst>
+              <a:ext uri="{FF2B5EF4-FFF2-40B4-BE49-F238E27FC236}">
+                <a16:creationId xmlns:a16="http://schemas.microsoft.com/office/drawing/2014/main" id="{10446620-161F-42E6-8BB2-253461E68927}"/>
+              </a:ext>
+            </a:extLst>
+          </p:cNvPr>
+          <p:cNvSpPr/>
+          <p:nvPr/>
+        </p:nvSpPr>
+        <p:spPr>
+          <a:xfrm>
+            <a:off x="1403648" y="5424318"/>
+            <a:ext cx="720080" cy="504056"/>
+          </a:xfrm>
+          <a:prstGeom prst="flowChartMagneticDisk">
+            <a:avLst/>
+          </a:prstGeom>
+          <a:solidFill>
+            <a:schemeClr val="bg1">
+              <a:lumMod val="95000"/>
+            </a:schemeClr>
+          </a:solidFill>
+          <a:ln>
+            <a:solidFill>
+              <a:schemeClr val="tx1"/>
+            </a:solidFill>
+          </a:ln>
+        </p:spPr>
+        <p:style>
+          <a:lnRef idx="2">
+            <a:schemeClr val="accent1">
+              <a:shade val="50000"/>
+            </a:schemeClr>
+          </a:lnRef>
+          <a:fillRef idx="1">
+            <a:schemeClr val="accent1"/>
+          </a:fillRef>
+          <a:effectRef idx="0">
+            <a:schemeClr val="accent1"/>
+          </a:effectRef>
+          <a:fontRef idx="minor">
+            <a:schemeClr val="lt1"/>
+          </a:fontRef>
+        </p:style>
+        <p:txBody>
+          <a:bodyPr rtlCol="0" anchor="ctr"/>
+          <a:lstStyle/>
+          <a:p>
+            <a:pPr algn="ctr"/>
+            <a:r>
+              <a:rPr kumimoji="1" lang="en-US" altLang="ja-JP" dirty="0">
+                <a:solidFill>
+                  <a:schemeClr val="tx1"/>
+                </a:solidFill>
+                <a:latin typeface="Consolas" panose="020B0609020204030204" pitchFamily="49" charset="0"/>
+              </a:rPr>
+              <a:t>.git</a:t>
+            </a:r>
+            <a:endParaRPr kumimoji="1" lang="ja-JP" altLang="en-US" dirty="0">
+              <a:solidFill>
+                <a:schemeClr val="tx1"/>
+              </a:solidFill>
+              <a:latin typeface="Consolas" panose="020B0609020204030204" pitchFamily="49" charset="0"/>
+            </a:endParaRPr>
+          </a:p>
+        </p:txBody>
+      </p:sp>
+      <p:pic>
+        <p:nvPicPr>
+          <p:cNvPr id="10" name="Picture 4" descr="フォルダのイラスト">
+            <a:extLst>
+              <a:ext uri="{FF2B5EF4-FFF2-40B4-BE49-F238E27FC236}">
+                <a16:creationId xmlns:a16="http://schemas.microsoft.com/office/drawing/2014/main" id="{1EFE4ED1-EE11-4108-AA54-8E1F9311E98F}"/>
+              </a:ext>
+            </a:extLst>
+          </p:cNvPr>
+          <p:cNvPicPr>
+            <a:picLocks noChangeAspect="1" noChangeArrowheads="1"/>
+          </p:cNvPicPr>
+          <p:nvPr/>
+        </p:nvPicPr>
+        <p:blipFill>
+          <a:blip r:embed="rId4" cstate="print">
+            <a:extLst>
+              <a:ext uri="{28A0092B-C50C-407E-A947-70E740481C1C}">
+                <a14:useLocalDpi xmlns:a14="http://schemas.microsoft.com/office/drawing/2010/main" val="0"/>
+              </a:ext>
+            </a:extLst>
+          </a:blip>
+          <a:srcRect/>
+          <a:stretch>
+            <a:fillRect/>
+          </a:stretch>
+        </p:blipFill>
+        <p:spPr bwMode="auto">
+          <a:xfrm>
+            <a:off x="2267744" y="5352310"/>
+            <a:ext cx="792088" cy="663374"/>
+          </a:xfrm>
+          <a:prstGeom prst="rect">
+            <a:avLst/>
+          </a:prstGeom>
+          <a:noFill/>
+          <a:extLst>
+            <a:ext uri="{909E8E84-426E-40DD-AFC4-6F175D3DCCD1}">
+              <a14:hiddenFill xmlns:a14="http://schemas.microsoft.com/office/drawing/2010/main">
+                <a:solidFill>
+                  <a:srgbClr val="FFFFFF"/>
+                </a:solidFill>
+              </a14:hiddenFill>
+            </a:ext>
+          </a:extLst>
+        </p:spPr>
+      </p:pic>
+      <p:cxnSp>
+        <p:nvCxnSpPr>
+          <p:cNvPr id="11" name="コネクタ: カギ線 10">
+            <a:extLst>
+              <a:ext uri="{FF2B5EF4-FFF2-40B4-BE49-F238E27FC236}">
+                <a16:creationId xmlns:a16="http://schemas.microsoft.com/office/drawing/2014/main" id="{07F98E0F-55E6-46BB-9C18-6F31EC3F3293}"/>
+              </a:ext>
+            </a:extLst>
+          </p:cNvPr>
+          <p:cNvCxnSpPr>
+            <a:stCxn id="8" idx="2"/>
+            <a:endCxn id="10" idx="0"/>
+          </p:cNvCxnSpPr>
+          <p:nvPr/>
+        </p:nvCxnSpPr>
+        <p:spPr>
+          <a:xfrm rot="16200000" flipH="1">
+            <a:off x="2033820" y="4722342"/>
+            <a:ext cx="395840" cy="864096"/>
+          </a:xfrm>
+          <a:prstGeom prst="bentConnector3">
+            <a:avLst/>
+          </a:prstGeom>
+          <a:ln w="12700">
+            <a:solidFill>
+              <a:schemeClr val="tx1"/>
+            </a:solidFill>
+          </a:ln>
+        </p:spPr>
+        <p:style>
+          <a:lnRef idx="1">
+            <a:schemeClr val="accent1"/>
+          </a:lnRef>
+          <a:fillRef idx="0">
+            <a:schemeClr val="accent1"/>
+          </a:fillRef>
+          <a:effectRef idx="0">
+            <a:schemeClr val="accent1"/>
+          </a:effectRef>
+          <a:fontRef idx="minor">
+            <a:schemeClr val="tx1"/>
+          </a:fontRef>
+        </p:style>
+      </p:cxnSp>
+      <p:cxnSp>
+        <p:nvCxnSpPr>
+          <p:cNvPr id="12" name="コネクタ: カギ線 11">
+            <a:extLst>
+              <a:ext uri="{FF2B5EF4-FFF2-40B4-BE49-F238E27FC236}">
+                <a16:creationId xmlns:a16="http://schemas.microsoft.com/office/drawing/2014/main" id="{994449D8-3F26-4149-B218-E2B7918E0D06}"/>
+              </a:ext>
+            </a:extLst>
+          </p:cNvPr>
+          <p:cNvCxnSpPr>
+            <a:stCxn id="8" idx="2"/>
+            <a:endCxn id="7" idx="0"/>
+          </p:cNvCxnSpPr>
+          <p:nvPr/>
+        </p:nvCxnSpPr>
+        <p:spPr>
+          <a:xfrm rot="16200000" flipH="1">
+            <a:off x="2447866" y="4308296"/>
+            <a:ext cx="395840" cy="1692188"/>
+          </a:xfrm>
+          <a:prstGeom prst="bentConnector3">
+            <a:avLst/>
+          </a:prstGeom>
+          <a:ln w="12700">
+            <a:solidFill>
+              <a:schemeClr val="tx1"/>
+            </a:solidFill>
+          </a:ln>
+        </p:spPr>
+        <p:style>
+          <a:lnRef idx="1">
+            <a:schemeClr val="accent1"/>
+          </a:lnRef>
+          <a:fillRef idx="0">
+            <a:schemeClr val="accent1"/>
+          </a:fillRef>
+          <a:effectRef idx="0">
+            <a:schemeClr val="accent1"/>
+          </a:effectRef>
+          <a:fontRef idx="minor">
+            <a:schemeClr val="tx1"/>
+          </a:fontRef>
+        </p:style>
+      </p:cxnSp>
+      <p:cxnSp>
+        <p:nvCxnSpPr>
+          <p:cNvPr id="13" name="直線コネクタ 12">
+            <a:extLst>
+              <a:ext uri="{FF2B5EF4-FFF2-40B4-BE49-F238E27FC236}">
+                <a16:creationId xmlns:a16="http://schemas.microsoft.com/office/drawing/2014/main" id="{3BDDEE5C-B126-4ADB-A183-EAA07153D9BC}"/>
+              </a:ext>
+            </a:extLst>
+          </p:cNvPr>
+          <p:cNvCxnSpPr>
+            <a:cxnSpLocks/>
+          </p:cNvCxnSpPr>
+          <p:nvPr/>
+        </p:nvCxnSpPr>
+        <p:spPr>
+          <a:xfrm>
+            <a:off x="1796951" y="5129412"/>
+            <a:ext cx="0" cy="216024"/>
+          </a:xfrm>
+          <a:prstGeom prst="line">
+            <a:avLst/>
+          </a:prstGeom>
+          <a:ln w="12700">
+            <a:solidFill>
+              <a:schemeClr val="tx1"/>
+            </a:solidFill>
+          </a:ln>
+        </p:spPr>
+        <p:style>
+          <a:lnRef idx="1">
+            <a:schemeClr val="accent1"/>
+          </a:lnRef>
+          <a:fillRef idx="0">
+            <a:schemeClr val="accent1"/>
+          </a:fillRef>
+          <a:effectRef idx="0">
+            <a:schemeClr val="accent1"/>
+          </a:effectRef>
+          <a:fontRef idx="minor">
+            <a:schemeClr val="tx1"/>
+          </a:fontRef>
+        </p:style>
+      </p:cxnSp>
+      <p:sp>
+        <p:nvSpPr>
+          <p:cNvPr id="14" name="四角形: 角を丸くする 13">
+            <a:extLst>
+              <a:ext uri="{FF2B5EF4-FFF2-40B4-BE49-F238E27FC236}">
+                <a16:creationId xmlns:a16="http://schemas.microsoft.com/office/drawing/2014/main" id="{438ADEAC-521E-432A-ACC8-21DD0F450E4E}"/>
+              </a:ext>
+            </a:extLst>
+          </p:cNvPr>
+          <p:cNvSpPr/>
+          <p:nvPr/>
+        </p:nvSpPr>
+        <p:spPr>
+          <a:xfrm>
+            <a:off x="1115616" y="4149080"/>
+            <a:ext cx="3168352" cy="2520280"/>
+          </a:xfrm>
+          <a:prstGeom prst="roundRect">
+            <a:avLst/>
+          </a:prstGeom>
+          <a:noFill/>
+          <a:ln w="28575">
+            <a:solidFill>
+              <a:schemeClr val="tx1"/>
+            </a:solidFill>
+            <a:prstDash val="dash"/>
+          </a:ln>
+        </p:spPr>
+        <p:style>
+          <a:lnRef idx="2">
+            <a:schemeClr val="accent1">
+              <a:shade val="50000"/>
+            </a:schemeClr>
+          </a:lnRef>
+          <a:fillRef idx="1">
+            <a:schemeClr val="accent1"/>
+          </a:fillRef>
+          <a:effectRef idx="0">
+            <a:schemeClr val="accent1"/>
+          </a:effectRef>
+          <a:fontRef idx="minor">
+            <a:schemeClr val="lt1"/>
+          </a:fontRef>
+        </p:style>
+        <p:txBody>
+          <a:bodyPr rtlCol="0" anchor="ctr"/>
+          <a:lstStyle/>
+          <a:p>
+            <a:pPr algn="ctr"/>
+            <a:endParaRPr kumimoji="1" lang="ja-JP" altLang="en-US"/>
+          </a:p>
+        </p:txBody>
+      </p:sp>
+      <p:sp>
+        <p:nvSpPr>
+          <p:cNvPr id="15" name="四角形: 角を丸くする 14">
+            <a:extLst>
+              <a:ext uri="{FF2B5EF4-FFF2-40B4-BE49-F238E27FC236}">
+                <a16:creationId xmlns:a16="http://schemas.microsoft.com/office/drawing/2014/main" id="{86BDD11E-D86D-43C7-B1B6-54E806C6BC16}"/>
+              </a:ext>
+            </a:extLst>
+          </p:cNvPr>
+          <p:cNvSpPr/>
+          <p:nvPr/>
+        </p:nvSpPr>
+        <p:spPr>
+          <a:xfrm>
+            <a:off x="2267744" y="5229200"/>
+            <a:ext cx="1584176" cy="864096"/>
+          </a:xfrm>
+          <a:prstGeom prst="roundRect">
+            <a:avLst/>
+          </a:prstGeom>
+          <a:noFill/>
+          <a:ln w="28575">
+            <a:solidFill>
+              <a:srgbClr val="FF0000"/>
+            </a:solidFill>
+            <a:prstDash val="dash"/>
+          </a:ln>
+        </p:spPr>
+        <p:style>
+          <a:lnRef idx="2">
+            <a:schemeClr val="accent1">
+              <a:shade val="50000"/>
+            </a:schemeClr>
+          </a:lnRef>
+          <a:fillRef idx="1">
+            <a:schemeClr val="accent1"/>
+          </a:fillRef>
+          <a:effectRef idx="0">
+            <a:schemeClr val="accent1"/>
+          </a:effectRef>
+          <a:fontRef idx="minor">
+            <a:schemeClr val="lt1"/>
+          </a:fontRef>
+        </p:style>
+        <p:txBody>
+          <a:bodyPr rtlCol="0" anchor="ctr"/>
+          <a:lstStyle/>
+          <a:p>
+            <a:pPr algn="ctr"/>
+            <a:endParaRPr kumimoji="1" lang="ja-JP" altLang="en-US"/>
+          </a:p>
+        </p:txBody>
+      </p:sp>
+      <p:sp>
+        <p:nvSpPr>
+          <p:cNvPr id="16" name="テキスト ボックス 15">
+            <a:extLst>
+              <a:ext uri="{FF2B5EF4-FFF2-40B4-BE49-F238E27FC236}">
+                <a16:creationId xmlns:a16="http://schemas.microsoft.com/office/drawing/2014/main" id="{6C879A4D-788A-4300-9301-00ABC68F0D8E}"/>
+              </a:ext>
+            </a:extLst>
+          </p:cNvPr>
+          <p:cNvSpPr txBox="1"/>
+          <p:nvPr/>
+        </p:nvSpPr>
+        <p:spPr>
+          <a:xfrm>
+            <a:off x="1619672" y="3717032"/>
+            <a:ext cx="2262158" cy="369332"/>
+          </a:xfrm>
+          <a:prstGeom prst="rect">
+            <a:avLst/>
+          </a:prstGeom>
+          <a:noFill/>
+        </p:spPr>
+        <p:txBody>
+          <a:bodyPr wrap="none" rtlCol="0">
+            <a:spAutoFit/>
+          </a:bodyPr>
+          <a:lstStyle/>
+          <a:p>
+            <a:r>
+              <a:rPr kumimoji="1" lang="ja-JP" altLang="en-US" dirty="0"/>
+              <a:t>ローカルリポジトリ</a:t>
+            </a:r>
+          </a:p>
+        </p:txBody>
+      </p:sp>
+      <p:sp>
+        <p:nvSpPr>
+          <p:cNvPr id="17" name="テキスト ボックス 16">
+            <a:extLst>
+              <a:ext uri="{FF2B5EF4-FFF2-40B4-BE49-F238E27FC236}">
+                <a16:creationId xmlns:a16="http://schemas.microsoft.com/office/drawing/2014/main" id="{875C42ED-861E-42E8-A8BF-0D1F71D246A1}"/>
+              </a:ext>
+            </a:extLst>
+          </p:cNvPr>
+          <p:cNvSpPr txBox="1"/>
+          <p:nvPr/>
+        </p:nvSpPr>
+        <p:spPr>
+          <a:xfrm>
+            <a:off x="3131840" y="2276872"/>
+            <a:ext cx="2952328" cy="646331"/>
+          </a:xfrm>
+          <a:prstGeom prst="rect">
+            <a:avLst/>
+          </a:prstGeom>
+          <a:noFill/>
+        </p:spPr>
+        <p:txBody>
+          <a:bodyPr wrap="square">
+            <a:spAutoFit/>
+          </a:bodyPr>
+          <a:lstStyle/>
+          <a:p>
+            <a:pPr algn="ctr"/>
+            <a:r>
+              <a:rPr kumimoji="1" lang="en-US" altLang="ja-JP" dirty="0"/>
+              <a:t>(</a:t>
+            </a:r>
+            <a:r>
+              <a:rPr kumimoji="1" lang="ja-JP" altLang="en-US" dirty="0"/>
+              <a:t>ワーキングツリーを</a:t>
+            </a:r>
+            <a:endParaRPr kumimoji="1" lang="en-US" altLang="ja-JP" dirty="0"/>
+          </a:p>
+          <a:p>
+            <a:pPr algn="ctr"/>
+            <a:r>
+              <a:rPr kumimoji="1" lang="ja-JP" altLang="en-US" dirty="0"/>
+              <a:t>持たないベアリポジトリ</a:t>
+            </a:r>
+            <a:r>
+              <a:rPr kumimoji="1" lang="en-US" altLang="ja-JP" dirty="0"/>
+              <a:t>)</a:t>
+            </a:r>
+            <a:endParaRPr kumimoji="1" lang="ja-JP" altLang="en-US" dirty="0"/>
+          </a:p>
+        </p:txBody>
+      </p:sp>
+      <p:sp>
+        <p:nvSpPr>
+          <p:cNvPr id="18" name="テキスト ボックス 17">
+            <a:extLst>
+              <a:ext uri="{FF2B5EF4-FFF2-40B4-BE49-F238E27FC236}">
+                <a16:creationId xmlns:a16="http://schemas.microsoft.com/office/drawing/2014/main" id="{016B0372-7EAF-4715-8E01-D71D792D28BC}"/>
+              </a:ext>
+            </a:extLst>
+          </p:cNvPr>
+          <p:cNvSpPr txBox="1"/>
+          <p:nvPr/>
+        </p:nvSpPr>
+        <p:spPr>
+          <a:xfrm>
+            <a:off x="2051720" y="6228020"/>
+            <a:ext cx="2031325" cy="369332"/>
+          </a:xfrm>
+          <a:prstGeom prst="rect">
+            <a:avLst/>
+          </a:prstGeom>
+          <a:noFill/>
+        </p:spPr>
+        <p:txBody>
+          <a:bodyPr wrap="none" rtlCol="0">
+            <a:spAutoFit/>
+          </a:bodyPr>
+          <a:lstStyle/>
+          <a:p>
+            <a:r>
+              <a:rPr kumimoji="1" lang="ja-JP" altLang="en-US" dirty="0"/>
+              <a:t>ワーキングツリー</a:t>
+            </a:r>
+          </a:p>
+        </p:txBody>
+      </p:sp>
+      <p:pic>
+        <p:nvPicPr>
+          <p:cNvPr id="19" name="Picture 6" descr="パソコンを使う会社員のイラスト（女性・笑顔）">
+            <a:extLst>
+              <a:ext uri="{FF2B5EF4-FFF2-40B4-BE49-F238E27FC236}">
+                <a16:creationId xmlns:a16="http://schemas.microsoft.com/office/drawing/2014/main" id="{969F5075-373A-4B39-8DBA-0461F969234A}"/>
+              </a:ext>
+            </a:extLst>
+          </p:cNvPr>
+          <p:cNvPicPr>
+            <a:picLocks noChangeAspect="1" noChangeArrowheads="1"/>
+          </p:cNvPicPr>
+          <p:nvPr/>
+        </p:nvPicPr>
+        <p:blipFill>
+          <a:blip r:embed="rId5" cstate="print">
+            <a:extLst>
+              <a:ext uri="{28A0092B-C50C-407E-A947-70E740481C1C}">
+                <a14:useLocalDpi xmlns:a14="http://schemas.microsoft.com/office/drawing/2010/main" val="0"/>
+              </a:ext>
+            </a:extLst>
+          </a:blip>
+          <a:srcRect/>
+          <a:stretch>
+            <a:fillRect/>
+          </a:stretch>
+        </p:blipFill>
+        <p:spPr bwMode="auto">
+          <a:xfrm>
+            <a:off x="144016" y="4293096"/>
+            <a:ext cx="949432" cy="1378843"/>
+          </a:xfrm>
+          <a:prstGeom prst="rect">
+            <a:avLst/>
+          </a:prstGeom>
+          <a:noFill/>
+          <a:extLst>
+            <a:ext uri="{909E8E84-426E-40DD-AFC4-6F175D3DCCD1}">
+              <a14:hiddenFill xmlns:a14="http://schemas.microsoft.com/office/drawing/2010/main">
+                <a:solidFill>
+                  <a:srgbClr val="FFFFFF"/>
+                </a:solidFill>
+              </a14:hiddenFill>
+            </a:ext>
+          </a:extLst>
+        </p:spPr>
+      </p:pic>
+      <p:pic>
+        <p:nvPicPr>
+          <p:cNvPr id="20" name="Picture 2" descr="ファイルアイコン（ブランク）">
+            <a:extLst>
+              <a:ext uri="{FF2B5EF4-FFF2-40B4-BE49-F238E27FC236}">
+                <a16:creationId xmlns:a16="http://schemas.microsoft.com/office/drawing/2014/main" id="{FBFC6F7E-C507-4C5C-B6C7-9A25BE84A4D3}"/>
+              </a:ext>
+            </a:extLst>
+          </p:cNvPr>
+          <p:cNvPicPr>
+            <a:picLocks noChangeAspect="1" noChangeArrowheads="1"/>
+          </p:cNvPicPr>
+          <p:nvPr/>
+        </p:nvPicPr>
+        <p:blipFill>
+          <a:blip r:embed="rId3" cstate="print">
+            <a:extLst>
+              <a:ext uri="{28A0092B-C50C-407E-A947-70E740481C1C}">
+                <a14:useLocalDpi xmlns:a14="http://schemas.microsoft.com/office/drawing/2010/main" val="0"/>
+              </a:ext>
+            </a:extLst>
+          </a:blip>
+          <a:srcRect/>
+          <a:stretch>
+            <a:fillRect/>
+          </a:stretch>
+        </p:blipFill>
+        <p:spPr bwMode="auto">
+          <a:xfrm>
+            <a:off x="7114448" y="5352310"/>
+            <a:ext cx="576064" cy="668978"/>
+          </a:xfrm>
+          <a:prstGeom prst="rect">
+            <a:avLst/>
+          </a:prstGeom>
+          <a:noFill/>
+          <a:extLst>
+            <a:ext uri="{909E8E84-426E-40DD-AFC4-6F175D3DCCD1}">
+              <a14:hiddenFill xmlns:a14="http://schemas.microsoft.com/office/drawing/2010/main">
+                <a:solidFill>
+                  <a:srgbClr val="FFFFFF"/>
+                </a:solidFill>
+              </a14:hiddenFill>
+            </a:ext>
+          </a:extLst>
+        </p:spPr>
+      </p:pic>
+      <p:pic>
+        <p:nvPicPr>
+          <p:cNvPr id="21" name="Picture 4" descr="フォルダのイラスト">
+            <a:extLst>
+              <a:ext uri="{FF2B5EF4-FFF2-40B4-BE49-F238E27FC236}">
+                <a16:creationId xmlns:a16="http://schemas.microsoft.com/office/drawing/2014/main" id="{94B0BC4F-9AA4-4122-B0AB-41643F07DB32}"/>
+              </a:ext>
+            </a:extLst>
+          </p:cNvPr>
+          <p:cNvPicPr>
+            <a:picLocks noChangeAspect="1" noChangeArrowheads="1"/>
+          </p:cNvPicPr>
+          <p:nvPr/>
+        </p:nvPicPr>
+        <p:blipFill>
+          <a:blip r:embed="rId4" cstate="print">
+            <a:extLst>
+              <a:ext uri="{28A0092B-C50C-407E-A947-70E740481C1C}">
+                <a14:useLocalDpi xmlns:a14="http://schemas.microsoft.com/office/drawing/2010/main" val="0"/>
+              </a:ext>
+            </a:extLst>
+          </a:blip>
+          <a:srcRect/>
+          <a:stretch>
+            <a:fillRect/>
+          </a:stretch>
+        </p:blipFill>
+        <p:spPr bwMode="auto">
+          <a:xfrm>
+            <a:off x="5314248" y="4293096"/>
+            <a:ext cx="792088" cy="663374"/>
+          </a:xfrm>
+          <a:prstGeom prst="rect">
+            <a:avLst/>
+          </a:prstGeom>
+          <a:noFill/>
+          <a:extLst>
+            <a:ext uri="{909E8E84-426E-40DD-AFC4-6F175D3DCCD1}">
+              <a14:hiddenFill xmlns:a14="http://schemas.microsoft.com/office/drawing/2010/main">
+                <a:solidFill>
+                  <a:srgbClr val="FFFFFF"/>
+                </a:solidFill>
+              </a14:hiddenFill>
+            </a:ext>
+          </a:extLst>
+        </p:spPr>
+      </p:pic>
+      <p:sp>
+        <p:nvSpPr>
+          <p:cNvPr id="22" name="フローチャート: 磁気ディスク 21">
+            <a:extLst>
+              <a:ext uri="{FF2B5EF4-FFF2-40B4-BE49-F238E27FC236}">
+                <a16:creationId xmlns:a16="http://schemas.microsoft.com/office/drawing/2014/main" id="{BFB782F7-D4A9-43BB-BA2C-BCFE5A9B863B}"/>
+              </a:ext>
+            </a:extLst>
+          </p:cNvPr>
+          <p:cNvSpPr/>
+          <p:nvPr/>
+        </p:nvSpPr>
+        <p:spPr>
+          <a:xfrm>
+            <a:off x="5314248" y="5424318"/>
+            <a:ext cx="720080" cy="504056"/>
+          </a:xfrm>
+          <a:prstGeom prst="flowChartMagneticDisk">
+            <a:avLst/>
+          </a:prstGeom>
+          <a:solidFill>
+            <a:schemeClr val="bg1">
+              <a:lumMod val="95000"/>
+            </a:schemeClr>
+          </a:solidFill>
+          <a:ln>
+            <a:solidFill>
+              <a:schemeClr val="tx1"/>
+            </a:solidFill>
+          </a:ln>
+        </p:spPr>
+        <p:style>
+          <a:lnRef idx="2">
+            <a:schemeClr val="accent1">
+              <a:shade val="50000"/>
+            </a:schemeClr>
+          </a:lnRef>
+          <a:fillRef idx="1">
+            <a:schemeClr val="accent1"/>
+          </a:fillRef>
+          <a:effectRef idx="0">
+            <a:schemeClr val="accent1"/>
+          </a:effectRef>
+          <a:fontRef idx="minor">
+            <a:schemeClr val="lt1"/>
+          </a:fontRef>
+        </p:style>
+        <p:txBody>
+          <a:bodyPr rtlCol="0" anchor="ctr"/>
+          <a:lstStyle/>
+          <a:p>
+            <a:pPr algn="ctr"/>
+            <a:r>
+              <a:rPr kumimoji="1" lang="en-US" altLang="ja-JP" dirty="0">
+                <a:solidFill>
+                  <a:schemeClr val="tx1"/>
+                </a:solidFill>
+                <a:latin typeface="Consolas" panose="020B0609020204030204" pitchFamily="49" charset="0"/>
+              </a:rPr>
+              <a:t>.git</a:t>
+            </a:r>
+            <a:endParaRPr kumimoji="1" lang="ja-JP" altLang="en-US" dirty="0">
+              <a:solidFill>
+                <a:schemeClr val="tx1"/>
+              </a:solidFill>
+              <a:latin typeface="Consolas" panose="020B0609020204030204" pitchFamily="49" charset="0"/>
+            </a:endParaRPr>
+          </a:p>
+        </p:txBody>
+      </p:sp>
+      <p:pic>
+        <p:nvPicPr>
+          <p:cNvPr id="23" name="Picture 4" descr="フォルダのイラスト">
+            <a:extLst>
+              <a:ext uri="{FF2B5EF4-FFF2-40B4-BE49-F238E27FC236}">
+                <a16:creationId xmlns:a16="http://schemas.microsoft.com/office/drawing/2014/main" id="{FA8E9CAA-1530-4377-A9B1-FD9D5CE94BD6}"/>
+              </a:ext>
+            </a:extLst>
+          </p:cNvPr>
+          <p:cNvPicPr>
+            <a:picLocks noChangeAspect="1" noChangeArrowheads="1"/>
+          </p:cNvPicPr>
+          <p:nvPr/>
+        </p:nvPicPr>
+        <p:blipFill>
+          <a:blip r:embed="rId4" cstate="print">
+            <a:extLst>
+              <a:ext uri="{28A0092B-C50C-407E-A947-70E740481C1C}">
+                <a14:useLocalDpi xmlns:a14="http://schemas.microsoft.com/office/drawing/2010/main" val="0"/>
+              </a:ext>
+            </a:extLst>
+          </a:blip>
+          <a:srcRect/>
+          <a:stretch>
+            <a:fillRect/>
+          </a:stretch>
+        </p:blipFill>
+        <p:spPr bwMode="auto">
+          <a:xfrm>
+            <a:off x="6178344" y="5352310"/>
+            <a:ext cx="792088" cy="663374"/>
+          </a:xfrm>
+          <a:prstGeom prst="rect">
+            <a:avLst/>
+          </a:prstGeom>
+          <a:noFill/>
+          <a:extLst>
+            <a:ext uri="{909E8E84-426E-40DD-AFC4-6F175D3DCCD1}">
+              <a14:hiddenFill xmlns:a14="http://schemas.microsoft.com/office/drawing/2010/main">
+                <a:solidFill>
+                  <a:srgbClr val="FFFFFF"/>
+                </a:solidFill>
+              </a14:hiddenFill>
+            </a:ext>
+          </a:extLst>
+        </p:spPr>
+      </p:pic>
+      <p:cxnSp>
+        <p:nvCxnSpPr>
+          <p:cNvPr id="24" name="コネクタ: カギ線 23">
+            <a:extLst>
+              <a:ext uri="{FF2B5EF4-FFF2-40B4-BE49-F238E27FC236}">
+                <a16:creationId xmlns:a16="http://schemas.microsoft.com/office/drawing/2014/main" id="{55B1002E-5BC6-443F-84DC-BA0D2CA8BAC3}"/>
+              </a:ext>
+            </a:extLst>
+          </p:cNvPr>
+          <p:cNvCxnSpPr>
+            <a:stCxn id="21" idx="2"/>
+            <a:endCxn id="23" idx="0"/>
+          </p:cNvCxnSpPr>
+          <p:nvPr/>
+        </p:nvCxnSpPr>
+        <p:spPr>
+          <a:xfrm rot="16200000" flipH="1">
+            <a:off x="5944420" y="4722342"/>
+            <a:ext cx="395840" cy="864096"/>
+          </a:xfrm>
+          <a:prstGeom prst="bentConnector3">
+            <a:avLst/>
+          </a:prstGeom>
+          <a:ln w="12700">
+            <a:solidFill>
+              <a:schemeClr val="tx1"/>
+            </a:solidFill>
+          </a:ln>
+        </p:spPr>
+        <p:style>
+          <a:lnRef idx="1">
+            <a:schemeClr val="accent1"/>
+          </a:lnRef>
+          <a:fillRef idx="0">
+            <a:schemeClr val="accent1"/>
+          </a:fillRef>
+          <a:effectRef idx="0">
+            <a:schemeClr val="accent1"/>
+          </a:effectRef>
+          <a:fontRef idx="minor">
+            <a:schemeClr val="tx1"/>
+          </a:fontRef>
+        </p:style>
+      </p:cxnSp>
+      <p:cxnSp>
+        <p:nvCxnSpPr>
+          <p:cNvPr id="25" name="コネクタ: カギ線 24">
+            <a:extLst>
+              <a:ext uri="{FF2B5EF4-FFF2-40B4-BE49-F238E27FC236}">
+                <a16:creationId xmlns:a16="http://schemas.microsoft.com/office/drawing/2014/main" id="{550B8D51-7FAB-4E04-9FE6-89A6C2694765}"/>
+              </a:ext>
+            </a:extLst>
+          </p:cNvPr>
+          <p:cNvCxnSpPr>
+            <a:stCxn id="21" idx="2"/>
+            <a:endCxn id="20" idx="0"/>
+          </p:cNvCxnSpPr>
+          <p:nvPr/>
+        </p:nvCxnSpPr>
+        <p:spPr>
+          <a:xfrm rot="16200000" flipH="1">
+            <a:off x="6358466" y="4308296"/>
+            <a:ext cx="395840" cy="1692188"/>
+          </a:xfrm>
+          <a:prstGeom prst="bentConnector3">
+            <a:avLst/>
+          </a:prstGeom>
+          <a:ln w="12700">
+            <a:solidFill>
+              <a:schemeClr val="tx1"/>
+            </a:solidFill>
+          </a:ln>
+        </p:spPr>
+        <p:style>
+          <a:lnRef idx="1">
+            <a:schemeClr val="accent1"/>
+          </a:lnRef>
+          <a:fillRef idx="0">
+            <a:schemeClr val="accent1"/>
+          </a:fillRef>
+          <a:effectRef idx="0">
+            <a:schemeClr val="accent1"/>
+          </a:effectRef>
+          <a:fontRef idx="minor">
+            <a:schemeClr val="tx1"/>
+          </a:fontRef>
+        </p:style>
+      </p:cxnSp>
+      <p:cxnSp>
+        <p:nvCxnSpPr>
+          <p:cNvPr id="26" name="直線コネクタ 25">
+            <a:extLst>
+              <a:ext uri="{FF2B5EF4-FFF2-40B4-BE49-F238E27FC236}">
+                <a16:creationId xmlns:a16="http://schemas.microsoft.com/office/drawing/2014/main" id="{3FF09B9C-D30E-4E58-9F4F-E1572E8FB4FA}"/>
+              </a:ext>
+            </a:extLst>
+          </p:cNvPr>
+          <p:cNvCxnSpPr>
+            <a:cxnSpLocks/>
+          </p:cNvCxnSpPr>
+          <p:nvPr/>
+        </p:nvCxnSpPr>
+        <p:spPr>
+          <a:xfrm>
+            <a:off x="5707551" y="5129412"/>
+            <a:ext cx="0" cy="216024"/>
+          </a:xfrm>
+          <a:prstGeom prst="line">
+            <a:avLst/>
+          </a:prstGeom>
+          <a:ln w="12700">
+            <a:solidFill>
+              <a:schemeClr val="tx1"/>
+            </a:solidFill>
+          </a:ln>
+        </p:spPr>
+        <p:style>
+          <a:lnRef idx="1">
+            <a:schemeClr val="accent1"/>
+          </a:lnRef>
+          <a:fillRef idx="0">
+            <a:schemeClr val="accent1"/>
+          </a:fillRef>
+          <a:effectRef idx="0">
+            <a:schemeClr val="accent1"/>
+          </a:effectRef>
+          <a:fontRef idx="minor">
+            <a:schemeClr val="tx1"/>
+          </a:fontRef>
+        </p:style>
+      </p:cxnSp>
+      <p:sp>
+        <p:nvSpPr>
+          <p:cNvPr id="27" name="四角形: 角を丸くする 26">
+            <a:extLst>
+              <a:ext uri="{FF2B5EF4-FFF2-40B4-BE49-F238E27FC236}">
+                <a16:creationId xmlns:a16="http://schemas.microsoft.com/office/drawing/2014/main" id="{12921F23-A307-4715-B911-6393718E6DEC}"/>
+              </a:ext>
+            </a:extLst>
+          </p:cNvPr>
+          <p:cNvSpPr/>
+          <p:nvPr/>
+        </p:nvSpPr>
+        <p:spPr>
+          <a:xfrm>
+            <a:off x="4954208" y="4149080"/>
+            <a:ext cx="3168352" cy="2520280"/>
+          </a:xfrm>
+          <a:prstGeom prst="roundRect">
+            <a:avLst/>
+          </a:prstGeom>
+          <a:noFill/>
+          <a:ln w="28575">
+            <a:solidFill>
+              <a:schemeClr val="tx1"/>
+            </a:solidFill>
+            <a:prstDash val="dash"/>
+          </a:ln>
+        </p:spPr>
+        <p:style>
+          <a:lnRef idx="2">
+            <a:schemeClr val="accent1">
+              <a:shade val="50000"/>
+            </a:schemeClr>
+          </a:lnRef>
+          <a:fillRef idx="1">
+            <a:schemeClr val="accent1"/>
+          </a:fillRef>
+          <a:effectRef idx="0">
+            <a:schemeClr val="accent1"/>
+          </a:effectRef>
+          <a:fontRef idx="minor">
+            <a:schemeClr val="lt1"/>
+          </a:fontRef>
+        </p:style>
+        <p:txBody>
+          <a:bodyPr rtlCol="0" anchor="ctr"/>
+          <a:lstStyle/>
+          <a:p>
+            <a:pPr algn="ctr"/>
+            <a:endParaRPr kumimoji="1" lang="ja-JP" altLang="en-US"/>
+          </a:p>
+        </p:txBody>
+      </p:sp>
+      <p:sp>
+        <p:nvSpPr>
+          <p:cNvPr id="28" name="四角形: 角を丸くする 27">
+            <a:extLst>
+              <a:ext uri="{FF2B5EF4-FFF2-40B4-BE49-F238E27FC236}">
+                <a16:creationId xmlns:a16="http://schemas.microsoft.com/office/drawing/2014/main" id="{9D9AB540-8F30-463F-AEE8-177FFC888D96}"/>
+              </a:ext>
+            </a:extLst>
+          </p:cNvPr>
+          <p:cNvSpPr/>
+          <p:nvPr/>
+        </p:nvSpPr>
+        <p:spPr>
+          <a:xfrm>
+            <a:off x="6178344" y="5229200"/>
+            <a:ext cx="1584176" cy="864096"/>
+          </a:xfrm>
+          <a:prstGeom prst="roundRect">
+            <a:avLst/>
+          </a:prstGeom>
+          <a:noFill/>
+          <a:ln w="28575">
+            <a:solidFill>
+              <a:srgbClr val="FF0000"/>
+            </a:solidFill>
+            <a:prstDash val="dash"/>
+          </a:ln>
+        </p:spPr>
+        <p:style>
+          <a:lnRef idx="2">
+            <a:schemeClr val="accent1">
+              <a:shade val="50000"/>
+            </a:schemeClr>
+          </a:lnRef>
+          <a:fillRef idx="1">
+            <a:schemeClr val="accent1"/>
+          </a:fillRef>
+          <a:effectRef idx="0">
+            <a:schemeClr val="accent1"/>
+          </a:effectRef>
+          <a:fontRef idx="minor">
+            <a:schemeClr val="lt1"/>
+          </a:fontRef>
+        </p:style>
+        <p:txBody>
+          <a:bodyPr rtlCol="0" anchor="ctr"/>
+          <a:lstStyle/>
+          <a:p>
+            <a:pPr algn="ctr"/>
+            <a:endParaRPr kumimoji="1" lang="ja-JP" altLang="en-US"/>
+          </a:p>
+        </p:txBody>
+      </p:sp>
+      <p:sp>
+        <p:nvSpPr>
+          <p:cNvPr id="29" name="テキスト ボックス 28">
+            <a:extLst>
+              <a:ext uri="{FF2B5EF4-FFF2-40B4-BE49-F238E27FC236}">
+                <a16:creationId xmlns:a16="http://schemas.microsoft.com/office/drawing/2014/main" id="{D2C32660-31BA-437A-A68E-601D1009E5C7}"/>
+              </a:ext>
+            </a:extLst>
+          </p:cNvPr>
+          <p:cNvSpPr txBox="1"/>
+          <p:nvPr/>
+        </p:nvSpPr>
+        <p:spPr>
+          <a:xfrm>
+            <a:off x="5530272" y="3717032"/>
+            <a:ext cx="2262158" cy="369332"/>
+          </a:xfrm>
+          <a:prstGeom prst="rect">
+            <a:avLst/>
+          </a:prstGeom>
+          <a:noFill/>
+        </p:spPr>
+        <p:txBody>
+          <a:bodyPr wrap="none" rtlCol="0">
+            <a:spAutoFit/>
+          </a:bodyPr>
+          <a:lstStyle/>
+          <a:p>
+            <a:r>
+              <a:rPr kumimoji="1" lang="ja-JP" altLang="en-US" dirty="0"/>
+              <a:t>ローカルリポジトリ</a:t>
+            </a:r>
+          </a:p>
+        </p:txBody>
+      </p:sp>
+      <p:sp>
+        <p:nvSpPr>
+          <p:cNvPr id="30" name="テキスト ボックス 29">
+            <a:extLst>
+              <a:ext uri="{FF2B5EF4-FFF2-40B4-BE49-F238E27FC236}">
+                <a16:creationId xmlns:a16="http://schemas.microsoft.com/office/drawing/2014/main" id="{11822D28-13F5-448B-9DB8-9A7954E12ED1}"/>
+              </a:ext>
+            </a:extLst>
+          </p:cNvPr>
+          <p:cNvSpPr txBox="1"/>
+          <p:nvPr/>
+        </p:nvSpPr>
+        <p:spPr>
+          <a:xfrm>
+            <a:off x="5962320" y="6228020"/>
+            <a:ext cx="2031325" cy="369332"/>
+          </a:xfrm>
+          <a:prstGeom prst="rect">
+            <a:avLst/>
+          </a:prstGeom>
+          <a:noFill/>
+        </p:spPr>
+        <p:txBody>
+          <a:bodyPr wrap="none" rtlCol="0">
+            <a:spAutoFit/>
+          </a:bodyPr>
+          <a:lstStyle/>
+          <a:p>
+            <a:r>
+              <a:rPr kumimoji="1" lang="ja-JP" altLang="en-US" dirty="0"/>
+              <a:t>ワーキングツリー</a:t>
+            </a:r>
+          </a:p>
+        </p:txBody>
+      </p:sp>
+      <p:pic>
+        <p:nvPicPr>
+          <p:cNvPr id="31" name="Picture 8" descr="パソコンを使う会社員のイラスト（男性・笑顔）">
+            <a:extLst>
+              <a:ext uri="{FF2B5EF4-FFF2-40B4-BE49-F238E27FC236}">
+                <a16:creationId xmlns:a16="http://schemas.microsoft.com/office/drawing/2014/main" id="{945CC8BB-00EB-44C4-9BF2-243FFF31201B}"/>
+              </a:ext>
+            </a:extLst>
+          </p:cNvPr>
+          <p:cNvPicPr>
+            <a:picLocks noChangeAspect="1" noChangeArrowheads="1"/>
+          </p:cNvPicPr>
+          <p:nvPr/>
+        </p:nvPicPr>
+        <p:blipFill>
+          <a:blip r:embed="rId6" cstate="print">
+            <a:extLst>
+              <a:ext uri="{28A0092B-C50C-407E-A947-70E740481C1C}">
+                <a14:useLocalDpi xmlns:a14="http://schemas.microsoft.com/office/drawing/2010/main" val="0"/>
+              </a:ext>
+            </a:extLst>
+          </a:blip>
+          <a:srcRect/>
+          <a:stretch>
+            <a:fillRect/>
+          </a:stretch>
+        </p:blipFill>
+        <p:spPr bwMode="auto">
+          <a:xfrm>
+            <a:off x="8194568" y="4221088"/>
+            <a:ext cx="949432" cy="1378843"/>
+          </a:xfrm>
+          <a:prstGeom prst="rect">
+            <a:avLst/>
+          </a:prstGeom>
+          <a:noFill/>
+          <a:extLst>
+            <a:ext uri="{909E8E84-426E-40DD-AFC4-6F175D3DCCD1}">
+              <a14:hiddenFill xmlns:a14="http://schemas.microsoft.com/office/drawing/2010/main">
+                <a:solidFill>
+                  <a:srgbClr val="FFFFFF"/>
+                </a:solidFill>
+              </a14:hiddenFill>
+            </a:ext>
+          </a:extLst>
+        </p:spPr>
+      </p:pic>
+      <p:sp>
+        <p:nvSpPr>
+          <p:cNvPr id="32" name="矢印: 左右 31">
+            <a:extLst>
+              <a:ext uri="{FF2B5EF4-FFF2-40B4-BE49-F238E27FC236}">
+                <a16:creationId xmlns:a16="http://schemas.microsoft.com/office/drawing/2014/main" id="{AE92FC4B-1B81-4E31-806C-AF4DB57F4601}"/>
+              </a:ext>
+            </a:extLst>
+          </p:cNvPr>
+          <p:cNvSpPr/>
+          <p:nvPr/>
+        </p:nvSpPr>
+        <p:spPr>
+          <a:xfrm rot="18000000">
+            <a:off x="2076136" y="2869299"/>
+            <a:ext cx="959276" cy="443933"/>
+          </a:xfrm>
+          <a:prstGeom prst="leftRightArrow">
+            <a:avLst/>
+          </a:prstGeom>
+          <a:solidFill>
+            <a:srgbClr val="FF0000"/>
+          </a:solidFill>
+          <a:ln>
+            <a:solidFill>
+              <a:schemeClr val="tx1"/>
+            </a:solidFill>
+          </a:ln>
+        </p:spPr>
+        <p:style>
+          <a:lnRef idx="2">
+            <a:schemeClr val="accent1">
+              <a:shade val="50000"/>
+            </a:schemeClr>
+          </a:lnRef>
+          <a:fillRef idx="1">
+            <a:schemeClr val="accent1"/>
+          </a:fillRef>
+          <a:effectRef idx="0">
+            <a:schemeClr val="accent1"/>
+          </a:effectRef>
+          <a:fontRef idx="minor">
+            <a:schemeClr val="lt1"/>
+          </a:fontRef>
+        </p:style>
+        <p:txBody>
+          <a:bodyPr rtlCol="0" anchor="ctr"/>
+          <a:lstStyle/>
+          <a:p>
+            <a:pPr algn="ctr"/>
+            <a:endParaRPr kumimoji="1" lang="ja-JP" altLang="en-US"/>
+          </a:p>
+        </p:txBody>
+      </p:sp>
+      <p:sp>
+        <p:nvSpPr>
+          <p:cNvPr id="33" name="矢印: 左右 32">
+            <a:extLst>
+              <a:ext uri="{FF2B5EF4-FFF2-40B4-BE49-F238E27FC236}">
+                <a16:creationId xmlns:a16="http://schemas.microsoft.com/office/drawing/2014/main" id="{7B86AEE3-1988-46AF-9D2C-4F944686399E}"/>
+              </a:ext>
+            </a:extLst>
+          </p:cNvPr>
+          <p:cNvSpPr/>
+          <p:nvPr/>
+        </p:nvSpPr>
+        <p:spPr>
+          <a:xfrm rot="3600000">
+            <a:off x="6396618" y="2797292"/>
+            <a:ext cx="959276" cy="443933"/>
+          </a:xfrm>
+          <a:prstGeom prst="leftRightArrow">
+            <a:avLst/>
+          </a:prstGeom>
+          <a:solidFill>
+            <a:srgbClr val="FF0000"/>
+          </a:solidFill>
+          <a:ln>
+            <a:solidFill>
+              <a:schemeClr val="tx1"/>
+            </a:solidFill>
+          </a:ln>
+        </p:spPr>
+        <p:style>
+          <a:lnRef idx="2">
+            <a:schemeClr val="accent1">
+              <a:shade val="50000"/>
+            </a:schemeClr>
+          </a:lnRef>
+          <a:fillRef idx="1">
+            <a:schemeClr val="accent1"/>
+          </a:fillRef>
+          <a:effectRef idx="0">
+            <a:schemeClr val="accent1"/>
+          </a:effectRef>
+          <a:fontRef idx="minor">
+            <a:schemeClr val="lt1"/>
+          </a:fontRef>
+        </p:style>
+        <p:txBody>
+          <a:bodyPr rtlCol="0" anchor="ctr"/>
+          <a:lstStyle/>
+          <a:p>
+            <a:pPr algn="ctr"/>
+            <a:endParaRPr kumimoji="1" lang="ja-JP" altLang="en-US"/>
+          </a:p>
+        </p:txBody>
+      </p:sp>
     </p:spTree>
     <p:extLst>
       <p:ext uri="{BB962C8B-B14F-4D97-AF65-F5344CB8AC3E}">
         <p14:creationId xmlns:p14="http://schemas.microsoft.com/office/powerpoint/2010/main" val="1928015041"/>
+      </p:ext>
+    </p:extLst>
+  </p:cSld>
+  <p:clrMapOvr>
+    <a:masterClrMapping/>
+  </p:clrMapOvr>
+</p:sld>
+</file>
+
+<file path=ppt/slides/slide5.xml><?xml version="1.0" encoding="utf-8"?>
+<p:sld xmlns:a="http://schemas.openxmlformats.org/drawingml/2006/main" xmlns:r="http://schemas.openxmlformats.org/officeDocument/2006/relationships" xmlns:p="http://schemas.openxmlformats.org/presentationml/2006/main">
+  <p:cSld>
+    <p:spTree>
+      <p:nvGrpSpPr>
+        <p:cNvPr id="1" name=""/>
+        <p:cNvGrpSpPr/>
+        <p:nvPr/>
+      </p:nvGrpSpPr>
+      <p:grpSpPr>
+        <a:xfrm>
+          <a:off x="0" y="0"/>
+          <a:ext cx="0" cy="0"/>
+          <a:chOff x="0" y="0"/>
+          <a:chExt cx="0" cy="0"/>
+        </a:xfrm>
+      </p:grpSpPr>
+      <p:sp>
+        <p:nvSpPr>
+          <p:cNvPr id="2" name="テキスト プレースホルダー 1">
+            <a:extLst>
+              <a:ext uri="{FF2B5EF4-FFF2-40B4-BE49-F238E27FC236}">
+                <a16:creationId xmlns:a16="http://schemas.microsoft.com/office/drawing/2014/main" id="{A685C695-D9C2-4E01-A2E9-70E776DEBF35}"/>
+              </a:ext>
+            </a:extLst>
+          </p:cNvPr>
+          <p:cNvSpPr>
+            <a:spLocks noGrp="1"/>
+          </p:cNvSpPr>
+          <p:nvPr>
+            <p:ph type="body" sz="quarter" idx="10"/>
+          </p:nvPr>
+        </p:nvSpPr>
+        <p:spPr/>
+        <p:txBody>
+          <a:bodyPr/>
+          <a:lstStyle/>
+          <a:p>
+            <a:r>
+              <a:rPr lang="ja-JP" altLang="en-US"/>
+              <a:t>リモートリポジトリとは</a:t>
+            </a:r>
+            <a:endParaRPr lang="en-US"/>
+          </a:p>
+        </p:txBody>
+      </p:sp>
+      <p:sp>
+        <p:nvSpPr>
+          <p:cNvPr id="3" name="フローチャート: 磁気ディスク 2">
+            <a:extLst>
+              <a:ext uri="{FF2B5EF4-FFF2-40B4-BE49-F238E27FC236}">
+                <a16:creationId xmlns:a16="http://schemas.microsoft.com/office/drawing/2014/main" id="{AC6E9BF2-6424-462B-BB48-D8CCDBAD1EE6}"/>
+              </a:ext>
+            </a:extLst>
+          </p:cNvPr>
+          <p:cNvSpPr/>
+          <p:nvPr/>
+        </p:nvSpPr>
+        <p:spPr>
+          <a:xfrm>
+            <a:off x="6012160" y="2348880"/>
+            <a:ext cx="504056" cy="360040"/>
+          </a:xfrm>
+          <a:prstGeom prst="flowChartMagneticDisk">
+            <a:avLst/>
+          </a:prstGeom>
+          <a:solidFill>
+            <a:schemeClr val="bg1">
+              <a:lumMod val="95000"/>
+            </a:schemeClr>
+          </a:solidFill>
+          <a:ln>
+            <a:solidFill>
+              <a:schemeClr val="tx1"/>
+            </a:solidFill>
+          </a:ln>
+        </p:spPr>
+        <p:style>
+          <a:lnRef idx="2">
+            <a:schemeClr val="accent1">
+              <a:shade val="50000"/>
+            </a:schemeClr>
+          </a:lnRef>
+          <a:fillRef idx="1">
+            <a:schemeClr val="accent1"/>
+          </a:fillRef>
+          <a:effectRef idx="0">
+            <a:schemeClr val="accent1"/>
+          </a:effectRef>
+          <a:fontRef idx="minor">
+            <a:schemeClr val="lt1"/>
+          </a:fontRef>
+        </p:style>
+        <p:txBody>
+          <a:bodyPr rtlCol="0" anchor="ctr"/>
+          <a:lstStyle/>
+          <a:p>
+            <a:pPr algn="ctr"/>
+            <a:r>
+              <a:rPr kumimoji="1" lang="en-US" altLang="ja-JP" sz="1100" dirty="0">
+                <a:solidFill>
+                  <a:schemeClr val="tx1"/>
+                </a:solidFill>
+                <a:latin typeface="Consolas" panose="020B0609020204030204" pitchFamily="49" charset="0"/>
+              </a:rPr>
+              <a:t>.git</a:t>
+            </a:r>
+            <a:endParaRPr kumimoji="1" lang="ja-JP" altLang="en-US" sz="1100" dirty="0">
+              <a:solidFill>
+                <a:schemeClr val="tx1"/>
+              </a:solidFill>
+              <a:latin typeface="Consolas" panose="020B0609020204030204" pitchFamily="49" charset="0"/>
+            </a:endParaRPr>
+          </a:p>
+        </p:txBody>
+      </p:sp>
+      <p:sp>
+        <p:nvSpPr>
+          <p:cNvPr id="4" name="四角形: 角を丸くする 3">
+            <a:extLst>
+              <a:ext uri="{FF2B5EF4-FFF2-40B4-BE49-F238E27FC236}">
+                <a16:creationId xmlns:a16="http://schemas.microsoft.com/office/drawing/2014/main" id="{A1BC1401-5B99-493A-A62A-2FA166CDFAA4}"/>
+              </a:ext>
+            </a:extLst>
+          </p:cNvPr>
+          <p:cNvSpPr/>
+          <p:nvPr/>
+        </p:nvSpPr>
+        <p:spPr>
+          <a:xfrm>
+            <a:off x="5796136" y="2204864"/>
+            <a:ext cx="936104" cy="576064"/>
+          </a:xfrm>
+          <a:prstGeom prst="roundRect">
+            <a:avLst/>
+          </a:prstGeom>
+          <a:noFill/>
+          <a:ln w="28575">
+            <a:solidFill>
+              <a:srgbClr val="FFC000"/>
+            </a:solidFill>
+            <a:prstDash val="dash"/>
+          </a:ln>
+        </p:spPr>
+        <p:style>
+          <a:lnRef idx="2">
+            <a:schemeClr val="accent1">
+              <a:shade val="50000"/>
+            </a:schemeClr>
+          </a:lnRef>
+          <a:fillRef idx="1">
+            <a:schemeClr val="accent1"/>
+          </a:fillRef>
+          <a:effectRef idx="0">
+            <a:schemeClr val="accent1"/>
+          </a:effectRef>
+          <a:fontRef idx="minor">
+            <a:schemeClr val="lt1"/>
+          </a:fontRef>
+        </p:style>
+        <p:txBody>
+          <a:bodyPr rtlCol="0" anchor="ctr"/>
+          <a:lstStyle/>
+          <a:p>
+            <a:pPr algn="ctr"/>
+            <a:endParaRPr kumimoji="1" lang="ja-JP" altLang="en-US"/>
+          </a:p>
+        </p:txBody>
+      </p:sp>
+      <p:pic>
+        <p:nvPicPr>
+          <p:cNvPr id="6" name="図 5">
+            <a:extLst>
+              <a:ext uri="{FF2B5EF4-FFF2-40B4-BE49-F238E27FC236}">
+                <a16:creationId xmlns:a16="http://schemas.microsoft.com/office/drawing/2014/main" id="{37E99668-917C-41B3-8C4F-D154329020BE}"/>
+              </a:ext>
+            </a:extLst>
+          </p:cNvPr>
+          <p:cNvPicPr>
+            <a:picLocks noChangeAspect="1"/>
+          </p:cNvPicPr>
+          <p:nvPr/>
+        </p:nvPicPr>
+        <p:blipFill>
+          <a:blip r:embed="rId2">
+            <a:extLst>
+              <a:ext uri="{28A0092B-C50C-407E-A947-70E740481C1C}">
+                <a14:useLocalDpi xmlns:a14="http://schemas.microsoft.com/office/drawing/2010/main" val="0"/>
+              </a:ext>
+            </a:extLst>
+          </a:blip>
+          <a:stretch>
+            <a:fillRect/>
+          </a:stretch>
+        </p:blipFill>
+        <p:spPr>
+          <a:xfrm>
+            <a:off x="7164288" y="1124744"/>
+            <a:ext cx="609600" cy="609600"/>
+          </a:xfrm>
+          <a:prstGeom prst="rect">
+            <a:avLst/>
+          </a:prstGeom>
+        </p:spPr>
+      </p:pic>
+      <p:sp>
+        <p:nvSpPr>
+          <p:cNvPr id="7" name="テキスト ボックス 6">
+            <a:extLst>
+              <a:ext uri="{FF2B5EF4-FFF2-40B4-BE49-F238E27FC236}">
+                <a16:creationId xmlns:a16="http://schemas.microsoft.com/office/drawing/2014/main" id="{9CD37281-1CA9-420C-B6D2-7FA3C77F0900}"/>
+              </a:ext>
+            </a:extLst>
+          </p:cNvPr>
+          <p:cNvSpPr txBox="1"/>
+          <p:nvPr/>
+        </p:nvSpPr>
+        <p:spPr>
+          <a:xfrm>
+            <a:off x="251520" y="1340768"/>
+            <a:ext cx="3416320" cy="523220"/>
+          </a:xfrm>
+          <a:prstGeom prst="rect">
+            <a:avLst/>
+          </a:prstGeom>
+          <a:noFill/>
+        </p:spPr>
+        <p:txBody>
+          <a:bodyPr wrap="none" rtlCol="0">
+            <a:spAutoFit/>
+          </a:bodyPr>
+          <a:lstStyle/>
+          <a:p>
+            <a:r>
+              <a:rPr lang="ja-JP" altLang="en-US" sz="2800">
+                <a:solidFill>
+                  <a:srgbClr val="011893"/>
+                </a:solidFill>
+              </a:rPr>
+              <a:t>リモートリポジトリ</a:t>
+            </a:r>
+            <a:endParaRPr lang="en-US" sz="2800">
+              <a:solidFill>
+                <a:srgbClr val="011893"/>
+              </a:solidFill>
+            </a:endParaRPr>
+          </a:p>
+        </p:txBody>
+      </p:sp>
+      <p:sp>
+        <p:nvSpPr>
+          <p:cNvPr id="8" name="テキスト ボックス 7">
+            <a:extLst>
+              <a:ext uri="{FF2B5EF4-FFF2-40B4-BE49-F238E27FC236}">
+                <a16:creationId xmlns:a16="http://schemas.microsoft.com/office/drawing/2014/main" id="{1934DD2A-B0DF-4986-8D30-3AC2258B0055}"/>
+              </a:ext>
+            </a:extLst>
+          </p:cNvPr>
+          <p:cNvSpPr txBox="1"/>
+          <p:nvPr/>
+        </p:nvSpPr>
+        <p:spPr>
+          <a:xfrm>
+            <a:off x="683568" y="2060848"/>
+            <a:ext cx="4532010" cy="1200329"/>
+          </a:xfrm>
+          <a:prstGeom prst="rect">
+            <a:avLst/>
+          </a:prstGeom>
+          <a:noFill/>
+        </p:spPr>
+        <p:txBody>
+          <a:bodyPr wrap="none" rtlCol="0">
+            <a:spAutoFit/>
+          </a:bodyPr>
+          <a:lstStyle/>
+          <a:p>
+            <a:pPr marL="342900" indent="-342900">
+              <a:buFont typeface="Arial" panose="020B0604020202020204" pitchFamily="34" charset="0"/>
+              <a:buChar char="•"/>
+            </a:pPr>
+            <a:r>
+              <a:rPr lang="ja-JP" altLang="en-US" sz="2400"/>
+              <a:t>どこからでもアクセスしたい</a:t>
+            </a:r>
+            <a:endParaRPr lang="en-US" altLang="ja-JP" sz="2400"/>
+          </a:p>
+          <a:p>
+            <a:pPr marL="342900" indent="-342900">
+              <a:buFont typeface="Arial" panose="020B0604020202020204" pitchFamily="34" charset="0"/>
+              <a:buChar char="•"/>
+            </a:pPr>
+            <a:r>
+              <a:rPr lang="ja-JP" altLang="en-US" sz="2400"/>
+              <a:t>認証をきっちりしたい</a:t>
+            </a:r>
+            <a:endParaRPr lang="en-US" altLang="ja-JP" sz="2400"/>
+          </a:p>
+          <a:p>
+            <a:pPr marL="342900" indent="-342900">
+              <a:buFont typeface="Arial" panose="020B0604020202020204" pitchFamily="34" charset="0"/>
+              <a:buChar char="•"/>
+            </a:pPr>
+            <a:r>
+              <a:rPr lang="ja-JP" altLang="en-US" sz="2400">
+                <a:solidFill>
+                  <a:srgbClr val="FF0000"/>
+                </a:solidFill>
+              </a:rPr>
+              <a:t>自分で作りたくない</a:t>
+            </a:r>
+            <a:endParaRPr lang="en-US" altLang="ja-JP" sz="2400">
+              <a:solidFill>
+                <a:srgbClr val="FF0000"/>
+              </a:solidFill>
+            </a:endParaRPr>
+          </a:p>
+        </p:txBody>
+      </p:sp>
+      <p:sp>
+        <p:nvSpPr>
+          <p:cNvPr id="9" name="テキスト ボックス 8">
+            <a:extLst>
+              <a:ext uri="{FF2B5EF4-FFF2-40B4-BE49-F238E27FC236}">
+                <a16:creationId xmlns:a16="http://schemas.microsoft.com/office/drawing/2014/main" id="{57B8F02F-1C4C-4674-B522-466AF17841DD}"/>
+              </a:ext>
+            </a:extLst>
+          </p:cNvPr>
+          <p:cNvSpPr txBox="1"/>
+          <p:nvPr/>
+        </p:nvSpPr>
+        <p:spPr>
+          <a:xfrm>
+            <a:off x="1691680" y="3501008"/>
+            <a:ext cx="3262432" cy="461665"/>
+          </a:xfrm>
+          <a:prstGeom prst="rect">
+            <a:avLst/>
+          </a:prstGeom>
+          <a:noFill/>
+        </p:spPr>
+        <p:txBody>
+          <a:bodyPr wrap="none" rtlCol="0">
+            <a:spAutoFit/>
+          </a:bodyPr>
+          <a:lstStyle/>
+          <a:p>
+            <a:r>
+              <a:rPr lang="ja-JP" altLang="en-US" sz="2400"/>
+              <a:t>ホスティングサービス</a:t>
+            </a:r>
+            <a:endParaRPr lang="en-US" sz="2400"/>
+          </a:p>
+        </p:txBody>
+      </p:sp>
+      <p:sp>
+        <p:nvSpPr>
+          <p:cNvPr id="10" name="フローチャート: 磁気ディスク 9">
+            <a:extLst>
+              <a:ext uri="{FF2B5EF4-FFF2-40B4-BE49-F238E27FC236}">
+                <a16:creationId xmlns:a16="http://schemas.microsoft.com/office/drawing/2014/main" id="{F5055A26-9881-4488-92F6-ACB9FF0F3D7D}"/>
+              </a:ext>
+            </a:extLst>
+          </p:cNvPr>
+          <p:cNvSpPr/>
+          <p:nvPr/>
+        </p:nvSpPr>
+        <p:spPr>
+          <a:xfrm>
+            <a:off x="7092280" y="2348880"/>
+            <a:ext cx="504056" cy="360040"/>
+          </a:xfrm>
+          <a:prstGeom prst="flowChartMagneticDisk">
+            <a:avLst/>
+          </a:prstGeom>
+          <a:solidFill>
+            <a:schemeClr val="bg1">
+              <a:lumMod val="95000"/>
+            </a:schemeClr>
+          </a:solidFill>
+          <a:ln>
+            <a:solidFill>
+              <a:schemeClr val="tx1"/>
+            </a:solidFill>
+          </a:ln>
+        </p:spPr>
+        <p:style>
+          <a:lnRef idx="2">
+            <a:schemeClr val="accent1">
+              <a:shade val="50000"/>
+            </a:schemeClr>
+          </a:lnRef>
+          <a:fillRef idx="1">
+            <a:schemeClr val="accent1"/>
+          </a:fillRef>
+          <a:effectRef idx="0">
+            <a:schemeClr val="accent1"/>
+          </a:effectRef>
+          <a:fontRef idx="minor">
+            <a:schemeClr val="lt1"/>
+          </a:fontRef>
+        </p:style>
+        <p:txBody>
+          <a:bodyPr rtlCol="0" anchor="ctr"/>
+          <a:lstStyle/>
+          <a:p>
+            <a:pPr algn="ctr"/>
+            <a:r>
+              <a:rPr kumimoji="1" lang="en-US" altLang="ja-JP" sz="1100" dirty="0">
+                <a:solidFill>
+                  <a:schemeClr val="tx1"/>
+                </a:solidFill>
+                <a:latin typeface="Consolas" panose="020B0609020204030204" pitchFamily="49" charset="0"/>
+              </a:rPr>
+              <a:t>.git</a:t>
+            </a:r>
+            <a:endParaRPr kumimoji="1" lang="ja-JP" altLang="en-US" sz="1100" dirty="0">
+              <a:solidFill>
+                <a:schemeClr val="tx1"/>
+              </a:solidFill>
+              <a:latin typeface="Consolas" panose="020B0609020204030204" pitchFamily="49" charset="0"/>
+            </a:endParaRPr>
+          </a:p>
+        </p:txBody>
+      </p:sp>
+      <p:sp>
+        <p:nvSpPr>
+          <p:cNvPr id="11" name="四角形: 角を丸くする 10">
+            <a:extLst>
+              <a:ext uri="{FF2B5EF4-FFF2-40B4-BE49-F238E27FC236}">
+                <a16:creationId xmlns:a16="http://schemas.microsoft.com/office/drawing/2014/main" id="{B3BFD1F7-F666-42E0-8B53-E7DF23DD8C6E}"/>
+              </a:ext>
+            </a:extLst>
+          </p:cNvPr>
+          <p:cNvSpPr/>
+          <p:nvPr/>
+        </p:nvSpPr>
+        <p:spPr>
+          <a:xfrm>
+            <a:off x="6876256" y="2204864"/>
+            <a:ext cx="936104" cy="576064"/>
+          </a:xfrm>
+          <a:prstGeom prst="roundRect">
+            <a:avLst/>
+          </a:prstGeom>
+          <a:noFill/>
+          <a:ln w="28575">
+            <a:solidFill>
+              <a:srgbClr val="FFC000"/>
+            </a:solidFill>
+            <a:prstDash val="dash"/>
+          </a:ln>
+        </p:spPr>
+        <p:style>
+          <a:lnRef idx="2">
+            <a:schemeClr val="accent1">
+              <a:shade val="50000"/>
+            </a:schemeClr>
+          </a:lnRef>
+          <a:fillRef idx="1">
+            <a:schemeClr val="accent1"/>
+          </a:fillRef>
+          <a:effectRef idx="0">
+            <a:schemeClr val="accent1"/>
+          </a:effectRef>
+          <a:fontRef idx="minor">
+            <a:schemeClr val="lt1"/>
+          </a:fontRef>
+        </p:style>
+        <p:txBody>
+          <a:bodyPr rtlCol="0" anchor="ctr"/>
+          <a:lstStyle/>
+          <a:p>
+            <a:pPr algn="ctr"/>
+            <a:endParaRPr kumimoji="1" lang="ja-JP" altLang="en-US"/>
+          </a:p>
+        </p:txBody>
+      </p:sp>
+      <p:sp>
+        <p:nvSpPr>
+          <p:cNvPr id="12" name="フローチャート: 磁気ディスク 11">
+            <a:extLst>
+              <a:ext uri="{FF2B5EF4-FFF2-40B4-BE49-F238E27FC236}">
+                <a16:creationId xmlns:a16="http://schemas.microsoft.com/office/drawing/2014/main" id="{BDF054EE-DEB4-451B-99BE-B853F138F461}"/>
+              </a:ext>
+            </a:extLst>
+          </p:cNvPr>
+          <p:cNvSpPr/>
+          <p:nvPr/>
+        </p:nvSpPr>
+        <p:spPr>
+          <a:xfrm>
+            <a:off x="8172400" y="2348880"/>
+            <a:ext cx="504056" cy="360040"/>
+          </a:xfrm>
+          <a:prstGeom prst="flowChartMagneticDisk">
+            <a:avLst/>
+          </a:prstGeom>
+          <a:solidFill>
+            <a:schemeClr val="bg1">
+              <a:lumMod val="95000"/>
+            </a:schemeClr>
+          </a:solidFill>
+          <a:ln>
+            <a:solidFill>
+              <a:schemeClr val="tx1"/>
+            </a:solidFill>
+          </a:ln>
+        </p:spPr>
+        <p:style>
+          <a:lnRef idx="2">
+            <a:schemeClr val="accent1">
+              <a:shade val="50000"/>
+            </a:schemeClr>
+          </a:lnRef>
+          <a:fillRef idx="1">
+            <a:schemeClr val="accent1"/>
+          </a:fillRef>
+          <a:effectRef idx="0">
+            <a:schemeClr val="accent1"/>
+          </a:effectRef>
+          <a:fontRef idx="minor">
+            <a:schemeClr val="lt1"/>
+          </a:fontRef>
+        </p:style>
+        <p:txBody>
+          <a:bodyPr rtlCol="0" anchor="ctr"/>
+          <a:lstStyle/>
+          <a:p>
+            <a:pPr algn="ctr"/>
+            <a:r>
+              <a:rPr kumimoji="1" lang="en-US" altLang="ja-JP" sz="1100" dirty="0">
+                <a:solidFill>
+                  <a:schemeClr val="tx1"/>
+                </a:solidFill>
+                <a:latin typeface="Consolas" panose="020B0609020204030204" pitchFamily="49" charset="0"/>
+              </a:rPr>
+              <a:t>.git</a:t>
+            </a:r>
+            <a:endParaRPr kumimoji="1" lang="ja-JP" altLang="en-US" sz="1100" dirty="0">
+              <a:solidFill>
+                <a:schemeClr val="tx1"/>
+              </a:solidFill>
+              <a:latin typeface="Consolas" panose="020B0609020204030204" pitchFamily="49" charset="0"/>
+            </a:endParaRPr>
+          </a:p>
+        </p:txBody>
+      </p:sp>
+      <p:sp>
+        <p:nvSpPr>
+          <p:cNvPr id="13" name="四角形: 角を丸くする 12">
+            <a:extLst>
+              <a:ext uri="{FF2B5EF4-FFF2-40B4-BE49-F238E27FC236}">
+                <a16:creationId xmlns:a16="http://schemas.microsoft.com/office/drawing/2014/main" id="{DD5ACCC7-79D0-4D0F-81A1-1C69CF359216}"/>
+              </a:ext>
+            </a:extLst>
+          </p:cNvPr>
+          <p:cNvSpPr/>
+          <p:nvPr/>
+        </p:nvSpPr>
+        <p:spPr>
+          <a:xfrm>
+            <a:off x="7956376" y="2204864"/>
+            <a:ext cx="936104" cy="576064"/>
+          </a:xfrm>
+          <a:prstGeom prst="roundRect">
+            <a:avLst/>
+          </a:prstGeom>
+          <a:noFill/>
+          <a:ln w="28575">
+            <a:solidFill>
+              <a:schemeClr val="accent6">
+                <a:lumMod val="75000"/>
+              </a:schemeClr>
+            </a:solidFill>
+            <a:prstDash val="dash"/>
+          </a:ln>
+        </p:spPr>
+        <p:style>
+          <a:lnRef idx="2">
+            <a:schemeClr val="accent1">
+              <a:shade val="50000"/>
+            </a:schemeClr>
+          </a:lnRef>
+          <a:fillRef idx="1">
+            <a:schemeClr val="accent1"/>
+          </a:fillRef>
+          <a:effectRef idx="0">
+            <a:schemeClr val="accent1"/>
+          </a:effectRef>
+          <a:fontRef idx="minor">
+            <a:schemeClr val="lt1"/>
+          </a:fontRef>
+        </p:style>
+        <p:txBody>
+          <a:bodyPr rtlCol="0" anchor="ctr"/>
+          <a:lstStyle/>
+          <a:p>
+            <a:pPr algn="ctr"/>
+            <a:endParaRPr kumimoji="1" lang="ja-JP" altLang="en-US"/>
+          </a:p>
+        </p:txBody>
+      </p:sp>
+      <p:pic>
+        <p:nvPicPr>
+          <p:cNvPr id="14" name="Picture 6" descr="パソコンを使う会社員のイラスト（女性・笑顔）">
+            <a:extLst>
+              <a:ext uri="{FF2B5EF4-FFF2-40B4-BE49-F238E27FC236}">
+                <a16:creationId xmlns:a16="http://schemas.microsoft.com/office/drawing/2014/main" id="{51B6F7D5-7648-4C1F-91F0-CC061E6C269C}"/>
+              </a:ext>
+            </a:extLst>
+          </p:cNvPr>
+          <p:cNvPicPr>
+            <a:picLocks noChangeAspect="1" noChangeArrowheads="1"/>
+          </p:cNvPicPr>
+          <p:nvPr/>
+        </p:nvPicPr>
+        <p:blipFill>
+          <a:blip r:embed="rId3" cstate="print">
+            <a:extLst>
+              <a:ext uri="{28A0092B-C50C-407E-A947-70E740481C1C}">
+                <a14:useLocalDpi xmlns:a14="http://schemas.microsoft.com/office/drawing/2010/main" val="0"/>
+              </a:ext>
+            </a:extLst>
+          </a:blip>
+          <a:srcRect/>
+          <a:stretch>
+            <a:fillRect/>
+          </a:stretch>
+        </p:blipFill>
+        <p:spPr bwMode="auto">
+          <a:xfrm>
+            <a:off x="6444208" y="3861048"/>
+            <a:ext cx="800684" cy="1162819"/>
+          </a:xfrm>
+          <a:prstGeom prst="rect">
+            <a:avLst/>
+          </a:prstGeom>
+          <a:noFill/>
+          <a:extLst>
+            <a:ext uri="{909E8E84-426E-40DD-AFC4-6F175D3DCCD1}">
+              <a14:hiddenFill xmlns:a14="http://schemas.microsoft.com/office/drawing/2010/main">
+                <a:solidFill>
+                  <a:srgbClr val="FFFFFF"/>
+                </a:solidFill>
+              </a14:hiddenFill>
+            </a:ext>
+          </a:extLst>
+        </p:spPr>
+      </p:pic>
+      <p:pic>
+        <p:nvPicPr>
+          <p:cNvPr id="15" name="Picture 8" descr="パソコンを使う会社員のイラスト（男性・笑顔）">
+            <a:extLst>
+              <a:ext uri="{FF2B5EF4-FFF2-40B4-BE49-F238E27FC236}">
+                <a16:creationId xmlns:a16="http://schemas.microsoft.com/office/drawing/2014/main" id="{AFC5079E-8194-4996-9FF9-D0E03D9E7F6E}"/>
+              </a:ext>
+            </a:extLst>
+          </p:cNvPr>
+          <p:cNvPicPr>
+            <a:picLocks noChangeAspect="1" noChangeArrowheads="1"/>
+          </p:cNvPicPr>
+          <p:nvPr/>
+        </p:nvPicPr>
+        <p:blipFill>
+          <a:blip r:embed="rId4" cstate="print">
+            <a:extLst>
+              <a:ext uri="{28A0092B-C50C-407E-A947-70E740481C1C}">
+                <a14:useLocalDpi xmlns:a14="http://schemas.microsoft.com/office/drawing/2010/main" val="0"/>
+              </a:ext>
+            </a:extLst>
+          </a:blip>
+          <a:srcRect/>
+          <a:stretch>
+            <a:fillRect/>
+          </a:stretch>
+        </p:blipFill>
+        <p:spPr bwMode="auto">
+          <a:xfrm>
+            <a:off x="7812360" y="3861048"/>
+            <a:ext cx="800684" cy="1162819"/>
+          </a:xfrm>
+          <a:prstGeom prst="rect">
+            <a:avLst/>
+          </a:prstGeom>
+          <a:noFill/>
+          <a:extLst>
+            <a:ext uri="{909E8E84-426E-40DD-AFC4-6F175D3DCCD1}">
+              <a14:hiddenFill xmlns:a14="http://schemas.microsoft.com/office/drawing/2010/main">
+                <a:solidFill>
+                  <a:srgbClr val="FFFFFF"/>
+                </a:solidFill>
+              </a14:hiddenFill>
+            </a:ext>
+          </a:extLst>
+        </p:spPr>
+      </p:pic>
+      <p:cxnSp>
+        <p:nvCxnSpPr>
+          <p:cNvPr id="17" name="直線矢印コネクタ 16">
+            <a:extLst>
+              <a:ext uri="{FF2B5EF4-FFF2-40B4-BE49-F238E27FC236}">
+                <a16:creationId xmlns:a16="http://schemas.microsoft.com/office/drawing/2014/main" id="{F6B05B9F-5970-4F98-91A0-57C91F37EB0D}"/>
+              </a:ext>
+            </a:extLst>
+          </p:cNvPr>
+          <p:cNvCxnSpPr>
+            <a:cxnSpLocks/>
+            <a:stCxn id="11" idx="2"/>
+          </p:cNvCxnSpPr>
+          <p:nvPr/>
+        </p:nvCxnSpPr>
+        <p:spPr>
+          <a:xfrm flipH="1">
+            <a:off x="7092280" y="2780928"/>
+            <a:ext cx="252028" cy="1080120"/>
+          </a:xfrm>
+          <a:prstGeom prst="straightConnector1">
+            <a:avLst/>
+          </a:prstGeom>
+          <a:ln>
+            <a:solidFill>
+              <a:schemeClr val="tx1"/>
+            </a:solidFill>
+            <a:headEnd type="triangle"/>
+            <a:tailEnd type="triangle"/>
+          </a:ln>
+        </p:spPr>
+        <p:style>
+          <a:lnRef idx="1">
+            <a:schemeClr val="accent1"/>
+          </a:lnRef>
+          <a:fillRef idx="0">
+            <a:schemeClr val="accent1"/>
+          </a:fillRef>
+          <a:effectRef idx="0">
+            <a:schemeClr val="accent1"/>
+          </a:effectRef>
+          <a:fontRef idx="minor">
+            <a:schemeClr val="tx1"/>
+          </a:fontRef>
+        </p:style>
+      </p:cxnSp>
+      <p:cxnSp>
+        <p:nvCxnSpPr>
+          <p:cNvPr id="19" name="直線矢印コネクタ 18">
+            <a:extLst>
+              <a:ext uri="{FF2B5EF4-FFF2-40B4-BE49-F238E27FC236}">
+                <a16:creationId xmlns:a16="http://schemas.microsoft.com/office/drawing/2014/main" id="{69FC0EBF-BCE6-47E8-AD49-96BE00F52D75}"/>
+              </a:ext>
+            </a:extLst>
+          </p:cNvPr>
+          <p:cNvCxnSpPr>
+            <a:cxnSpLocks/>
+            <a:endCxn id="4" idx="2"/>
+          </p:cNvCxnSpPr>
+          <p:nvPr/>
+        </p:nvCxnSpPr>
+        <p:spPr>
+          <a:xfrm flipH="1" flipV="1">
+            <a:off x="6264188" y="2780928"/>
+            <a:ext cx="324036" cy="1080120"/>
+          </a:xfrm>
+          <a:prstGeom prst="straightConnector1">
+            <a:avLst/>
+          </a:prstGeom>
+          <a:ln>
+            <a:solidFill>
+              <a:schemeClr val="tx1"/>
+            </a:solidFill>
+            <a:headEnd type="triangle"/>
+            <a:tailEnd type="triangle"/>
+          </a:ln>
+        </p:spPr>
+        <p:style>
+          <a:lnRef idx="1">
+            <a:schemeClr val="accent1"/>
+          </a:lnRef>
+          <a:fillRef idx="0">
+            <a:schemeClr val="accent1"/>
+          </a:fillRef>
+          <a:effectRef idx="0">
+            <a:schemeClr val="accent1"/>
+          </a:effectRef>
+          <a:fontRef idx="minor">
+            <a:schemeClr val="tx1"/>
+          </a:fontRef>
+        </p:style>
+      </p:cxnSp>
+      <p:cxnSp>
+        <p:nvCxnSpPr>
+          <p:cNvPr id="21" name="直線矢印コネクタ 20">
+            <a:extLst>
+              <a:ext uri="{FF2B5EF4-FFF2-40B4-BE49-F238E27FC236}">
+                <a16:creationId xmlns:a16="http://schemas.microsoft.com/office/drawing/2014/main" id="{385FBDD4-4BCC-4B88-8BF3-5BCD1BF33D5F}"/>
+              </a:ext>
+            </a:extLst>
+          </p:cNvPr>
+          <p:cNvCxnSpPr>
+            <a:stCxn id="15" idx="0"/>
+            <a:endCxn id="13" idx="2"/>
+          </p:cNvCxnSpPr>
+          <p:nvPr/>
+        </p:nvCxnSpPr>
+        <p:spPr>
+          <a:xfrm flipV="1">
+            <a:off x="8212702" y="2780928"/>
+            <a:ext cx="211726" cy="1080120"/>
+          </a:xfrm>
+          <a:prstGeom prst="straightConnector1">
+            <a:avLst/>
+          </a:prstGeom>
+          <a:ln>
+            <a:solidFill>
+              <a:schemeClr val="tx1"/>
+            </a:solidFill>
+            <a:headEnd type="triangle"/>
+            <a:tailEnd type="triangle"/>
+          </a:ln>
+        </p:spPr>
+        <p:style>
+          <a:lnRef idx="1">
+            <a:schemeClr val="accent1"/>
+          </a:lnRef>
+          <a:fillRef idx="0">
+            <a:schemeClr val="accent1"/>
+          </a:fillRef>
+          <a:effectRef idx="0">
+            <a:schemeClr val="accent1"/>
+          </a:effectRef>
+          <a:fontRef idx="minor">
+            <a:schemeClr val="tx1"/>
+          </a:fontRef>
+        </p:style>
+      </p:cxnSp>
+      <p:sp>
+        <p:nvSpPr>
+          <p:cNvPr id="24" name="四角形: 角を丸くする 23">
+            <a:extLst>
+              <a:ext uri="{FF2B5EF4-FFF2-40B4-BE49-F238E27FC236}">
+                <a16:creationId xmlns:a16="http://schemas.microsoft.com/office/drawing/2014/main" id="{D32521E6-AC2D-448F-907B-B875674A5F93}"/>
+              </a:ext>
+            </a:extLst>
+          </p:cNvPr>
+          <p:cNvSpPr/>
+          <p:nvPr/>
+        </p:nvSpPr>
+        <p:spPr>
+          <a:xfrm>
+            <a:off x="5652120" y="1916832"/>
+            <a:ext cx="3384376" cy="1080120"/>
+          </a:xfrm>
+          <a:prstGeom prst="roundRect">
+            <a:avLst/>
+          </a:prstGeom>
+          <a:noFill/>
+          <a:ln w="28575">
+            <a:solidFill>
+              <a:schemeClr val="bg1">
+                <a:lumMod val="50000"/>
+              </a:schemeClr>
+            </a:solidFill>
+            <a:prstDash val="dash"/>
+          </a:ln>
+        </p:spPr>
+        <p:style>
+          <a:lnRef idx="2">
+            <a:schemeClr val="accent1">
+              <a:shade val="50000"/>
+            </a:schemeClr>
+          </a:lnRef>
+          <a:fillRef idx="1">
+            <a:schemeClr val="accent1"/>
+          </a:fillRef>
+          <a:effectRef idx="0">
+            <a:schemeClr val="accent1"/>
+          </a:effectRef>
+          <a:fontRef idx="minor">
+            <a:schemeClr val="lt1"/>
+          </a:fontRef>
+        </p:style>
+        <p:txBody>
+          <a:bodyPr rtlCol="0" anchor="ctr"/>
+          <a:lstStyle/>
+          <a:p>
+            <a:pPr algn="ctr"/>
+            <a:endParaRPr kumimoji="1" lang="ja-JP" altLang="en-US"/>
+          </a:p>
+        </p:txBody>
+      </p:sp>
+      <p:sp>
+        <p:nvSpPr>
+          <p:cNvPr id="26" name="矢印: 右 25">
+            <a:extLst>
+              <a:ext uri="{FF2B5EF4-FFF2-40B4-BE49-F238E27FC236}">
+                <a16:creationId xmlns:a16="http://schemas.microsoft.com/office/drawing/2014/main" id="{CB00DA65-7276-469B-A8E3-11A39C6EDA9B}"/>
+              </a:ext>
+            </a:extLst>
+          </p:cNvPr>
+          <p:cNvSpPr/>
+          <p:nvPr/>
+        </p:nvSpPr>
+        <p:spPr>
+          <a:xfrm>
+            <a:off x="1187624" y="3520432"/>
+            <a:ext cx="432048" cy="412624"/>
+          </a:xfrm>
+          <a:prstGeom prst="rightArrow">
+            <a:avLst/>
+          </a:prstGeom>
+          <a:solidFill>
+            <a:srgbClr val="FF0000"/>
+          </a:solidFill>
+          <a:ln>
+            <a:solidFill>
+              <a:schemeClr val="tx1"/>
+            </a:solidFill>
+          </a:ln>
+        </p:spPr>
+        <p:style>
+          <a:lnRef idx="2">
+            <a:schemeClr val="accent1">
+              <a:shade val="50000"/>
+            </a:schemeClr>
+          </a:lnRef>
+          <a:fillRef idx="1">
+            <a:schemeClr val="accent1"/>
+          </a:fillRef>
+          <a:effectRef idx="0">
+            <a:schemeClr val="accent1"/>
+          </a:effectRef>
+          <a:fontRef idx="minor">
+            <a:schemeClr val="lt1"/>
+          </a:fontRef>
+        </p:style>
+        <p:txBody>
+          <a:bodyPr rtlCol="0" anchor="ctr"/>
+          <a:lstStyle/>
+          <a:p>
+            <a:pPr algn="ctr"/>
+            <a:endParaRPr kumimoji="1" lang="en-US"/>
+          </a:p>
+        </p:txBody>
+      </p:sp>
+      <p:sp>
+        <p:nvSpPr>
+          <p:cNvPr id="27" name="テキスト ボックス 26">
+            <a:extLst>
+              <a:ext uri="{FF2B5EF4-FFF2-40B4-BE49-F238E27FC236}">
+                <a16:creationId xmlns:a16="http://schemas.microsoft.com/office/drawing/2014/main" id="{B87217F7-9EA5-4A77-B30B-FEAF28EE1685}"/>
+              </a:ext>
+            </a:extLst>
+          </p:cNvPr>
+          <p:cNvSpPr txBox="1"/>
+          <p:nvPr/>
+        </p:nvSpPr>
+        <p:spPr>
+          <a:xfrm>
+            <a:off x="323528" y="4293096"/>
+            <a:ext cx="3775393" cy="523220"/>
+          </a:xfrm>
+          <a:prstGeom prst="rect">
+            <a:avLst/>
+          </a:prstGeom>
+          <a:noFill/>
+        </p:spPr>
+        <p:txBody>
+          <a:bodyPr wrap="none" rtlCol="0">
+            <a:spAutoFit/>
+          </a:bodyPr>
+          <a:lstStyle/>
+          <a:p>
+            <a:r>
+              <a:rPr lang="ja-JP" altLang="en-US" sz="2800">
+                <a:solidFill>
+                  <a:srgbClr val="011893"/>
+                </a:solidFill>
+              </a:rPr>
+              <a:t>ホスティングサービス</a:t>
+            </a:r>
+            <a:endParaRPr lang="en-US" sz="2800">
+              <a:solidFill>
+                <a:srgbClr val="011893"/>
+              </a:solidFill>
+            </a:endParaRPr>
+          </a:p>
+        </p:txBody>
+      </p:sp>
+      <p:sp>
+        <p:nvSpPr>
+          <p:cNvPr id="28" name="テキスト ボックス 27">
+            <a:extLst>
+              <a:ext uri="{FF2B5EF4-FFF2-40B4-BE49-F238E27FC236}">
+                <a16:creationId xmlns:a16="http://schemas.microsoft.com/office/drawing/2014/main" id="{44989976-ECAB-4A0F-9BA6-6CA17D38C80A}"/>
+              </a:ext>
+            </a:extLst>
+          </p:cNvPr>
+          <p:cNvSpPr txBox="1"/>
+          <p:nvPr/>
+        </p:nvSpPr>
+        <p:spPr>
+          <a:xfrm>
+            <a:off x="827584" y="5085184"/>
+            <a:ext cx="7075976" cy="1200329"/>
+          </a:xfrm>
+          <a:prstGeom prst="rect">
+            <a:avLst/>
+          </a:prstGeom>
+          <a:noFill/>
+        </p:spPr>
+        <p:txBody>
+          <a:bodyPr wrap="none" rtlCol="0">
+            <a:spAutoFit/>
+          </a:bodyPr>
+          <a:lstStyle/>
+          <a:p>
+            <a:r>
+              <a:rPr lang="ja-JP" altLang="en-US" sz="2400"/>
+              <a:t>企業がサーバを貸し出すサービス</a:t>
+            </a:r>
+            <a:endParaRPr lang="en-US" altLang="ja-JP" sz="2400"/>
+          </a:p>
+          <a:p>
+            <a:r>
+              <a:rPr lang="ja-JP" altLang="en-US" sz="2400"/>
+              <a:t>メールやウェブサーバ、データなど</a:t>
+            </a:r>
+            <a:endParaRPr lang="en-US" altLang="ja-JP" sz="2400"/>
+          </a:p>
+          <a:p>
+            <a:r>
+              <a:rPr lang="en-US" sz="2400">
+                <a:solidFill>
+                  <a:srgbClr val="FF0000"/>
+                </a:solidFill>
+              </a:rPr>
+              <a:t>Git</a:t>
+            </a:r>
+            <a:r>
+              <a:rPr lang="ja-JP" altLang="en-US" sz="2400">
+                <a:solidFill>
+                  <a:srgbClr val="FF0000"/>
+                </a:solidFill>
+              </a:rPr>
+              <a:t>のホスティングサービスを提供するのが</a:t>
+            </a:r>
+            <a:r>
+              <a:rPr lang="en-US" altLang="ja-JP" sz="2400">
+                <a:solidFill>
+                  <a:srgbClr val="FF0000"/>
+                </a:solidFill>
+              </a:rPr>
+              <a:t>GitHub</a:t>
+            </a:r>
+            <a:endParaRPr lang="en-US" sz="2400">
+              <a:solidFill>
+                <a:srgbClr val="FF0000"/>
+              </a:solidFill>
+            </a:endParaRPr>
+          </a:p>
+        </p:txBody>
+      </p:sp>
+      <p:sp>
+        <p:nvSpPr>
+          <p:cNvPr id="29" name="テキスト ボックス 28">
+            <a:extLst>
+              <a:ext uri="{FF2B5EF4-FFF2-40B4-BE49-F238E27FC236}">
+                <a16:creationId xmlns:a16="http://schemas.microsoft.com/office/drawing/2014/main" id="{4769814D-6027-415F-A206-CE4ED3C204FD}"/>
+              </a:ext>
+            </a:extLst>
+          </p:cNvPr>
+          <p:cNvSpPr txBox="1"/>
+          <p:nvPr/>
+        </p:nvSpPr>
+        <p:spPr>
+          <a:xfrm>
+            <a:off x="5004048" y="6381328"/>
+            <a:ext cx="3288080" cy="369332"/>
+          </a:xfrm>
+          <a:prstGeom prst="rect">
+            <a:avLst/>
+          </a:prstGeom>
+          <a:noFill/>
+        </p:spPr>
+        <p:txBody>
+          <a:bodyPr wrap="none" rtlCol="0">
+            <a:spAutoFit/>
+          </a:bodyPr>
+          <a:lstStyle/>
+          <a:p>
+            <a:r>
+              <a:rPr lang="en-US" altLang="ja-JP"/>
+              <a:t>※</a:t>
+            </a:r>
+            <a:r>
+              <a:rPr lang="ja-JP" altLang="en-US"/>
+              <a:t> 他に</a:t>
+            </a:r>
+            <a:r>
+              <a:rPr lang="en-US" altLang="ja-JP"/>
+              <a:t>GitLab</a:t>
+            </a:r>
+            <a:r>
+              <a:rPr lang="ja-JP" altLang="en-US"/>
+              <a:t>や</a:t>
+            </a:r>
+            <a:r>
+              <a:rPr lang="en-US" altLang="ja-JP"/>
+              <a:t>BitBucket</a:t>
+            </a:r>
+            <a:r>
+              <a:rPr lang="ja-JP" altLang="en-US"/>
+              <a:t>など</a:t>
+            </a:r>
+            <a:endParaRPr lang="en-US"/>
+          </a:p>
+        </p:txBody>
+      </p:sp>
+    </p:spTree>
+    <p:extLst>
+      <p:ext uri="{BB962C8B-B14F-4D97-AF65-F5344CB8AC3E}">
+        <p14:creationId xmlns:p14="http://schemas.microsoft.com/office/powerpoint/2010/main" val="338962199"/>
+      </p:ext>
+    </p:extLst>
+  </p:cSld>
+  <p:clrMapOvr>
+    <a:masterClrMapping/>
+  </p:clrMapOvr>
+</p:sld>
+</file>
+
+<file path=ppt/slides/slide6.xml><?xml version="1.0" encoding="utf-8"?>
+<p:sld xmlns:a="http://schemas.openxmlformats.org/drawingml/2006/main" xmlns:r="http://schemas.openxmlformats.org/officeDocument/2006/relationships" xmlns:p="http://schemas.openxmlformats.org/presentationml/2006/main">
+  <p:cSld>
+    <p:spTree>
+      <p:nvGrpSpPr>
+        <p:cNvPr id="1" name=""/>
+        <p:cNvGrpSpPr/>
+        <p:nvPr/>
+      </p:nvGrpSpPr>
+      <p:grpSpPr>
+        <a:xfrm>
+          <a:off x="0" y="0"/>
+          <a:ext cx="0" cy="0"/>
+          <a:chOff x="0" y="0"/>
+          <a:chExt cx="0" cy="0"/>
+        </a:xfrm>
+      </p:grpSpPr>
+      <p:sp>
+        <p:nvSpPr>
+          <p:cNvPr id="2" name="テキスト プレースホルダー 1">
+            <a:extLst>
+              <a:ext uri="{FF2B5EF4-FFF2-40B4-BE49-F238E27FC236}">
+                <a16:creationId xmlns:a16="http://schemas.microsoft.com/office/drawing/2014/main" id="{D4E977BD-FD5D-4793-954F-6EAA80CF2057}"/>
+              </a:ext>
+            </a:extLst>
+          </p:cNvPr>
+          <p:cNvSpPr>
+            <a:spLocks noGrp="1"/>
+          </p:cNvSpPr>
+          <p:nvPr>
+            <p:ph type="body" sz="quarter" idx="10"/>
+          </p:nvPr>
+        </p:nvSpPr>
+        <p:spPr/>
+        <p:txBody>
+          <a:bodyPr/>
+          <a:lstStyle/>
+          <a:p>
+            <a:r>
+              <a:rPr lang="ja-JP" altLang="en-US"/>
+              <a:t>リモートリポジトリとは</a:t>
+            </a:r>
+            <a:endParaRPr lang="en-US"/>
+          </a:p>
+        </p:txBody>
+      </p:sp>
+      <p:sp>
+        <p:nvSpPr>
+          <p:cNvPr id="5" name="テキスト ボックス 4">
+            <a:extLst>
+              <a:ext uri="{FF2B5EF4-FFF2-40B4-BE49-F238E27FC236}">
+                <a16:creationId xmlns:a16="http://schemas.microsoft.com/office/drawing/2014/main" id="{48D994BE-0D2B-4BA3-B2EE-049AD41A8615}"/>
+              </a:ext>
+            </a:extLst>
+          </p:cNvPr>
+          <p:cNvSpPr txBox="1"/>
+          <p:nvPr/>
+        </p:nvSpPr>
+        <p:spPr>
+          <a:xfrm>
+            <a:off x="107504" y="1196752"/>
+            <a:ext cx="2698175" cy="523220"/>
+          </a:xfrm>
+          <a:prstGeom prst="rect">
+            <a:avLst/>
+          </a:prstGeom>
+          <a:noFill/>
+        </p:spPr>
+        <p:txBody>
+          <a:bodyPr wrap="none" rtlCol="0">
+            <a:spAutoFit/>
+          </a:bodyPr>
+          <a:lstStyle/>
+          <a:p>
+            <a:r>
+              <a:rPr lang="ja-JP" altLang="en-US" sz="2800">
+                <a:solidFill>
+                  <a:srgbClr val="011893"/>
+                </a:solidFill>
+              </a:rPr>
+              <a:t>中央リポジトリ</a:t>
+            </a:r>
+            <a:endParaRPr lang="en-US" sz="2800">
+              <a:solidFill>
+                <a:srgbClr val="011893"/>
+              </a:solidFill>
+            </a:endParaRPr>
+          </a:p>
+        </p:txBody>
+      </p:sp>
+      <p:sp>
+        <p:nvSpPr>
+          <p:cNvPr id="6" name="テキスト ボックス 5">
+            <a:extLst>
+              <a:ext uri="{FF2B5EF4-FFF2-40B4-BE49-F238E27FC236}">
+                <a16:creationId xmlns:a16="http://schemas.microsoft.com/office/drawing/2014/main" id="{AE3FD0B9-7736-4D19-B710-92B9A11B1F50}"/>
+              </a:ext>
+            </a:extLst>
+          </p:cNvPr>
+          <p:cNvSpPr txBox="1"/>
+          <p:nvPr/>
+        </p:nvSpPr>
+        <p:spPr>
+          <a:xfrm>
+            <a:off x="611560" y="1772816"/>
+            <a:ext cx="8208912" cy="2308324"/>
+          </a:xfrm>
+          <a:prstGeom prst="rect">
+            <a:avLst/>
+          </a:prstGeom>
+          <a:noFill/>
+        </p:spPr>
+        <p:txBody>
+          <a:bodyPr wrap="square" rtlCol="0">
+            <a:spAutoFit/>
+          </a:bodyPr>
+          <a:lstStyle/>
+          <a:p>
+            <a:pPr marL="342900" indent="-342900">
+              <a:buFont typeface="Arial" panose="020B0604020202020204" pitchFamily="34" charset="0"/>
+              <a:buChar char="•"/>
+            </a:pPr>
+            <a:r>
+              <a:rPr lang="ja-JP" altLang="en-US" sz="2400"/>
+              <a:t>プロジェクトメンバーで共有するリモートリポジトリ</a:t>
+            </a:r>
+            <a:endParaRPr lang="en-US" altLang="ja-JP" sz="2400"/>
+          </a:p>
+          <a:p>
+            <a:pPr marL="342900" indent="-342900">
+              <a:buFont typeface="Arial" panose="020B0604020202020204" pitchFamily="34" charset="0"/>
+              <a:buChar char="•"/>
+            </a:pPr>
+            <a:r>
+              <a:rPr lang="ja-JP" altLang="en-US" sz="2400"/>
+              <a:t>通常、リモートリポジトリはこれ一つ</a:t>
+            </a:r>
+            <a:endParaRPr lang="en-US" altLang="ja-JP" sz="2400"/>
+          </a:p>
+          <a:p>
+            <a:pPr marL="342900" indent="-342900">
+              <a:buFont typeface="Arial" panose="020B0604020202020204" pitchFamily="34" charset="0"/>
+              <a:buChar char="•"/>
+            </a:pPr>
+            <a:r>
+              <a:rPr lang="en-US" sz="2400"/>
+              <a:t>Git</a:t>
+            </a:r>
+            <a:r>
+              <a:rPr lang="ja-JP" altLang="en-US" sz="2400"/>
+              <a:t>は複数のリモートリポジトリに名前をつけて管理できるが、通常は</a:t>
+            </a:r>
+            <a:r>
+              <a:rPr lang="en-US" altLang="ja-JP" sz="2400">
+                <a:solidFill>
+                  <a:srgbClr val="011893"/>
+                </a:solidFill>
+              </a:rPr>
+              <a:t>origin</a:t>
+            </a:r>
+            <a:r>
+              <a:rPr lang="ja-JP" altLang="en-US" sz="2400"/>
+              <a:t>というリモートリポジトリ一つで運用</a:t>
+            </a:r>
+            <a:endParaRPr lang="en-US" altLang="ja-JP" sz="2400"/>
+          </a:p>
+          <a:p>
+            <a:pPr marL="342900" indent="-342900">
+              <a:buFont typeface="Arial" panose="020B0604020202020204" pitchFamily="34" charset="0"/>
+              <a:buChar char="•"/>
+            </a:pPr>
+            <a:r>
+              <a:rPr lang="en-US" sz="2400"/>
+              <a:t>Git</a:t>
+            </a:r>
+            <a:r>
+              <a:rPr lang="ja-JP" altLang="en-US" sz="2400"/>
+              <a:t>ホスティングサービスに置くことが多い</a:t>
+            </a:r>
+            <a:endParaRPr lang="en-US" sz="2400"/>
+          </a:p>
+        </p:txBody>
+      </p:sp>
+      <p:sp>
+        <p:nvSpPr>
+          <p:cNvPr id="7" name="テキスト ボックス 6">
+            <a:extLst>
+              <a:ext uri="{FF2B5EF4-FFF2-40B4-BE49-F238E27FC236}">
+                <a16:creationId xmlns:a16="http://schemas.microsoft.com/office/drawing/2014/main" id="{51A517E9-AD5B-4CE5-8F51-FA36E2DE1737}"/>
+              </a:ext>
+            </a:extLst>
+          </p:cNvPr>
+          <p:cNvSpPr txBox="1"/>
+          <p:nvPr/>
+        </p:nvSpPr>
+        <p:spPr>
+          <a:xfrm>
+            <a:off x="624909" y="5085184"/>
+            <a:ext cx="4955203" cy="1384995"/>
+          </a:xfrm>
+          <a:prstGeom prst="rect">
+            <a:avLst/>
+          </a:prstGeom>
+          <a:noFill/>
+          <a:ln>
+            <a:noFill/>
+          </a:ln>
+        </p:spPr>
+        <p:txBody>
+          <a:bodyPr wrap="none" rtlCol="0">
+            <a:spAutoFit/>
+          </a:bodyPr>
+          <a:lstStyle/>
+          <a:p>
+            <a:pPr marL="457200" indent="-457200">
+              <a:buFont typeface="Arial" panose="020B0604020202020204" pitchFamily="34" charset="0"/>
+              <a:buChar char="•"/>
+            </a:pPr>
+            <a:r>
+              <a:rPr lang="ja-JP" altLang="en-US" sz="2800"/>
+              <a:t>リモートリポジトリは一つ</a:t>
+            </a:r>
+            <a:endParaRPr lang="en-US" altLang="ja-JP" sz="2800"/>
+          </a:p>
+          <a:p>
+            <a:pPr marL="457200" indent="-457200">
+              <a:buFont typeface="Arial" panose="020B0604020202020204" pitchFamily="34" charset="0"/>
+              <a:buChar char="•"/>
+            </a:pPr>
+            <a:r>
+              <a:rPr lang="ja-JP" altLang="en-US" sz="2800"/>
+              <a:t>名前は</a:t>
+            </a:r>
+            <a:r>
+              <a:rPr lang="en-US" altLang="ja-JP" sz="2800">
+                <a:solidFill>
+                  <a:srgbClr val="011893"/>
+                </a:solidFill>
+              </a:rPr>
+              <a:t>origin</a:t>
+            </a:r>
+          </a:p>
+          <a:p>
+            <a:pPr marL="457200" indent="-457200">
+              <a:buFont typeface="Arial" panose="020B0604020202020204" pitchFamily="34" charset="0"/>
+              <a:buChar char="•"/>
+            </a:pPr>
+            <a:r>
+              <a:rPr lang="ja-JP" altLang="en-US" sz="2800"/>
+              <a:t>置き場所は</a:t>
+            </a:r>
+            <a:r>
+              <a:rPr lang="en-US" altLang="ja-JP" sz="2800">
+                <a:solidFill>
+                  <a:srgbClr val="011893"/>
+                </a:solidFill>
+              </a:rPr>
+              <a:t>GitHub</a:t>
+            </a:r>
+          </a:p>
+        </p:txBody>
+      </p:sp>
+      <p:sp>
+        <p:nvSpPr>
+          <p:cNvPr id="9" name="テキスト ボックス 8">
+            <a:extLst>
+              <a:ext uri="{FF2B5EF4-FFF2-40B4-BE49-F238E27FC236}">
+                <a16:creationId xmlns:a16="http://schemas.microsoft.com/office/drawing/2014/main" id="{62769C32-F245-45D9-989C-02B4249B98BF}"/>
+              </a:ext>
+            </a:extLst>
+          </p:cNvPr>
+          <p:cNvSpPr txBox="1"/>
+          <p:nvPr/>
+        </p:nvSpPr>
+        <p:spPr>
+          <a:xfrm>
+            <a:off x="179512" y="4365104"/>
+            <a:ext cx="6192688" cy="523220"/>
+          </a:xfrm>
+          <a:prstGeom prst="rect">
+            <a:avLst/>
+          </a:prstGeom>
+          <a:noFill/>
+        </p:spPr>
+        <p:txBody>
+          <a:bodyPr wrap="square">
+            <a:spAutoFit/>
+          </a:bodyPr>
+          <a:lstStyle/>
+          <a:p>
+            <a:r>
+              <a:rPr lang="ja-JP" altLang="en-US" sz="2800"/>
+              <a:t>本講義では今後、以下を前提とする</a:t>
+            </a:r>
+            <a:endParaRPr lang="en-US" altLang="ja-JP" sz="2800"/>
+          </a:p>
+        </p:txBody>
+      </p:sp>
+    </p:spTree>
+    <p:extLst>
+      <p:ext uri="{BB962C8B-B14F-4D97-AF65-F5344CB8AC3E}">
+        <p14:creationId xmlns:p14="http://schemas.microsoft.com/office/powerpoint/2010/main" val="1855439649"/>
+      </p:ext>
+    </p:extLst>
+  </p:cSld>
+  <p:clrMapOvr>
+    <a:masterClrMapping/>
+  </p:clrMapOvr>
+</p:sld>
+</file>
+
+<file path=ppt/slides/slide7.xml><?xml version="1.0" encoding="utf-8"?>
+<p:sld xmlns:a="http://schemas.openxmlformats.org/drawingml/2006/main" xmlns:r="http://schemas.openxmlformats.org/officeDocument/2006/relationships" xmlns:p="http://schemas.openxmlformats.org/presentationml/2006/main">
+  <p:cSld>
+    <p:spTree>
+      <p:nvGrpSpPr>
+        <p:cNvPr id="1" name=""/>
+        <p:cNvGrpSpPr/>
+        <p:nvPr/>
+      </p:nvGrpSpPr>
+      <p:grpSpPr>
+        <a:xfrm>
+          <a:off x="0" y="0"/>
+          <a:ext cx="0" cy="0"/>
+          <a:chOff x="0" y="0"/>
+          <a:chExt cx="0" cy="0"/>
+        </a:xfrm>
+      </p:grpSpPr>
+      <p:sp>
+        <p:nvSpPr>
+          <p:cNvPr id="2" name="テキスト プレースホルダー 1">
+            <a:extLst>
+              <a:ext uri="{FF2B5EF4-FFF2-40B4-BE49-F238E27FC236}">
+                <a16:creationId xmlns:a16="http://schemas.microsoft.com/office/drawing/2014/main" id="{D06856FE-6C50-4D42-9A9F-0392649ED445}"/>
+              </a:ext>
+            </a:extLst>
+          </p:cNvPr>
+          <p:cNvSpPr>
+            <a:spLocks noGrp="1"/>
+          </p:cNvSpPr>
+          <p:nvPr>
+            <p:ph type="body" sz="quarter" idx="10"/>
+          </p:nvPr>
+        </p:nvSpPr>
+        <p:spPr/>
+        <p:txBody>
+          <a:bodyPr/>
+          <a:lstStyle/>
+          <a:p>
+            <a:r>
+              <a:rPr lang="ja-JP" altLang="en-US"/>
+              <a:t>ベアリポジトリ</a:t>
+            </a:r>
+            <a:endParaRPr lang="en-US"/>
+          </a:p>
+        </p:txBody>
+      </p:sp>
+      <p:sp>
+        <p:nvSpPr>
+          <p:cNvPr id="3" name="フローチャート: 磁気ディスク 2">
+            <a:extLst>
+              <a:ext uri="{FF2B5EF4-FFF2-40B4-BE49-F238E27FC236}">
+                <a16:creationId xmlns:a16="http://schemas.microsoft.com/office/drawing/2014/main" id="{C1BC1DFB-FB93-4D1D-9E21-36A8854EDE4A}"/>
+              </a:ext>
+            </a:extLst>
+          </p:cNvPr>
+          <p:cNvSpPr/>
+          <p:nvPr/>
+        </p:nvSpPr>
+        <p:spPr>
+          <a:xfrm>
+            <a:off x="6948264" y="3861048"/>
+            <a:ext cx="720080" cy="504056"/>
+          </a:xfrm>
+          <a:prstGeom prst="flowChartMagneticDisk">
+            <a:avLst/>
+          </a:prstGeom>
+          <a:solidFill>
+            <a:schemeClr val="bg1">
+              <a:lumMod val="95000"/>
+            </a:schemeClr>
+          </a:solidFill>
+          <a:ln>
+            <a:solidFill>
+              <a:schemeClr val="tx1"/>
+            </a:solidFill>
+          </a:ln>
+        </p:spPr>
+        <p:style>
+          <a:lnRef idx="2">
+            <a:schemeClr val="accent1">
+              <a:shade val="50000"/>
+            </a:schemeClr>
+          </a:lnRef>
+          <a:fillRef idx="1">
+            <a:schemeClr val="accent1"/>
+          </a:fillRef>
+          <a:effectRef idx="0">
+            <a:schemeClr val="accent1"/>
+          </a:effectRef>
+          <a:fontRef idx="minor">
+            <a:schemeClr val="lt1"/>
+          </a:fontRef>
+        </p:style>
+        <p:txBody>
+          <a:bodyPr rtlCol="0" anchor="ctr"/>
+          <a:lstStyle/>
+          <a:p>
+            <a:pPr algn="ctr"/>
+            <a:endParaRPr kumimoji="1" lang="ja-JP" altLang="en-US" dirty="0">
+              <a:solidFill>
+                <a:schemeClr val="tx1"/>
+              </a:solidFill>
+              <a:latin typeface="Consolas" panose="020B0609020204030204" pitchFamily="49" charset="0"/>
+            </a:endParaRPr>
+          </a:p>
+        </p:txBody>
+      </p:sp>
+      <p:sp>
+        <p:nvSpPr>
+          <p:cNvPr id="4" name="四角形: 角を丸くする 3">
+            <a:extLst>
+              <a:ext uri="{FF2B5EF4-FFF2-40B4-BE49-F238E27FC236}">
+                <a16:creationId xmlns:a16="http://schemas.microsoft.com/office/drawing/2014/main" id="{7008E68F-1C00-4D98-ABD7-E6E070755E67}"/>
+              </a:ext>
+            </a:extLst>
+          </p:cNvPr>
+          <p:cNvSpPr/>
+          <p:nvPr/>
+        </p:nvSpPr>
+        <p:spPr>
+          <a:xfrm>
+            <a:off x="6804248" y="3789040"/>
+            <a:ext cx="1008112" cy="720080"/>
+          </a:xfrm>
+          <a:prstGeom prst="roundRect">
+            <a:avLst/>
+          </a:prstGeom>
+          <a:noFill/>
+          <a:ln w="28575">
+            <a:solidFill>
+              <a:schemeClr val="tx1"/>
+            </a:solidFill>
+            <a:prstDash val="dash"/>
+          </a:ln>
+        </p:spPr>
+        <p:style>
+          <a:lnRef idx="2">
+            <a:schemeClr val="accent1">
+              <a:shade val="50000"/>
+            </a:schemeClr>
+          </a:lnRef>
+          <a:fillRef idx="1">
+            <a:schemeClr val="accent1"/>
+          </a:fillRef>
+          <a:effectRef idx="0">
+            <a:schemeClr val="accent1"/>
+          </a:effectRef>
+          <a:fontRef idx="minor">
+            <a:schemeClr val="lt1"/>
+          </a:fontRef>
+        </p:style>
+        <p:txBody>
+          <a:bodyPr rtlCol="0" anchor="ctr"/>
+          <a:lstStyle/>
+          <a:p>
+            <a:pPr algn="ctr"/>
+            <a:endParaRPr kumimoji="1" lang="ja-JP" altLang="en-US"/>
+          </a:p>
+        </p:txBody>
+      </p:sp>
+      <p:pic>
+        <p:nvPicPr>
+          <p:cNvPr id="5" name="図 4">
+            <a:extLst>
+              <a:ext uri="{FF2B5EF4-FFF2-40B4-BE49-F238E27FC236}">
+                <a16:creationId xmlns:a16="http://schemas.microsoft.com/office/drawing/2014/main" id="{4E4C014C-A207-47AA-8A2E-DE2746A4D60F}"/>
+              </a:ext>
+            </a:extLst>
+          </p:cNvPr>
+          <p:cNvPicPr>
+            <a:picLocks noChangeAspect="1"/>
+          </p:cNvPicPr>
+          <p:nvPr/>
+        </p:nvPicPr>
+        <p:blipFill>
+          <a:blip r:embed="rId2">
+            <a:extLst>
+              <a:ext uri="{28A0092B-C50C-407E-A947-70E740481C1C}">
+                <a14:useLocalDpi xmlns:a14="http://schemas.microsoft.com/office/drawing/2010/main" val="0"/>
+              </a:ext>
+            </a:extLst>
+          </a:blip>
+          <a:stretch>
+            <a:fillRect/>
+          </a:stretch>
+        </p:blipFill>
+        <p:spPr>
+          <a:xfrm>
+            <a:off x="8172400" y="3789040"/>
+            <a:ext cx="609600" cy="609600"/>
+          </a:xfrm>
+          <a:prstGeom prst="rect">
+            <a:avLst/>
+          </a:prstGeom>
+        </p:spPr>
+      </p:pic>
+      <p:sp>
+        <p:nvSpPr>
+          <p:cNvPr id="6" name="テキスト ボックス 5">
+            <a:extLst>
+              <a:ext uri="{FF2B5EF4-FFF2-40B4-BE49-F238E27FC236}">
+                <a16:creationId xmlns:a16="http://schemas.microsoft.com/office/drawing/2014/main" id="{67B5D5A6-3232-4708-BA7F-99B54C575E7F}"/>
+              </a:ext>
+            </a:extLst>
+          </p:cNvPr>
+          <p:cNvSpPr txBox="1"/>
+          <p:nvPr/>
+        </p:nvSpPr>
+        <p:spPr>
+          <a:xfrm>
+            <a:off x="179512" y="1052736"/>
+            <a:ext cx="8496944" cy="1569660"/>
+          </a:xfrm>
+          <a:prstGeom prst="rect">
+            <a:avLst/>
+          </a:prstGeom>
+          <a:noFill/>
+        </p:spPr>
+        <p:txBody>
+          <a:bodyPr wrap="square" rtlCol="0">
+            <a:spAutoFit/>
+          </a:bodyPr>
+          <a:lstStyle/>
+          <a:p>
+            <a:r>
+              <a:rPr lang="ja-JP" altLang="en-US" sz="2400"/>
+              <a:t>ワーキングツリーを持たないリポジトリのこと</a:t>
+            </a:r>
+            <a:endParaRPr lang="en-US" altLang="ja-JP" sz="2400"/>
+          </a:p>
+          <a:p>
+            <a:r>
+              <a:rPr lang="ja-JP" altLang="en-US" sz="2400"/>
+              <a:t>通常のリポジトリの</a:t>
+            </a:r>
+            <a:r>
+              <a:rPr lang="en-US" altLang="ja-JP" sz="2400"/>
+              <a:t>.git</a:t>
+            </a:r>
+            <a:r>
+              <a:rPr lang="ja-JP" altLang="en-US" sz="2400"/>
+              <a:t>ディレクトリがトップレベルディレクトリになったような中身</a:t>
+            </a:r>
+            <a:endParaRPr lang="en-US" altLang="ja-JP" sz="2400"/>
+          </a:p>
+          <a:p>
+            <a:r>
+              <a:rPr lang="ja-JP" altLang="en-US" sz="2400">
+                <a:solidFill>
+                  <a:srgbClr val="FF0000"/>
+                </a:solidFill>
+              </a:rPr>
+              <a:t>「プロジェクト名</a:t>
+            </a:r>
+            <a:r>
+              <a:rPr lang="en-US" altLang="ja-JP" sz="2400">
+                <a:solidFill>
+                  <a:srgbClr val="FF0000"/>
+                </a:solidFill>
+              </a:rPr>
+              <a:t>.git</a:t>
+            </a:r>
+            <a:r>
+              <a:rPr lang="ja-JP" altLang="en-US" sz="2400">
+                <a:solidFill>
+                  <a:srgbClr val="FF0000"/>
+                </a:solidFill>
+              </a:rPr>
+              <a:t>」という名前とする</a:t>
+            </a:r>
+            <a:endParaRPr lang="en-US" altLang="ja-JP" sz="2400">
+              <a:solidFill>
+                <a:srgbClr val="FF0000"/>
+              </a:solidFill>
+            </a:endParaRPr>
+          </a:p>
+        </p:txBody>
+      </p:sp>
+      <p:pic>
+        <p:nvPicPr>
+          <p:cNvPr id="7" name="Picture 2" descr="ファイルアイコン（ブランク）">
+            <a:extLst>
+              <a:ext uri="{FF2B5EF4-FFF2-40B4-BE49-F238E27FC236}">
+                <a16:creationId xmlns:a16="http://schemas.microsoft.com/office/drawing/2014/main" id="{00EE30F4-B59A-45A1-ABCF-C595C6F92CFF}"/>
+              </a:ext>
+            </a:extLst>
+          </p:cNvPr>
+          <p:cNvPicPr>
+            <a:picLocks noChangeAspect="1" noChangeArrowheads="1"/>
+          </p:cNvPicPr>
+          <p:nvPr/>
+        </p:nvPicPr>
+        <p:blipFill>
+          <a:blip r:embed="rId3" cstate="print">
+            <a:extLst>
+              <a:ext uri="{28A0092B-C50C-407E-A947-70E740481C1C}">
+                <a14:useLocalDpi xmlns:a14="http://schemas.microsoft.com/office/drawing/2010/main" val="0"/>
+              </a:ext>
+            </a:extLst>
+          </a:blip>
+          <a:srcRect/>
+          <a:stretch>
+            <a:fillRect/>
+          </a:stretch>
+        </p:blipFill>
+        <p:spPr bwMode="auto">
+          <a:xfrm>
+            <a:off x="5292080" y="4920262"/>
+            <a:ext cx="576064" cy="668978"/>
+          </a:xfrm>
+          <a:prstGeom prst="rect">
+            <a:avLst/>
+          </a:prstGeom>
+          <a:noFill/>
+          <a:extLst>
+            <a:ext uri="{909E8E84-426E-40DD-AFC4-6F175D3DCCD1}">
+              <a14:hiddenFill xmlns:a14="http://schemas.microsoft.com/office/drawing/2010/main">
+                <a:solidFill>
+                  <a:srgbClr val="FFFFFF"/>
+                </a:solidFill>
+              </a14:hiddenFill>
+            </a:ext>
+          </a:extLst>
+        </p:spPr>
+      </p:pic>
+      <p:pic>
+        <p:nvPicPr>
+          <p:cNvPr id="8" name="Picture 4" descr="フォルダのイラスト">
+            <a:extLst>
+              <a:ext uri="{FF2B5EF4-FFF2-40B4-BE49-F238E27FC236}">
+                <a16:creationId xmlns:a16="http://schemas.microsoft.com/office/drawing/2014/main" id="{657FB747-FE25-4B01-A0C7-13960C389A3C}"/>
+              </a:ext>
+            </a:extLst>
+          </p:cNvPr>
+          <p:cNvPicPr>
+            <a:picLocks noChangeAspect="1" noChangeArrowheads="1"/>
+          </p:cNvPicPr>
+          <p:nvPr/>
+        </p:nvPicPr>
+        <p:blipFill>
+          <a:blip r:embed="rId4" cstate="print">
+            <a:extLst>
+              <a:ext uri="{28A0092B-C50C-407E-A947-70E740481C1C}">
+                <a14:useLocalDpi xmlns:a14="http://schemas.microsoft.com/office/drawing/2010/main" val="0"/>
+              </a:ext>
+            </a:extLst>
+          </a:blip>
+          <a:srcRect/>
+          <a:stretch>
+            <a:fillRect/>
+          </a:stretch>
+        </p:blipFill>
+        <p:spPr bwMode="auto">
+          <a:xfrm>
+            <a:off x="3491880" y="3861048"/>
+            <a:ext cx="792088" cy="663374"/>
+          </a:xfrm>
+          <a:prstGeom prst="rect">
+            <a:avLst/>
+          </a:prstGeom>
+          <a:noFill/>
+          <a:extLst>
+            <a:ext uri="{909E8E84-426E-40DD-AFC4-6F175D3DCCD1}">
+              <a14:hiddenFill xmlns:a14="http://schemas.microsoft.com/office/drawing/2010/main">
+                <a:solidFill>
+                  <a:srgbClr val="FFFFFF"/>
+                </a:solidFill>
+              </a14:hiddenFill>
+            </a:ext>
+          </a:extLst>
+        </p:spPr>
+      </p:pic>
+      <p:sp>
+        <p:nvSpPr>
+          <p:cNvPr id="9" name="フローチャート: 磁気ディスク 8">
+            <a:extLst>
+              <a:ext uri="{FF2B5EF4-FFF2-40B4-BE49-F238E27FC236}">
+                <a16:creationId xmlns:a16="http://schemas.microsoft.com/office/drawing/2014/main" id="{D456B676-810F-4515-B3F1-EF98A3CB172F}"/>
+              </a:ext>
+            </a:extLst>
+          </p:cNvPr>
+          <p:cNvSpPr/>
+          <p:nvPr/>
+        </p:nvSpPr>
+        <p:spPr>
+          <a:xfrm>
+            <a:off x="3491880" y="4992270"/>
+            <a:ext cx="720080" cy="504056"/>
+          </a:xfrm>
+          <a:prstGeom prst="flowChartMagneticDisk">
+            <a:avLst/>
+          </a:prstGeom>
+          <a:solidFill>
+            <a:schemeClr val="bg1">
+              <a:lumMod val="95000"/>
+            </a:schemeClr>
+          </a:solidFill>
+          <a:ln>
+            <a:solidFill>
+              <a:schemeClr val="tx1"/>
+            </a:solidFill>
+          </a:ln>
+        </p:spPr>
+        <p:style>
+          <a:lnRef idx="2">
+            <a:schemeClr val="accent1">
+              <a:shade val="50000"/>
+            </a:schemeClr>
+          </a:lnRef>
+          <a:fillRef idx="1">
+            <a:schemeClr val="accent1"/>
+          </a:fillRef>
+          <a:effectRef idx="0">
+            <a:schemeClr val="accent1"/>
+          </a:effectRef>
+          <a:fontRef idx="minor">
+            <a:schemeClr val="lt1"/>
+          </a:fontRef>
+        </p:style>
+        <p:txBody>
+          <a:bodyPr rtlCol="0" anchor="ctr"/>
+          <a:lstStyle/>
+          <a:p>
+            <a:pPr algn="ctr"/>
+            <a:r>
+              <a:rPr kumimoji="1" lang="en-US" altLang="ja-JP" dirty="0">
+                <a:solidFill>
+                  <a:schemeClr val="tx1"/>
+                </a:solidFill>
+                <a:latin typeface="Consolas" panose="020B0609020204030204" pitchFamily="49" charset="0"/>
+              </a:rPr>
+              <a:t>.git</a:t>
+            </a:r>
+            <a:endParaRPr kumimoji="1" lang="ja-JP" altLang="en-US" dirty="0">
+              <a:solidFill>
+                <a:schemeClr val="tx1"/>
+              </a:solidFill>
+              <a:latin typeface="Consolas" panose="020B0609020204030204" pitchFamily="49" charset="0"/>
+            </a:endParaRPr>
+          </a:p>
+        </p:txBody>
+      </p:sp>
+      <p:pic>
+        <p:nvPicPr>
+          <p:cNvPr id="10" name="Picture 4" descr="フォルダのイラスト">
+            <a:extLst>
+              <a:ext uri="{FF2B5EF4-FFF2-40B4-BE49-F238E27FC236}">
+                <a16:creationId xmlns:a16="http://schemas.microsoft.com/office/drawing/2014/main" id="{1E464E96-0BB6-423B-92C9-515092A5F6C0}"/>
+              </a:ext>
+            </a:extLst>
+          </p:cNvPr>
+          <p:cNvPicPr>
+            <a:picLocks noChangeAspect="1" noChangeArrowheads="1"/>
+          </p:cNvPicPr>
+          <p:nvPr/>
+        </p:nvPicPr>
+        <p:blipFill>
+          <a:blip r:embed="rId4" cstate="print">
+            <a:extLst>
+              <a:ext uri="{28A0092B-C50C-407E-A947-70E740481C1C}">
+                <a14:useLocalDpi xmlns:a14="http://schemas.microsoft.com/office/drawing/2010/main" val="0"/>
+              </a:ext>
+            </a:extLst>
+          </a:blip>
+          <a:srcRect/>
+          <a:stretch>
+            <a:fillRect/>
+          </a:stretch>
+        </p:blipFill>
+        <p:spPr bwMode="auto">
+          <a:xfrm>
+            <a:off x="4355976" y="4920262"/>
+            <a:ext cx="792088" cy="663374"/>
+          </a:xfrm>
+          <a:prstGeom prst="rect">
+            <a:avLst/>
+          </a:prstGeom>
+          <a:noFill/>
+          <a:extLst>
+            <a:ext uri="{909E8E84-426E-40DD-AFC4-6F175D3DCCD1}">
+              <a14:hiddenFill xmlns:a14="http://schemas.microsoft.com/office/drawing/2010/main">
+                <a:solidFill>
+                  <a:srgbClr val="FFFFFF"/>
+                </a:solidFill>
+              </a14:hiddenFill>
+            </a:ext>
+          </a:extLst>
+        </p:spPr>
+      </p:pic>
+      <p:cxnSp>
+        <p:nvCxnSpPr>
+          <p:cNvPr id="11" name="コネクタ: カギ線 10">
+            <a:extLst>
+              <a:ext uri="{FF2B5EF4-FFF2-40B4-BE49-F238E27FC236}">
+                <a16:creationId xmlns:a16="http://schemas.microsoft.com/office/drawing/2014/main" id="{EC46D79A-D71F-46D6-A2A7-9C74AAB6DA3D}"/>
+              </a:ext>
+            </a:extLst>
+          </p:cNvPr>
+          <p:cNvCxnSpPr>
+            <a:stCxn id="8" idx="2"/>
+            <a:endCxn id="10" idx="0"/>
+          </p:cNvCxnSpPr>
+          <p:nvPr/>
+        </p:nvCxnSpPr>
+        <p:spPr>
+          <a:xfrm rot="16200000" flipH="1">
+            <a:off x="4122052" y="4290294"/>
+            <a:ext cx="395840" cy="864096"/>
+          </a:xfrm>
+          <a:prstGeom prst="bentConnector3">
+            <a:avLst/>
+          </a:prstGeom>
+          <a:ln w="12700">
+            <a:solidFill>
+              <a:schemeClr val="tx1"/>
+            </a:solidFill>
+          </a:ln>
+        </p:spPr>
+        <p:style>
+          <a:lnRef idx="1">
+            <a:schemeClr val="accent1"/>
+          </a:lnRef>
+          <a:fillRef idx="0">
+            <a:schemeClr val="accent1"/>
+          </a:fillRef>
+          <a:effectRef idx="0">
+            <a:schemeClr val="accent1"/>
+          </a:effectRef>
+          <a:fontRef idx="minor">
+            <a:schemeClr val="tx1"/>
+          </a:fontRef>
+        </p:style>
+      </p:cxnSp>
+      <p:cxnSp>
+        <p:nvCxnSpPr>
+          <p:cNvPr id="12" name="コネクタ: カギ線 11">
+            <a:extLst>
+              <a:ext uri="{FF2B5EF4-FFF2-40B4-BE49-F238E27FC236}">
+                <a16:creationId xmlns:a16="http://schemas.microsoft.com/office/drawing/2014/main" id="{8B978C1C-4321-4DDE-BAA9-47A4D8EDAB43}"/>
+              </a:ext>
+            </a:extLst>
+          </p:cNvPr>
+          <p:cNvCxnSpPr>
+            <a:stCxn id="8" idx="2"/>
+            <a:endCxn id="7" idx="0"/>
+          </p:cNvCxnSpPr>
+          <p:nvPr/>
+        </p:nvCxnSpPr>
+        <p:spPr>
+          <a:xfrm rot="16200000" flipH="1">
+            <a:off x="4536098" y="3876248"/>
+            <a:ext cx="395840" cy="1692188"/>
+          </a:xfrm>
+          <a:prstGeom prst="bentConnector3">
+            <a:avLst/>
+          </a:prstGeom>
+          <a:ln w="12700">
+            <a:solidFill>
+              <a:schemeClr val="tx1"/>
+            </a:solidFill>
+          </a:ln>
+        </p:spPr>
+        <p:style>
+          <a:lnRef idx="1">
+            <a:schemeClr val="accent1"/>
+          </a:lnRef>
+          <a:fillRef idx="0">
+            <a:schemeClr val="accent1"/>
+          </a:fillRef>
+          <a:effectRef idx="0">
+            <a:schemeClr val="accent1"/>
+          </a:effectRef>
+          <a:fontRef idx="minor">
+            <a:schemeClr val="tx1"/>
+          </a:fontRef>
+        </p:style>
+      </p:cxnSp>
+      <p:cxnSp>
+        <p:nvCxnSpPr>
+          <p:cNvPr id="13" name="直線コネクタ 12">
+            <a:extLst>
+              <a:ext uri="{FF2B5EF4-FFF2-40B4-BE49-F238E27FC236}">
+                <a16:creationId xmlns:a16="http://schemas.microsoft.com/office/drawing/2014/main" id="{5595D2E9-6B52-47CE-8761-7E1469C96C0E}"/>
+              </a:ext>
+            </a:extLst>
+          </p:cNvPr>
+          <p:cNvCxnSpPr>
+            <a:cxnSpLocks/>
+          </p:cNvCxnSpPr>
+          <p:nvPr/>
+        </p:nvCxnSpPr>
+        <p:spPr>
+          <a:xfrm>
+            <a:off x="3885183" y="4697364"/>
+            <a:ext cx="0" cy="216024"/>
+          </a:xfrm>
+          <a:prstGeom prst="line">
+            <a:avLst/>
+          </a:prstGeom>
+          <a:ln w="12700">
+            <a:solidFill>
+              <a:schemeClr val="tx1"/>
+            </a:solidFill>
+          </a:ln>
+        </p:spPr>
+        <p:style>
+          <a:lnRef idx="1">
+            <a:schemeClr val="accent1"/>
+          </a:lnRef>
+          <a:fillRef idx="0">
+            <a:schemeClr val="accent1"/>
+          </a:fillRef>
+          <a:effectRef idx="0">
+            <a:schemeClr val="accent1"/>
+          </a:effectRef>
+          <a:fontRef idx="minor">
+            <a:schemeClr val="tx1"/>
+          </a:fontRef>
+        </p:style>
+      </p:cxnSp>
+      <p:sp>
+        <p:nvSpPr>
+          <p:cNvPr id="14" name="四角形: 角を丸くする 13">
+            <a:extLst>
+              <a:ext uri="{FF2B5EF4-FFF2-40B4-BE49-F238E27FC236}">
+                <a16:creationId xmlns:a16="http://schemas.microsoft.com/office/drawing/2014/main" id="{AF987902-832E-4552-8A74-615D3E7345B7}"/>
+              </a:ext>
+            </a:extLst>
+          </p:cNvPr>
+          <p:cNvSpPr/>
+          <p:nvPr/>
+        </p:nvSpPr>
+        <p:spPr>
+          <a:xfrm>
+            <a:off x="3203848" y="3717032"/>
+            <a:ext cx="3168352" cy="2520280"/>
+          </a:xfrm>
+          <a:prstGeom prst="roundRect">
+            <a:avLst/>
+          </a:prstGeom>
+          <a:noFill/>
+          <a:ln w="28575">
+            <a:solidFill>
+              <a:schemeClr val="tx1"/>
+            </a:solidFill>
+            <a:prstDash val="dash"/>
+          </a:ln>
+        </p:spPr>
+        <p:style>
+          <a:lnRef idx="2">
+            <a:schemeClr val="accent1">
+              <a:shade val="50000"/>
+            </a:schemeClr>
+          </a:lnRef>
+          <a:fillRef idx="1">
+            <a:schemeClr val="accent1"/>
+          </a:fillRef>
+          <a:effectRef idx="0">
+            <a:schemeClr val="accent1"/>
+          </a:effectRef>
+          <a:fontRef idx="minor">
+            <a:schemeClr val="lt1"/>
+          </a:fontRef>
+        </p:style>
+        <p:txBody>
+          <a:bodyPr rtlCol="0" anchor="ctr"/>
+          <a:lstStyle/>
+          <a:p>
+            <a:pPr algn="ctr"/>
+            <a:endParaRPr kumimoji="1" lang="ja-JP" altLang="en-US"/>
+          </a:p>
+        </p:txBody>
+      </p:sp>
+      <p:sp>
+        <p:nvSpPr>
+          <p:cNvPr id="15" name="四角形: 角を丸くする 14">
+            <a:extLst>
+              <a:ext uri="{FF2B5EF4-FFF2-40B4-BE49-F238E27FC236}">
+                <a16:creationId xmlns:a16="http://schemas.microsoft.com/office/drawing/2014/main" id="{CDB5F0EC-6824-47F0-BF15-5B25528E11A7}"/>
+              </a:ext>
+            </a:extLst>
+          </p:cNvPr>
+          <p:cNvSpPr/>
+          <p:nvPr/>
+        </p:nvSpPr>
+        <p:spPr>
+          <a:xfrm>
+            <a:off x="4355976" y="4797152"/>
+            <a:ext cx="1584176" cy="864096"/>
+          </a:xfrm>
+          <a:prstGeom prst="roundRect">
+            <a:avLst/>
+          </a:prstGeom>
+          <a:noFill/>
+          <a:ln w="28575">
+            <a:solidFill>
+              <a:srgbClr val="FF0000"/>
+            </a:solidFill>
+            <a:prstDash val="dash"/>
+          </a:ln>
+        </p:spPr>
+        <p:style>
+          <a:lnRef idx="2">
+            <a:schemeClr val="accent1">
+              <a:shade val="50000"/>
+            </a:schemeClr>
+          </a:lnRef>
+          <a:fillRef idx="1">
+            <a:schemeClr val="accent1"/>
+          </a:fillRef>
+          <a:effectRef idx="0">
+            <a:schemeClr val="accent1"/>
+          </a:effectRef>
+          <a:fontRef idx="minor">
+            <a:schemeClr val="lt1"/>
+          </a:fontRef>
+        </p:style>
+        <p:txBody>
+          <a:bodyPr rtlCol="0" anchor="ctr"/>
+          <a:lstStyle/>
+          <a:p>
+            <a:pPr algn="ctr"/>
+            <a:endParaRPr kumimoji="1" lang="ja-JP" altLang="en-US"/>
+          </a:p>
+        </p:txBody>
+      </p:sp>
+      <p:sp>
+        <p:nvSpPr>
+          <p:cNvPr id="16" name="テキスト ボックス 15">
+            <a:extLst>
+              <a:ext uri="{FF2B5EF4-FFF2-40B4-BE49-F238E27FC236}">
+                <a16:creationId xmlns:a16="http://schemas.microsoft.com/office/drawing/2014/main" id="{260ACC87-B90C-44A6-BCB4-09D6B593703A}"/>
+              </a:ext>
+            </a:extLst>
+          </p:cNvPr>
+          <p:cNvSpPr txBox="1"/>
+          <p:nvPr/>
+        </p:nvSpPr>
+        <p:spPr>
+          <a:xfrm>
+            <a:off x="3707904" y="3284984"/>
+            <a:ext cx="2262158" cy="369332"/>
+          </a:xfrm>
+          <a:prstGeom prst="rect">
+            <a:avLst/>
+          </a:prstGeom>
+          <a:noFill/>
+        </p:spPr>
+        <p:txBody>
+          <a:bodyPr wrap="none" rtlCol="0">
+            <a:spAutoFit/>
+          </a:bodyPr>
+          <a:lstStyle/>
+          <a:p>
+            <a:r>
+              <a:rPr kumimoji="1" lang="ja-JP" altLang="en-US" dirty="0"/>
+              <a:t>ローカルリポジトリ</a:t>
+            </a:r>
+          </a:p>
+        </p:txBody>
+      </p:sp>
+      <p:sp>
+        <p:nvSpPr>
+          <p:cNvPr id="17" name="テキスト ボックス 16">
+            <a:extLst>
+              <a:ext uri="{FF2B5EF4-FFF2-40B4-BE49-F238E27FC236}">
+                <a16:creationId xmlns:a16="http://schemas.microsoft.com/office/drawing/2014/main" id="{99FBAFCF-2E24-4314-91A4-250BCC8BB2CD}"/>
+              </a:ext>
+            </a:extLst>
+          </p:cNvPr>
+          <p:cNvSpPr txBox="1"/>
+          <p:nvPr/>
+        </p:nvSpPr>
+        <p:spPr>
+          <a:xfrm>
+            <a:off x="4139952" y="5795972"/>
+            <a:ext cx="2031325" cy="369332"/>
+          </a:xfrm>
+          <a:prstGeom prst="rect">
+            <a:avLst/>
+          </a:prstGeom>
+          <a:noFill/>
+        </p:spPr>
+        <p:txBody>
+          <a:bodyPr wrap="none" rtlCol="0">
+            <a:spAutoFit/>
+          </a:bodyPr>
+          <a:lstStyle/>
+          <a:p>
+            <a:r>
+              <a:rPr kumimoji="1" lang="ja-JP" altLang="en-US" dirty="0"/>
+              <a:t>ワーキングツリー</a:t>
+            </a:r>
+          </a:p>
+        </p:txBody>
+      </p:sp>
+      <p:pic>
+        <p:nvPicPr>
+          <p:cNvPr id="18" name="Picture 6" descr="パソコンを使う会社員のイラスト（女性・笑顔）">
+            <a:extLst>
+              <a:ext uri="{FF2B5EF4-FFF2-40B4-BE49-F238E27FC236}">
+                <a16:creationId xmlns:a16="http://schemas.microsoft.com/office/drawing/2014/main" id="{03B23294-93CE-4EDB-889C-BB654373324C}"/>
+              </a:ext>
+            </a:extLst>
+          </p:cNvPr>
+          <p:cNvPicPr>
+            <a:picLocks noChangeAspect="1" noChangeArrowheads="1"/>
+          </p:cNvPicPr>
+          <p:nvPr/>
+        </p:nvPicPr>
+        <p:blipFill>
+          <a:blip r:embed="rId5" cstate="print">
+            <a:extLst>
+              <a:ext uri="{28A0092B-C50C-407E-A947-70E740481C1C}">
+                <a14:useLocalDpi xmlns:a14="http://schemas.microsoft.com/office/drawing/2010/main" val="0"/>
+              </a:ext>
+            </a:extLst>
+          </a:blip>
+          <a:srcRect/>
+          <a:stretch>
+            <a:fillRect/>
+          </a:stretch>
+        </p:blipFill>
+        <p:spPr bwMode="auto">
+          <a:xfrm>
+            <a:off x="2232248" y="3861048"/>
+            <a:ext cx="949432" cy="1378843"/>
+          </a:xfrm>
+          <a:prstGeom prst="rect">
+            <a:avLst/>
+          </a:prstGeom>
+          <a:noFill/>
+          <a:extLst>
+            <a:ext uri="{909E8E84-426E-40DD-AFC4-6F175D3DCCD1}">
+              <a14:hiddenFill xmlns:a14="http://schemas.microsoft.com/office/drawing/2010/main">
+                <a:solidFill>
+                  <a:srgbClr val="FFFFFF"/>
+                </a:solidFill>
+              </a14:hiddenFill>
+            </a:ext>
+          </a:extLst>
+        </p:spPr>
+      </p:pic>
+      <p:sp>
+        <p:nvSpPr>
+          <p:cNvPr id="19" name="テキスト ボックス 18">
+            <a:extLst>
+              <a:ext uri="{FF2B5EF4-FFF2-40B4-BE49-F238E27FC236}">
+                <a16:creationId xmlns:a16="http://schemas.microsoft.com/office/drawing/2014/main" id="{4CE0323D-455F-4868-A028-D15C555CF687}"/>
+              </a:ext>
+            </a:extLst>
+          </p:cNvPr>
+          <p:cNvSpPr txBox="1"/>
+          <p:nvPr/>
+        </p:nvSpPr>
+        <p:spPr>
+          <a:xfrm>
+            <a:off x="6732240" y="3284984"/>
+            <a:ext cx="2262158" cy="369332"/>
+          </a:xfrm>
+          <a:prstGeom prst="rect">
+            <a:avLst/>
+          </a:prstGeom>
+          <a:noFill/>
+        </p:spPr>
+        <p:txBody>
+          <a:bodyPr wrap="none" rtlCol="0">
+            <a:spAutoFit/>
+          </a:bodyPr>
+          <a:lstStyle/>
+          <a:p>
+            <a:r>
+              <a:rPr kumimoji="1" lang="ja-JP" altLang="en-US"/>
+              <a:t>リモートリポジトリ</a:t>
+            </a:r>
+            <a:endParaRPr kumimoji="1" lang="ja-JP" altLang="en-US" dirty="0"/>
+          </a:p>
+        </p:txBody>
+      </p:sp>
+      <p:sp>
+        <p:nvSpPr>
+          <p:cNvPr id="20" name="テキスト ボックス 19">
+            <a:extLst>
+              <a:ext uri="{FF2B5EF4-FFF2-40B4-BE49-F238E27FC236}">
+                <a16:creationId xmlns:a16="http://schemas.microsoft.com/office/drawing/2014/main" id="{13822D28-BE7C-4C92-BA83-A1DFF3DC41C6}"/>
+              </a:ext>
+            </a:extLst>
+          </p:cNvPr>
+          <p:cNvSpPr txBox="1"/>
+          <p:nvPr/>
+        </p:nvSpPr>
+        <p:spPr>
+          <a:xfrm>
+            <a:off x="3419872" y="4005064"/>
+            <a:ext cx="877163" cy="369332"/>
+          </a:xfrm>
+          <a:prstGeom prst="rect">
+            <a:avLst/>
+          </a:prstGeom>
+          <a:noFill/>
+        </p:spPr>
+        <p:txBody>
+          <a:bodyPr wrap="none" rtlCol="0">
+            <a:spAutoFit/>
+          </a:bodyPr>
+          <a:lstStyle/>
+          <a:p>
+            <a:r>
+              <a:rPr lang="en-US"/>
+              <a:t>project</a:t>
+            </a:r>
+          </a:p>
+        </p:txBody>
+      </p:sp>
+      <p:sp>
+        <p:nvSpPr>
+          <p:cNvPr id="21" name="テキスト ボックス 20">
+            <a:extLst>
+              <a:ext uri="{FF2B5EF4-FFF2-40B4-BE49-F238E27FC236}">
+                <a16:creationId xmlns:a16="http://schemas.microsoft.com/office/drawing/2014/main" id="{11940B81-4020-4FD4-A1BA-2C13A64449C6}"/>
+              </a:ext>
+            </a:extLst>
+          </p:cNvPr>
+          <p:cNvSpPr txBox="1"/>
+          <p:nvPr/>
+        </p:nvSpPr>
+        <p:spPr>
+          <a:xfrm>
+            <a:off x="6804248" y="4581128"/>
+            <a:ext cx="1184940" cy="369332"/>
+          </a:xfrm>
+          <a:prstGeom prst="rect">
+            <a:avLst/>
+          </a:prstGeom>
+          <a:noFill/>
+        </p:spPr>
+        <p:txBody>
+          <a:bodyPr wrap="none" rtlCol="0">
+            <a:spAutoFit/>
+          </a:bodyPr>
+          <a:lstStyle/>
+          <a:p>
+            <a:r>
+              <a:rPr lang="en-US"/>
+              <a:t>project.git</a:t>
+            </a:r>
+          </a:p>
+        </p:txBody>
+      </p:sp>
+      <p:sp>
+        <p:nvSpPr>
+          <p:cNvPr id="23" name="テキスト ボックス 22">
+            <a:extLst>
+              <a:ext uri="{FF2B5EF4-FFF2-40B4-BE49-F238E27FC236}">
+                <a16:creationId xmlns:a16="http://schemas.microsoft.com/office/drawing/2014/main" id="{4309B427-548D-4E5D-ADD3-09751B14AE70}"/>
+              </a:ext>
+            </a:extLst>
+          </p:cNvPr>
+          <p:cNvSpPr txBox="1"/>
+          <p:nvPr/>
+        </p:nvSpPr>
+        <p:spPr>
+          <a:xfrm>
+            <a:off x="251520" y="2708920"/>
+            <a:ext cx="8174033" cy="369332"/>
+          </a:xfrm>
+          <a:prstGeom prst="rect">
+            <a:avLst/>
+          </a:prstGeom>
+          <a:noFill/>
+        </p:spPr>
+        <p:txBody>
+          <a:bodyPr wrap="none" rtlCol="0">
+            <a:spAutoFit/>
+          </a:bodyPr>
+          <a:lstStyle/>
+          <a:p>
+            <a:r>
+              <a:rPr lang="ja-JP" altLang="en-US"/>
+              <a:t>例： </a:t>
+            </a:r>
+            <a:r>
+              <a:rPr lang="en-US" altLang="ja-JP"/>
+              <a:t>project</a:t>
+            </a:r>
+            <a:r>
+              <a:rPr lang="ja-JP" altLang="en-US"/>
+              <a:t>というプロジェクトなら、リモートリポジトリは</a:t>
+            </a:r>
+            <a:r>
+              <a:rPr lang="en-US" altLang="ja-JP"/>
+              <a:t>project.git</a:t>
+            </a:r>
+            <a:r>
+              <a:rPr lang="ja-JP" altLang="en-US"/>
+              <a:t>にする</a:t>
+            </a:r>
+            <a:endParaRPr lang="en-US"/>
+          </a:p>
+        </p:txBody>
+      </p:sp>
+      <p:sp>
+        <p:nvSpPr>
+          <p:cNvPr id="24" name="テキスト ボックス 23">
+            <a:extLst>
+              <a:ext uri="{FF2B5EF4-FFF2-40B4-BE49-F238E27FC236}">
+                <a16:creationId xmlns:a16="http://schemas.microsoft.com/office/drawing/2014/main" id="{5D00A73C-82A4-4DB0-8914-7B05C5C1E511}"/>
+              </a:ext>
+            </a:extLst>
+          </p:cNvPr>
+          <p:cNvSpPr txBox="1"/>
+          <p:nvPr/>
+        </p:nvSpPr>
+        <p:spPr>
+          <a:xfrm>
+            <a:off x="323528" y="6381328"/>
+            <a:ext cx="7045518" cy="369332"/>
+          </a:xfrm>
+          <a:prstGeom prst="rect">
+            <a:avLst/>
+          </a:prstGeom>
+          <a:noFill/>
+        </p:spPr>
+        <p:txBody>
+          <a:bodyPr wrap="none" rtlCol="0">
+            <a:spAutoFit/>
+          </a:bodyPr>
+          <a:lstStyle/>
+          <a:p>
+            <a:r>
+              <a:rPr lang="en-US" altLang="ja-JP"/>
+              <a:t>※ </a:t>
+            </a:r>
+            <a:r>
+              <a:rPr lang="en-US"/>
+              <a:t>git init –bare </a:t>
+            </a:r>
+            <a:r>
+              <a:rPr lang="ja-JP" altLang="en-US"/>
+              <a:t>で作成可能だが、自分で作ることはほとんどない</a:t>
+            </a:r>
+            <a:endParaRPr lang="en-US"/>
+          </a:p>
+        </p:txBody>
+      </p:sp>
+    </p:spTree>
+    <p:extLst>
+      <p:ext uri="{BB962C8B-B14F-4D97-AF65-F5344CB8AC3E}">
+        <p14:creationId xmlns:p14="http://schemas.microsoft.com/office/powerpoint/2010/main" val="4280327834"/>
+      </p:ext>
+    </p:extLst>
+  </p:cSld>
+  <p:clrMapOvr>
+    <a:masterClrMapping/>
+  </p:clrMapOvr>
+</p:sld>
+</file>
+
+<file path=ppt/slides/slide8.xml><?xml version="1.0" encoding="utf-8"?>
+<p:sld xmlns:a="http://schemas.openxmlformats.org/drawingml/2006/main" xmlns:r="http://schemas.openxmlformats.org/officeDocument/2006/relationships" xmlns:p="http://schemas.openxmlformats.org/presentationml/2006/main">
+  <p:cSld>
+    <p:spTree>
+      <p:nvGrpSpPr>
+        <p:cNvPr id="1" name=""/>
+        <p:cNvGrpSpPr/>
+        <p:nvPr/>
+      </p:nvGrpSpPr>
+      <p:grpSpPr>
+        <a:xfrm>
+          <a:off x="0" y="0"/>
+          <a:ext cx="0" cy="0"/>
+          <a:chOff x="0" y="0"/>
+          <a:chExt cx="0" cy="0"/>
+        </a:xfrm>
+      </p:grpSpPr>
+      <p:sp>
+        <p:nvSpPr>
+          <p:cNvPr id="2" name="テキスト プレースホルダー 1">
+            <a:extLst>
+              <a:ext uri="{FF2B5EF4-FFF2-40B4-BE49-F238E27FC236}">
+                <a16:creationId xmlns:a16="http://schemas.microsoft.com/office/drawing/2014/main" id="{837E22D6-A5F2-4811-9177-DEEBFB46B617}"/>
+              </a:ext>
+            </a:extLst>
+          </p:cNvPr>
+          <p:cNvSpPr>
+            <a:spLocks noGrp="1"/>
+          </p:cNvSpPr>
+          <p:nvPr>
+            <p:ph type="body" sz="quarter" idx="10"/>
+          </p:nvPr>
+        </p:nvSpPr>
+        <p:spPr/>
+        <p:txBody>
+          <a:bodyPr/>
+          <a:lstStyle/>
+          <a:p>
+            <a:r>
+              <a:rPr lang="ja-JP" altLang="en-US"/>
+              <a:t>認証とプロトコル</a:t>
+            </a:r>
+            <a:endParaRPr lang="en-US"/>
+          </a:p>
+        </p:txBody>
+      </p:sp>
+      <p:sp>
+        <p:nvSpPr>
+          <p:cNvPr id="3" name="フローチャート: 磁気ディスク 2">
+            <a:extLst>
+              <a:ext uri="{FF2B5EF4-FFF2-40B4-BE49-F238E27FC236}">
+                <a16:creationId xmlns:a16="http://schemas.microsoft.com/office/drawing/2014/main" id="{39D21F4F-4D40-4331-90AE-86DD74216FD2}"/>
+              </a:ext>
+            </a:extLst>
+          </p:cNvPr>
+          <p:cNvSpPr/>
+          <p:nvPr/>
+        </p:nvSpPr>
+        <p:spPr>
+          <a:xfrm>
+            <a:off x="5364088" y="3284984"/>
+            <a:ext cx="720080" cy="504056"/>
+          </a:xfrm>
+          <a:prstGeom prst="flowChartMagneticDisk">
+            <a:avLst/>
+          </a:prstGeom>
+          <a:solidFill>
+            <a:schemeClr val="bg1">
+              <a:lumMod val="95000"/>
+            </a:schemeClr>
+          </a:solidFill>
+          <a:ln>
+            <a:solidFill>
+              <a:schemeClr val="tx1"/>
+            </a:solidFill>
+          </a:ln>
+        </p:spPr>
+        <p:style>
+          <a:lnRef idx="2">
+            <a:schemeClr val="accent1">
+              <a:shade val="50000"/>
+            </a:schemeClr>
+          </a:lnRef>
+          <a:fillRef idx="1">
+            <a:schemeClr val="accent1"/>
+          </a:fillRef>
+          <a:effectRef idx="0">
+            <a:schemeClr val="accent1"/>
+          </a:effectRef>
+          <a:fontRef idx="minor">
+            <a:schemeClr val="lt1"/>
+          </a:fontRef>
+        </p:style>
+        <p:txBody>
+          <a:bodyPr rtlCol="0" anchor="ctr"/>
+          <a:lstStyle/>
+          <a:p>
+            <a:pPr algn="ctr"/>
+            <a:r>
+              <a:rPr kumimoji="1" lang="en-US" altLang="ja-JP" dirty="0">
+                <a:solidFill>
+                  <a:schemeClr val="tx1"/>
+                </a:solidFill>
+                <a:latin typeface="Consolas" panose="020B0609020204030204" pitchFamily="49" charset="0"/>
+              </a:rPr>
+              <a:t>.git</a:t>
+            </a:r>
+            <a:endParaRPr kumimoji="1" lang="ja-JP" altLang="en-US" dirty="0">
+              <a:solidFill>
+                <a:schemeClr val="tx1"/>
+              </a:solidFill>
+              <a:latin typeface="Consolas" panose="020B0609020204030204" pitchFamily="49" charset="0"/>
+            </a:endParaRPr>
+          </a:p>
+        </p:txBody>
+      </p:sp>
+      <p:sp>
+        <p:nvSpPr>
+          <p:cNvPr id="4" name="四角形: 角を丸くする 3">
+            <a:extLst>
+              <a:ext uri="{FF2B5EF4-FFF2-40B4-BE49-F238E27FC236}">
+                <a16:creationId xmlns:a16="http://schemas.microsoft.com/office/drawing/2014/main" id="{FB5DC1E6-50EF-4547-8B50-128DECBBDDB5}"/>
+              </a:ext>
+            </a:extLst>
+          </p:cNvPr>
+          <p:cNvSpPr/>
+          <p:nvPr/>
+        </p:nvSpPr>
+        <p:spPr>
+          <a:xfrm>
+            <a:off x="5220072" y="3140968"/>
+            <a:ext cx="1080120" cy="792088"/>
+          </a:xfrm>
+          <a:prstGeom prst="roundRect">
+            <a:avLst/>
+          </a:prstGeom>
+          <a:noFill/>
+          <a:ln w="28575">
+            <a:solidFill>
+              <a:schemeClr val="tx1"/>
+            </a:solidFill>
+            <a:prstDash val="dash"/>
+          </a:ln>
+        </p:spPr>
+        <p:style>
+          <a:lnRef idx="2">
+            <a:schemeClr val="accent1">
+              <a:shade val="50000"/>
+            </a:schemeClr>
+          </a:lnRef>
+          <a:fillRef idx="1">
+            <a:schemeClr val="accent1"/>
+          </a:fillRef>
+          <a:effectRef idx="0">
+            <a:schemeClr val="accent1"/>
+          </a:effectRef>
+          <a:fontRef idx="minor">
+            <a:schemeClr val="lt1"/>
+          </a:fontRef>
+        </p:style>
+        <p:txBody>
+          <a:bodyPr rtlCol="0" anchor="ctr"/>
+          <a:lstStyle/>
+          <a:p>
+            <a:pPr algn="ctr"/>
+            <a:endParaRPr kumimoji="1" lang="ja-JP" altLang="en-US"/>
+          </a:p>
+        </p:txBody>
+      </p:sp>
+      <p:pic>
+        <p:nvPicPr>
+          <p:cNvPr id="5" name="図 4">
+            <a:extLst>
+              <a:ext uri="{FF2B5EF4-FFF2-40B4-BE49-F238E27FC236}">
+                <a16:creationId xmlns:a16="http://schemas.microsoft.com/office/drawing/2014/main" id="{BA4B59E7-73BD-4AC0-8FE6-BA54A7440074}"/>
+              </a:ext>
+            </a:extLst>
+          </p:cNvPr>
+          <p:cNvPicPr>
+            <a:picLocks noChangeAspect="1"/>
+          </p:cNvPicPr>
+          <p:nvPr/>
+        </p:nvPicPr>
+        <p:blipFill>
+          <a:blip r:embed="rId2">
+            <a:extLst>
+              <a:ext uri="{28A0092B-C50C-407E-A947-70E740481C1C}">
+                <a14:useLocalDpi xmlns:a14="http://schemas.microsoft.com/office/drawing/2010/main" val="0"/>
+              </a:ext>
+            </a:extLst>
+          </a:blip>
+          <a:stretch>
+            <a:fillRect/>
+          </a:stretch>
+        </p:blipFill>
+        <p:spPr>
+          <a:xfrm>
+            <a:off x="5436096" y="2420888"/>
+            <a:ext cx="609600" cy="609600"/>
+          </a:xfrm>
+          <a:prstGeom prst="rect">
+            <a:avLst/>
+          </a:prstGeom>
+        </p:spPr>
+      </p:pic>
+      <p:sp>
+        <p:nvSpPr>
+          <p:cNvPr id="6" name="テキスト ボックス 5">
+            <a:extLst>
+              <a:ext uri="{FF2B5EF4-FFF2-40B4-BE49-F238E27FC236}">
+                <a16:creationId xmlns:a16="http://schemas.microsoft.com/office/drawing/2014/main" id="{0375A4D2-3B50-41B0-84D3-65BBF13580B4}"/>
+              </a:ext>
+            </a:extLst>
+          </p:cNvPr>
+          <p:cNvSpPr txBox="1"/>
+          <p:nvPr/>
+        </p:nvSpPr>
+        <p:spPr>
+          <a:xfrm>
+            <a:off x="4788024" y="1988840"/>
+            <a:ext cx="2262159" cy="369332"/>
+          </a:xfrm>
+          <a:prstGeom prst="rect">
+            <a:avLst/>
+          </a:prstGeom>
+          <a:noFill/>
+        </p:spPr>
+        <p:txBody>
+          <a:bodyPr wrap="none" rtlCol="0">
+            <a:spAutoFit/>
+          </a:bodyPr>
+          <a:lstStyle/>
+          <a:p>
+            <a:pPr algn="ctr"/>
+            <a:r>
+              <a:rPr lang="ja-JP" altLang="en-US" dirty="0"/>
+              <a:t>リモートリポジトリ</a:t>
+            </a:r>
+            <a:endParaRPr kumimoji="1" lang="en-US" altLang="ja-JP" dirty="0"/>
+          </a:p>
+        </p:txBody>
+      </p:sp>
+      <p:pic>
+        <p:nvPicPr>
+          <p:cNvPr id="7" name="Picture 6" descr="パソコンを使う会社員のイラスト（女性・笑顔）">
+            <a:extLst>
+              <a:ext uri="{FF2B5EF4-FFF2-40B4-BE49-F238E27FC236}">
+                <a16:creationId xmlns:a16="http://schemas.microsoft.com/office/drawing/2014/main" id="{928D3E3A-579E-4802-9077-E5F15DED7C4A}"/>
+              </a:ext>
+            </a:extLst>
+          </p:cNvPr>
+          <p:cNvPicPr>
+            <a:picLocks noChangeAspect="1" noChangeArrowheads="1"/>
+          </p:cNvPicPr>
+          <p:nvPr/>
+        </p:nvPicPr>
+        <p:blipFill>
+          <a:blip r:embed="rId3" cstate="print">
+            <a:extLst>
+              <a:ext uri="{28A0092B-C50C-407E-A947-70E740481C1C}">
+                <a14:useLocalDpi xmlns:a14="http://schemas.microsoft.com/office/drawing/2010/main" val="0"/>
+              </a:ext>
+            </a:extLst>
+          </a:blip>
+          <a:srcRect/>
+          <a:stretch>
+            <a:fillRect/>
+          </a:stretch>
+        </p:blipFill>
+        <p:spPr bwMode="auto">
+          <a:xfrm>
+            <a:off x="2195736" y="2852936"/>
+            <a:ext cx="751101" cy="1090811"/>
+          </a:xfrm>
+          <a:prstGeom prst="rect">
+            <a:avLst/>
+          </a:prstGeom>
+          <a:noFill/>
+          <a:extLst>
+            <a:ext uri="{909E8E84-426E-40DD-AFC4-6F175D3DCCD1}">
+              <a14:hiddenFill xmlns:a14="http://schemas.microsoft.com/office/drawing/2010/main">
+                <a:solidFill>
+                  <a:srgbClr val="FFFFFF"/>
+                </a:solidFill>
+              </a14:hiddenFill>
+            </a:ext>
+          </a:extLst>
+        </p:spPr>
+      </p:pic>
+      <p:sp>
+        <p:nvSpPr>
+          <p:cNvPr id="8" name="矢印: 左右 7">
+            <a:extLst>
+              <a:ext uri="{FF2B5EF4-FFF2-40B4-BE49-F238E27FC236}">
+                <a16:creationId xmlns:a16="http://schemas.microsoft.com/office/drawing/2014/main" id="{BCA19352-DC65-4770-BA55-C64DF3A4D415}"/>
+              </a:ext>
+            </a:extLst>
+          </p:cNvPr>
+          <p:cNvSpPr/>
+          <p:nvPr/>
+        </p:nvSpPr>
+        <p:spPr>
+          <a:xfrm>
+            <a:off x="3275856" y="2996952"/>
+            <a:ext cx="1559760" cy="443933"/>
+          </a:xfrm>
+          <a:prstGeom prst="leftRightArrow">
+            <a:avLst/>
+          </a:prstGeom>
+          <a:solidFill>
+            <a:srgbClr val="FF0000"/>
+          </a:solidFill>
+          <a:ln>
+            <a:solidFill>
+              <a:schemeClr val="tx1"/>
+            </a:solidFill>
+          </a:ln>
+        </p:spPr>
+        <p:style>
+          <a:lnRef idx="2">
+            <a:schemeClr val="accent1">
+              <a:shade val="50000"/>
+            </a:schemeClr>
+          </a:lnRef>
+          <a:fillRef idx="1">
+            <a:schemeClr val="accent1"/>
+          </a:fillRef>
+          <a:effectRef idx="0">
+            <a:schemeClr val="accent1"/>
+          </a:effectRef>
+          <a:fontRef idx="minor">
+            <a:schemeClr val="lt1"/>
+          </a:fontRef>
+        </p:style>
+        <p:txBody>
+          <a:bodyPr rtlCol="0" anchor="ctr"/>
+          <a:lstStyle/>
+          <a:p>
+            <a:pPr algn="ctr"/>
+            <a:endParaRPr kumimoji="1" lang="ja-JP" altLang="en-US"/>
+          </a:p>
+        </p:txBody>
+      </p:sp>
+      <p:sp>
+        <p:nvSpPr>
+          <p:cNvPr id="9" name="テキスト ボックス 8">
+            <a:extLst>
+              <a:ext uri="{FF2B5EF4-FFF2-40B4-BE49-F238E27FC236}">
+                <a16:creationId xmlns:a16="http://schemas.microsoft.com/office/drawing/2014/main" id="{041A7F72-E3C0-4562-8EB1-E3EE23998C03}"/>
+              </a:ext>
+            </a:extLst>
+          </p:cNvPr>
+          <p:cNvSpPr txBox="1"/>
+          <p:nvPr/>
+        </p:nvSpPr>
+        <p:spPr>
+          <a:xfrm>
+            <a:off x="827584" y="908720"/>
+            <a:ext cx="7560840" cy="954107"/>
+          </a:xfrm>
+          <a:prstGeom prst="rect">
+            <a:avLst/>
+          </a:prstGeom>
+          <a:noFill/>
+        </p:spPr>
+        <p:txBody>
+          <a:bodyPr wrap="square" rtlCol="0">
+            <a:spAutoFit/>
+          </a:bodyPr>
+          <a:lstStyle/>
+          <a:p>
+            <a:r>
+              <a:rPr lang="ja-JP" altLang="en-US" sz="2800"/>
+              <a:t>リモートリポジトリにアクセスするためには「場所」「方法」「本人確認」が必要</a:t>
+            </a:r>
+            <a:endParaRPr lang="en-US" sz="2800"/>
+          </a:p>
+        </p:txBody>
+      </p:sp>
+      <p:pic>
+        <p:nvPicPr>
+          <p:cNvPr id="1026" name="Picture 2" descr="ヤギの郵便屋のイラスト">
+            <a:extLst>
+              <a:ext uri="{FF2B5EF4-FFF2-40B4-BE49-F238E27FC236}">
+                <a16:creationId xmlns:a16="http://schemas.microsoft.com/office/drawing/2014/main" id="{EE1BBD80-2626-4BA1-8F79-1F9945C6315D}"/>
+              </a:ext>
+            </a:extLst>
+          </p:cNvPr>
+          <p:cNvPicPr>
+            <a:picLocks noChangeAspect="1" noChangeArrowheads="1"/>
+          </p:cNvPicPr>
+          <p:nvPr/>
+        </p:nvPicPr>
+        <p:blipFill>
+          <a:blip r:embed="rId4" cstate="print">
+            <a:extLst>
+              <a:ext uri="{28A0092B-C50C-407E-A947-70E740481C1C}">
+                <a14:useLocalDpi xmlns:a14="http://schemas.microsoft.com/office/drawing/2010/main" val="0"/>
+              </a:ext>
+            </a:extLst>
+          </a:blip>
+          <a:srcRect/>
+          <a:stretch>
+            <a:fillRect/>
+          </a:stretch>
+        </p:blipFill>
+        <p:spPr bwMode="auto">
+          <a:xfrm>
+            <a:off x="899592" y="4869160"/>
+            <a:ext cx="1152128" cy="1294526"/>
+          </a:xfrm>
+          <a:prstGeom prst="rect">
+            <a:avLst/>
+          </a:prstGeom>
+          <a:noFill/>
+          <a:extLst>
+            <a:ext uri="{909E8E84-426E-40DD-AFC4-6F175D3DCCD1}">
+              <a14:hiddenFill xmlns:a14="http://schemas.microsoft.com/office/drawing/2010/main">
+                <a:solidFill>
+                  <a:srgbClr val="FFFFFF"/>
+                </a:solidFill>
+              </a14:hiddenFill>
+            </a:ext>
+          </a:extLst>
+        </p:spPr>
+      </p:pic>
+      <p:sp>
+        <p:nvSpPr>
+          <p:cNvPr id="11" name="テキスト ボックス 10">
+            <a:extLst>
+              <a:ext uri="{FF2B5EF4-FFF2-40B4-BE49-F238E27FC236}">
+                <a16:creationId xmlns:a16="http://schemas.microsoft.com/office/drawing/2014/main" id="{21BAF3DA-ADD5-4E87-A67E-3A9889E0845F}"/>
+              </a:ext>
+            </a:extLst>
+          </p:cNvPr>
+          <p:cNvSpPr txBox="1"/>
+          <p:nvPr/>
+        </p:nvSpPr>
+        <p:spPr>
+          <a:xfrm>
+            <a:off x="1043608" y="4293096"/>
+            <a:ext cx="902811" cy="523220"/>
+          </a:xfrm>
+          <a:prstGeom prst="rect">
+            <a:avLst/>
+          </a:prstGeom>
+          <a:noFill/>
+        </p:spPr>
+        <p:txBody>
+          <a:bodyPr wrap="none" rtlCol="0">
+            <a:spAutoFit/>
+          </a:bodyPr>
+          <a:lstStyle/>
+          <a:p>
+            <a:r>
+              <a:rPr lang="ja-JP" altLang="en-US" sz="2800"/>
+              <a:t>場所</a:t>
+            </a:r>
+            <a:endParaRPr lang="en-US" sz="2800"/>
+          </a:p>
+        </p:txBody>
+      </p:sp>
+      <p:pic>
+        <p:nvPicPr>
+          <p:cNvPr id="1028" name="Picture 4" descr="運転免許証のイラスト（男性・ゴールド）">
+            <a:extLst>
+              <a:ext uri="{FF2B5EF4-FFF2-40B4-BE49-F238E27FC236}">
+                <a16:creationId xmlns:a16="http://schemas.microsoft.com/office/drawing/2014/main" id="{579B5363-F717-4663-AAC6-002B695F007C}"/>
+              </a:ext>
+            </a:extLst>
+          </p:cNvPr>
+          <p:cNvPicPr>
+            <a:picLocks noChangeAspect="1" noChangeArrowheads="1"/>
+          </p:cNvPicPr>
+          <p:nvPr/>
+        </p:nvPicPr>
+        <p:blipFill>
+          <a:blip r:embed="rId5" cstate="print">
+            <a:extLst>
+              <a:ext uri="{28A0092B-C50C-407E-A947-70E740481C1C}">
+                <a14:useLocalDpi xmlns:a14="http://schemas.microsoft.com/office/drawing/2010/main" val="0"/>
+              </a:ext>
+            </a:extLst>
+          </a:blip>
+          <a:srcRect/>
+          <a:stretch>
+            <a:fillRect/>
+          </a:stretch>
+        </p:blipFill>
+        <p:spPr bwMode="auto">
+          <a:xfrm>
+            <a:off x="6372200" y="4941168"/>
+            <a:ext cx="1806473" cy="1152128"/>
+          </a:xfrm>
+          <a:prstGeom prst="rect">
+            <a:avLst/>
+          </a:prstGeom>
+          <a:noFill/>
+          <a:extLst>
+            <a:ext uri="{909E8E84-426E-40DD-AFC4-6F175D3DCCD1}">
+              <a14:hiddenFill xmlns:a14="http://schemas.microsoft.com/office/drawing/2010/main">
+                <a:solidFill>
+                  <a:srgbClr val="FFFFFF"/>
+                </a:solidFill>
+              </a14:hiddenFill>
+            </a:ext>
+          </a:extLst>
+        </p:spPr>
+      </p:pic>
+      <p:sp>
+        <p:nvSpPr>
+          <p:cNvPr id="14" name="テキスト ボックス 13">
+            <a:extLst>
+              <a:ext uri="{FF2B5EF4-FFF2-40B4-BE49-F238E27FC236}">
+                <a16:creationId xmlns:a16="http://schemas.microsoft.com/office/drawing/2014/main" id="{E86CB754-A958-443D-A672-E14DF2BE3F79}"/>
+              </a:ext>
+            </a:extLst>
+          </p:cNvPr>
+          <p:cNvSpPr txBox="1"/>
+          <p:nvPr/>
+        </p:nvSpPr>
+        <p:spPr>
+          <a:xfrm>
+            <a:off x="3779912" y="4293096"/>
+            <a:ext cx="902811" cy="523220"/>
+          </a:xfrm>
+          <a:prstGeom prst="rect">
+            <a:avLst/>
+          </a:prstGeom>
+          <a:noFill/>
+        </p:spPr>
+        <p:txBody>
+          <a:bodyPr wrap="none" rtlCol="0">
+            <a:spAutoFit/>
+          </a:bodyPr>
+          <a:lstStyle/>
+          <a:p>
+            <a:r>
+              <a:rPr lang="ja-JP" altLang="en-US" sz="2800"/>
+              <a:t>方法</a:t>
+            </a:r>
+            <a:endParaRPr lang="en-US" sz="2800"/>
+          </a:p>
+        </p:txBody>
+      </p:sp>
+      <p:sp>
+        <p:nvSpPr>
+          <p:cNvPr id="15" name="テキスト ボックス 14">
+            <a:extLst>
+              <a:ext uri="{FF2B5EF4-FFF2-40B4-BE49-F238E27FC236}">
+                <a16:creationId xmlns:a16="http://schemas.microsoft.com/office/drawing/2014/main" id="{60A3C9EF-7E11-495B-805E-A4A791117E16}"/>
+              </a:ext>
+            </a:extLst>
+          </p:cNvPr>
+          <p:cNvSpPr txBox="1"/>
+          <p:nvPr/>
+        </p:nvSpPr>
+        <p:spPr>
+          <a:xfrm>
+            <a:off x="6516216" y="4293096"/>
+            <a:ext cx="1620957" cy="523220"/>
+          </a:xfrm>
+          <a:prstGeom prst="rect">
+            <a:avLst/>
+          </a:prstGeom>
+          <a:noFill/>
+        </p:spPr>
+        <p:txBody>
+          <a:bodyPr wrap="none" rtlCol="0">
+            <a:spAutoFit/>
+          </a:bodyPr>
+          <a:lstStyle/>
+          <a:p>
+            <a:r>
+              <a:rPr lang="ja-JP" altLang="en-US" sz="2800"/>
+              <a:t>本人確認</a:t>
+            </a:r>
+            <a:endParaRPr lang="en-US" sz="2800"/>
+          </a:p>
+        </p:txBody>
+      </p:sp>
+      <p:pic>
+        <p:nvPicPr>
+          <p:cNvPr id="1030" name="Picture 6" descr="糸電話のイラスト">
+            <a:extLst>
+              <a:ext uri="{FF2B5EF4-FFF2-40B4-BE49-F238E27FC236}">
+                <a16:creationId xmlns:a16="http://schemas.microsoft.com/office/drawing/2014/main" id="{7E6D4222-785C-4BF5-9459-ACF4B68FE1C1}"/>
+              </a:ext>
+            </a:extLst>
+          </p:cNvPr>
+          <p:cNvPicPr>
+            <a:picLocks noChangeAspect="1" noChangeArrowheads="1"/>
+          </p:cNvPicPr>
+          <p:nvPr/>
+        </p:nvPicPr>
+        <p:blipFill>
+          <a:blip r:embed="rId6" cstate="print">
+            <a:extLst>
+              <a:ext uri="{28A0092B-C50C-407E-A947-70E740481C1C}">
+                <a14:useLocalDpi xmlns:a14="http://schemas.microsoft.com/office/drawing/2010/main" val="0"/>
+              </a:ext>
+            </a:extLst>
+          </a:blip>
+          <a:srcRect/>
+          <a:stretch>
+            <a:fillRect/>
+          </a:stretch>
+        </p:blipFill>
+        <p:spPr bwMode="auto">
+          <a:xfrm>
+            <a:off x="3419872" y="4941168"/>
+            <a:ext cx="1661170" cy="1192720"/>
+          </a:xfrm>
+          <a:prstGeom prst="rect">
+            <a:avLst/>
+          </a:prstGeom>
+          <a:noFill/>
+          <a:extLst>
+            <a:ext uri="{909E8E84-426E-40DD-AFC4-6F175D3DCCD1}">
+              <a14:hiddenFill xmlns:a14="http://schemas.microsoft.com/office/drawing/2010/main">
+                <a:solidFill>
+                  <a:srgbClr val="FFFFFF"/>
+                </a:solidFill>
+              </a14:hiddenFill>
+            </a:ext>
+          </a:extLst>
+        </p:spPr>
+      </p:pic>
+      <p:sp>
+        <p:nvSpPr>
+          <p:cNvPr id="12" name="テキスト ボックス 11">
+            <a:extLst>
+              <a:ext uri="{FF2B5EF4-FFF2-40B4-BE49-F238E27FC236}">
+                <a16:creationId xmlns:a16="http://schemas.microsoft.com/office/drawing/2014/main" id="{7C4C137D-776A-40CC-AEC5-A3530AB441C2}"/>
+              </a:ext>
+            </a:extLst>
+          </p:cNvPr>
+          <p:cNvSpPr txBox="1"/>
+          <p:nvPr/>
+        </p:nvSpPr>
+        <p:spPr>
+          <a:xfrm>
+            <a:off x="323528" y="6165304"/>
+            <a:ext cx="2339102" cy="461665"/>
+          </a:xfrm>
+          <a:prstGeom prst="rect">
+            <a:avLst/>
+          </a:prstGeom>
+          <a:noFill/>
+        </p:spPr>
+        <p:txBody>
+          <a:bodyPr wrap="none" rtlCol="0">
+            <a:spAutoFit/>
+          </a:bodyPr>
+          <a:lstStyle/>
+          <a:p>
+            <a:r>
+              <a:rPr lang="ja-JP" altLang="en-US" sz="2400"/>
+              <a:t>どこにあるか？</a:t>
+            </a:r>
+            <a:endParaRPr lang="en-US" sz="2400"/>
+          </a:p>
+        </p:txBody>
+      </p:sp>
+      <p:sp>
+        <p:nvSpPr>
+          <p:cNvPr id="18" name="テキスト ボックス 17">
+            <a:extLst>
+              <a:ext uri="{FF2B5EF4-FFF2-40B4-BE49-F238E27FC236}">
+                <a16:creationId xmlns:a16="http://schemas.microsoft.com/office/drawing/2014/main" id="{B84AF76E-18E3-438E-96CF-F72B4EBF83A6}"/>
+              </a:ext>
+            </a:extLst>
+          </p:cNvPr>
+          <p:cNvSpPr txBox="1"/>
+          <p:nvPr/>
+        </p:nvSpPr>
+        <p:spPr>
+          <a:xfrm>
+            <a:off x="3059832" y="6156012"/>
+            <a:ext cx="2646878" cy="461665"/>
+          </a:xfrm>
+          <a:prstGeom prst="rect">
+            <a:avLst/>
+          </a:prstGeom>
+          <a:noFill/>
+        </p:spPr>
+        <p:txBody>
+          <a:bodyPr wrap="none" rtlCol="0">
+            <a:spAutoFit/>
+          </a:bodyPr>
+          <a:lstStyle/>
+          <a:p>
+            <a:r>
+              <a:rPr lang="ja-JP" altLang="en-US" sz="2400"/>
+              <a:t>どう通信するか？</a:t>
+            </a:r>
+            <a:endParaRPr lang="en-US" sz="2400"/>
+          </a:p>
+        </p:txBody>
+      </p:sp>
+      <p:sp>
+        <p:nvSpPr>
+          <p:cNvPr id="19" name="テキスト ボックス 18">
+            <a:extLst>
+              <a:ext uri="{FF2B5EF4-FFF2-40B4-BE49-F238E27FC236}">
+                <a16:creationId xmlns:a16="http://schemas.microsoft.com/office/drawing/2014/main" id="{7178F5E8-5D62-4326-B787-59E41398BE28}"/>
+              </a:ext>
+            </a:extLst>
+          </p:cNvPr>
+          <p:cNvSpPr txBox="1"/>
+          <p:nvPr/>
+        </p:nvSpPr>
+        <p:spPr>
+          <a:xfrm>
+            <a:off x="6228184" y="6165304"/>
+            <a:ext cx="2339102" cy="461665"/>
+          </a:xfrm>
+          <a:prstGeom prst="rect">
+            <a:avLst/>
+          </a:prstGeom>
+          <a:noFill/>
+        </p:spPr>
+        <p:txBody>
+          <a:bodyPr wrap="none" rtlCol="0">
+            <a:spAutoFit/>
+          </a:bodyPr>
+          <a:lstStyle/>
+          <a:p>
+            <a:r>
+              <a:rPr lang="ja-JP" altLang="en-US" sz="2400"/>
+              <a:t>確かに本人か？</a:t>
+            </a:r>
+            <a:endParaRPr lang="en-US" sz="2400"/>
+          </a:p>
+        </p:txBody>
+      </p:sp>
+    </p:spTree>
+    <p:extLst>
+      <p:ext uri="{BB962C8B-B14F-4D97-AF65-F5344CB8AC3E}">
+        <p14:creationId xmlns:p14="http://schemas.microsoft.com/office/powerpoint/2010/main" val="630078296"/>
+      </p:ext>
+    </p:extLst>
+  </p:cSld>
+  <p:clrMapOvr>
+    <a:masterClrMapping/>
+  </p:clrMapOvr>
+</p:sld>
+</file>
+
+<file path=ppt/slides/slide9.xml><?xml version="1.0" encoding="utf-8"?>
+<p:sld xmlns:a="http://schemas.openxmlformats.org/drawingml/2006/main" xmlns:r="http://schemas.openxmlformats.org/officeDocument/2006/relationships" xmlns:p="http://schemas.openxmlformats.org/presentationml/2006/main">
+  <p:cSld>
+    <p:spTree>
+      <p:nvGrpSpPr>
+        <p:cNvPr id="1" name=""/>
+        <p:cNvGrpSpPr/>
+        <p:nvPr/>
+      </p:nvGrpSpPr>
+      <p:grpSpPr>
+        <a:xfrm>
+          <a:off x="0" y="0"/>
+          <a:ext cx="0" cy="0"/>
+          <a:chOff x="0" y="0"/>
+          <a:chExt cx="0" cy="0"/>
+        </a:xfrm>
+      </p:grpSpPr>
+      <p:sp>
+        <p:nvSpPr>
+          <p:cNvPr id="2" name="テキスト プレースホルダー 1">
+            <a:extLst>
+              <a:ext uri="{FF2B5EF4-FFF2-40B4-BE49-F238E27FC236}">
+                <a16:creationId xmlns:a16="http://schemas.microsoft.com/office/drawing/2014/main" id="{C2327D14-1A6E-4510-9F62-7EC530EEB6E8}"/>
+              </a:ext>
+            </a:extLst>
+          </p:cNvPr>
+          <p:cNvSpPr>
+            <a:spLocks noGrp="1"/>
+          </p:cNvSpPr>
+          <p:nvPr>
+            <p:ph type="body" sz="quarter" idx="10"/>
+          </p:nvPr>
+        </p:nvSpPr>
+        <p:spPr/>
+        <p:txBody>
+          <a:bodyPr/>
+          <a:lstStyle/>
+          <a:p>
+            <a:r>
+              <a:rPr lang="ja-JP" altLang="en-US"/>
+              <a:t>認証とプロトコル</a:t>
+            </a:r>
+            <a:endParaRPr lang="en-US"/>
+          </a:p>
+        </p:txBody>
+      </p:sp>
+      <p:sp>
+        <p:nvSpPr>
+          <p:cNvPr id="3" name="テキスト ボックス 2">
+            <a:extLst>
+              <a:ext uri="{FF2B5EF4-FFF2-40B4-BE49-F238E27FC236}">
+                <a16:creationId xmlns:a16="http://schemas.microsoft.com/office/drawing/2014/main" id="{172DB9D5-174A-4F92-9381-5328A47392D1}"/>
+              </a:ext>
+            </a:extLst>
+          </p:cNvPr>
+          <p:cNvSpPr txBox="1"/>
+          <p:nvPr/>
+        </p:nvSpPr>
+        <p:spPr>
+          <a:xfrm>
+            <a:off x="251520" y="980728"/>
+            <a:ext cx="6158224" cy="584775"/>
+          </a:xfrm>
+          <a:prstGeom prst="rect">
+            <a:avLst/>
+          </a:prstGeom>
+          <a:noFill/>
+        </p:spPr>
+        <p:txBody>
+          <a:bodyPr wrap="none" rtlCol="0">
+            <a:spAutoFit/>
+          </a:bodyPr>
+          <a:lstStyle/>
+          <a:p>
+            <a:r>
+              <a:rPr lang="en-US" altLang="ja-JP" sz="3200">
+                <a:solidFill>
+                  <a:srgbClr val="011893"/>
+                </a:solidFill>
+              </a:rPr>
+              <a:t>URL (Uniform Resource Locator)</a:t>
+            </a:r>
+            <a:endParaRPr lang="en-US" sz="3200">
+              <a:solidFill>
+                <a:srgbClr val="011893"/>
+              </a:solidFill>
+            </a:endParaRPr>
+          </a:p>
+        </p:txBody>
+      </p:sp>
+      <p:sp>
+        <p:nvSpPr>
+          <p:cNvPr id="4" name="テキスト ボックス 3">
+            <a:extLst>
+              <a:ext uri="{FF2B5EF4-FFF2-40B4-BE49-F238E27FC236}">
+                <a16:creationId xmlns:a16="http://schemas.microsoft.com/office/drawing/2014/main" id="{983C928E-C85E-436F-8764-EF077B183C23}"/>
+              </a:ext>
+            </a:extLst>
+          </p:cNvPr>
+          <p:cNvSpPr txBox="1"/>
+          <p:nvPr/>
+        </p:nvSpPr>
+        <p:spPr>
+          <a:xfrm>
+            <a:off x="683568" y="1556792"/>
+            <a:ext cx="4973477" cy="830997"/>
+          </a:xfrm>
+          <a:prstGeom prst="rect">
+            <a:avLst/>
+          </a:prstGeom>
+          <a:noFill/>
+        </p:spPr>
+        <p:txBody>
+          <a:bodyPr wrap="none" rtlCol="0">
+            <a:spAutoFit/>
+          </a:bodyPr>
+          <a:lstStyle/>
+          <a:p>
+            <a:r>
+              <a:rPr lang="ja-JP" altLang="en-US" sz="2400"/>
+              <a:t>インターネットにおける「住所」</a:t>
+            </a:r>
+            <a:endParaRPr lang="en-US" altLang="ja-JP" sz="2400"/>
+          </a:p>
+          <a:p>
+            <a:r>
+              <a:rPr lang="ja-JP" altLang="en-US" sz="2400"/>
+              <a:t>例えば </a:t>
+            </a:r>
+            <a:r>
+              <a:rPr lang="en-US" altLang="ja-JP" sz="2400">
+                <a:hlinkClick r:id="rId2"/>
+              </a:rPr>
+              <a:t>https://www.github.com</a:t>
+            </a:r>
+            <a:r>
+              <a:rPr lang="ja-JP" altLang="en-US" sz="2400"/>
+              <a:t>など</a:t>
+            </a:r>
+            <a:endParaRPr lang="en-US" sz="2400"/>
+          </a:p>
+        </p:txBody>
+      </p:sp>
+      <p:sp>
+        <p:nvSpPr>
+          <p:cNvPr id="5" name="テキスト ボックス 4">
+            <a:extLst>
+              <a:ext uri="{FF2B5EF4-FFF2-40B4-BE49-F238E27FC236}">
+                <a16:creationId xmlns:a16="http://schemas.microsoft.com/office/drawing/2014/main" id="{F9F39359-FDE6-4FB5-A091-43D77E5EF790}"/>
+              </a:ext>
+            </a:extLst>
+          </p:cNvPr>
+          <p:cNvSpPr txBox="1"/>
+          <p:nvPr/>
+        </p:nvSpPr>
+        <p:spPr>
+          <a:xfrm>
+            <a:off x="251520" y="2420888"/>
+            <a:ext cx="2236510" cy="584775"/>
+          </a:xfrm>
+          <a:prstGeom prst="rect">
+            <a:avLst/>
+          </a:prstGeom>
+          <a:noFill/>
+        </p:spPr>
+        <p:txBody>
+          <a:bodyPr wrap="none" rtlCol="0">
+            <a:spAutoFit/>
+          </a:bodyPr>
+          <a:lstStyle/>
+          <a:p>
+            <a:r>
+              <a:rPr lang="ja-JP" altLang="en-US" sz="3200">
+                <a:solidFill>
+                  <a:srgbClr val="011893"/>
+                </a:solidFill>
+              </a:rPr>
+              <a:t>プロトコル</a:t>
+            </a:r>
+            <a:endParaRPr lang="en-US" sz="3200">
+              <a:solidFill>
+                <a:srgbClr val="011893"/>
+              </a:solidFill>
+            </a:endParaRPr>
+          </a:p>
+        </p:txBody>
+      </p:sp>
+      <p:sp>
+        <p:nvSpPr>
+          <p:cNvPr id="6" name="テキスト ボックス 5">
+            <a:extLst>
+              <a:ext uri="{FF2B5EF4-FFF2-40B4-BE49-F238E27FC236}">
+                <a16:creationId xmlns:a16="http://schemas.microsoft.com/office/drawing/2014/main" id="{7EBFED90-DB9E-4E10-90A1-7EE66CBBFAFE}"/>
+              </a:ext>
+            </a:extLst>
+          </p:cNvPr>
+          <p:cNvSpPr txBox="1"/>
+          <p:nvPr/>
+        </p:nvSpPr>
+        <p:spPr>
+          <a:xfrm>
+            <a:off x="683568" y="3068960"/>
+            <a:ext cx="6955750" cy="830997"/>
+          </a:xfrm>
+          <a:prstGeom prst="rect">
+            <a:avLst/>
+          </a:prstGeom>
+          <a:noFill/>
+        </p:spPr>
+        <p:txBody>
+          <a:bodyPr wrap="none" rtlCol="0">
+            <a:spAutoFit/>
+          </a:bodyPr>
+          <a:lstStyle/>
+          <a:p>
+            <a:r>
+              <a:rPr lang="ja-JP" altLang="en-US" sz="2400"/>
+              <a:t>ここではインターネットにおける通信手段のこと</a:t>
+            </a:r>
+            <a:endParaRPr lang="en-US" altLang="ja-JP" sz="2400"/>
+          </a:p>
+          <a:p>
+            <a:r>
+              <a:rPr lang="en-US" altLang="ja-JP" sz="2400"/>
+              <a:t>GitHub</a:t>
+            </a:r>
+            <a:r>
+              <a:rPr lang="ja-JP" altLang="en-US" sz="2400"/>
+              <a:t>へのアクセスは、「</a:t>
+            </a:r>
+            <a:r>
+              <a:rPr lang="en-US" altLang="ja-JP" sz="2400"/>
+              <a:t>SSH</a:t>
+            </a:r>
+            <a:r>
+              <a:rPr lang="ja-JP" altLang="en-US" sz="2400"/>
+              <a:t>」か「</a:t>
+            </a:r>
+            <a:r>
+              <a:rPr lang="en-US" altLang="ja-JP" sz="2400"/>
+              <a:t>HTTPS</a:t>
+            </a:r>
+            <a:r>
+              <a:rPr lang="ja-JP" altLang="en-US" sz="2400"/>
+              <a:t>」</a:t>
+            </a:r>
+            <a:endParaRPr lang="en-US" altLang="ja-JP" sz="2400"/>
+          </a:p>
+        </p:txBody>
+      </p:sp>
+      <p:sp>
+        <p:nvSpPr>
+          <p:cNvPr id="8" name="テキスト ボックス 7">
+            <a:extLst>
+              <a:ext uri="{FF2B5EF4-FFF2-40B4-BE49-F238E27FC236}">
+                <a16:creationId xmlns:a16="http://schemas.microsoft.com/office/drawing/2014/main" id="{98905853-9B11-42E5-86C4-7C1DA4D1044B}"/>
+              </a:ext>
+            </a:extLst>
+          </p:cNvPr>
+          <p:cNvSpPr txBox="1"/>
+          <p:nvPr/>
+        </p:nvSpPr>
+        <p:spPr>
+          <a:xfrm>
+            <a:off x="251520" y="3996353"/>
+            <a:ext cx="3740126" cy="584775"/>
+          </a:xfrm>
+          <a:prstGeom prst="rect">
+            <a:avLst/>
+          </a:prstGeom>
+          <a:noFill/>
+        </p:spPr>
+        <p:txBody>
+          <a:bodyPr wrap="none" rtlCol="0">
+            <a:spAutoFit/>
+          </a:bodyPr>
+          <a:lstStyle/>
+          <a:p>
+            <a:r>
+              <a:rPr lang="en-US" sz="3200">
+                <a:solidFill>
+                  <a:srgbClr val="011893"/>
+                </a:solidFill>
+              </a:rPr>
+              <a:t>SSH (Secure Shell)</a:t>
+            </a:r>
+          </a:p>
+        </p:txBody>
+      </p:sp>
+      <p:sp>
+        <p:nvSpPr>
+          <p:cNvPr id="9" name="テキスト ボックス 8">
+            <a:extLst>
+              <a:ext uri="{FF2B5EF4-FFF2-40B4-BE49-F238E27FC236}">
+                <a16:creationId xmlns:a16="http://schemas.microsoft.com/office/drawing/2014/main" id="{733F77CE-2885-452F-878F-031A34A6E0D9}"/>
+              </a:ext>
+            </a:extLst>
+          </p:cNvPr>
+          <p:cNvSpPr txBox="1"/>
+          <p:nvPr/>
+        </p:nvSpPr>
+        <p:spPr>
+          <a:xfrm>
+            <a:off x="251520" y="5301208"/>
+            <a:ext cx="8314840" cy="584775"/>
+          </a:xfrm>
+          <a:prstGeom prst="rect">
+            <a:avLst/>
+          </a:prstGeom>
+          <a:noFill/>
+        </p:spPr>
+        <p:txBody>
+          <a:bodyPr wrap="none" rtlCol="0">
+            <a:spAutoFit/>
+          </a:bodyPr>
+          <a:lstStyle/>
+          <a:p>
+            <a:r>
+              <a:rPr lang="en-US" sz="3200">
+                <a:solidFill>
+                  <a:srgbClr val="011893"/>
+                </a:solidFill>
+              </a:rPr>
+              <a:t>HTTPS (Hypertext Transfer Protocol Secure)</a:t>
+            </a:r>
+          </a:p>
+        </p:txBody>
+      </p:sp>
+      <p:sp>
+        <p:nvSpPr>
+          <p:cNvPr id="10" name="テキスト ボックス 9">
+            <a:extLst>
+              <a:ext uri="{FF2B5EF4-FFF2-40B4-BE49-F238E27FC236}">
+                <a16:creationId xmlns:a16="http://schemas.microsoft.com/office/drawing/2014/main" id="{72815323-F7E0-4346-95DA-A0F01D06F38C}"/>
+              </a:ext>
+            </a:extLst>
+          </p:cNvPr>
+          <p:cNvSpPr txBox="1"/>
+          <p:nvPr/>
+        </p:nvSpPr>
+        <p:spPr>
+          <a:xfrm>
+            <a:off x="683568" y="4653136"/>
+            <a:ext cx="7571303" cy="461665"/>
+          </a:xfrm>
+          <a:prstGeom prst="rect">
+            <a:avLst/>
+          </a:prstGeom>
+          <a:noFill/>
+        </p:spPr>
+        <p:txBody>
+          <a:bodyPr wrap="none" rtlCol="0">
+            <a:spAutoFit/>
+          </a:bodyPr>
+          <a:lstStyle/>
+          <a:p>
+            <a:r>
+              <a:rPr lang="ja-JP" altLang="en-US" sz="2400"/>
+              <a:t>認証方法は「</a:t>
+            </a:r>
+            <a:r>
+              <a:rPr lang="ja-JP" altLang="en-US" sz="2400">
+                <a:solidFill>
+                  <a:srgbClr val="FF0000"/>
+                </a:solidFill>
+              </a:rPr>
+              <a:t>公開鍵認証</a:t>
+            </a:r>
+            <a:r>
+              <a:rPr lang="ja-JP" altLang="en-US" sz="2400"/>
+              <a:t>」←本講義ではこちらを使う</a:t>
+            </a:r>
+            <a:endParaRPr lang="en-US" sz="2400"/>
+          </a:p>
+        </p:txBody>
+      </p:sp>
+      <p:sp>
+        <p:nvSpPr>
+          <p:cNvPr id="11" name="テキスト ボックス 10">
+            <a:extLst>
+              <a:ext uri="{FF2B5EF4-FFF2-40B4-BE49-F238E27FC236}">
+                <a16:creationId xmlns:a16="http://schemas.microsoft.com/office/drawing/2014/main" id="{14855FA7-67DD-491D-8527-0A0028886DCB}"/>
+              </a:ext>
+            </a:extLst>
+          </p:cNvPr>
+          <p:cNvSpPr txBox="1"/>
+          <p:nvPr/>
+        </p:nvSpPr>
+        <p:spPr>
+          <a:xfrm>
+            <a:off x="683568" y="5949280"/>
+            <a:ext cx="5416868" cy="461665"/>
+          </a:xfrm>
+          <a:prstGeom prst="rect">
+            <a:avLst/>
+          </a:prstGeom>
+          <a:noFill/>
+        </p:spPr>
+        <p:txBody>
+          <a:bodyPr wrap="none" rtlCol="0">
+            <a:spAutoFit/>
+          </a:bodyPr>
+          <a:lstStyle/>
+          <a:p>
+            <a:r>
+              <a:rPr lang="ja-JP" altLang="en-US" sz="2400"/>
+              <a:t>認証方法は「個人アクセストークン」</a:t>
+            </a:r>
+            <a:endParaRPr lang="en-US" sz="2400"/>
+          </a:p>
+        </p:txBody>
+      </p:sp>
+    </p:spTree>
+    <p:extLst>
+      <p:ext uri="{BB962C8B-B14F-4D97-AF65-F5344CB8AC3E}">
+        <p14:creationId xmlns:p14="http://schemas.microsoft.com/office/powerpoint/2010/main" val="2576470114"/>
       </p:ext>
     </p:extLst>
   </p:cSld>

--- a/remote/fig/slide.pptx
+++ b/remote/fig/slide.pptx
@@ -233,7 +233,7 @@
           </a:lstStyle>
           <a:p>
             <a:fld id="{6B8D1B20-A248-FB47-8240-73C0C5F47C9D}" type="datetimeFigureOut">
-              <a:t>10/2/2021</a:t>
+              <a:t>2021/10/4</a:t>
             </a:fld>
             <a:endParaRPr kumimoji="1" lang="ja-JP" altLang="en-US"/>
           </a:p>
@@ -6033,12 +6033,8 @@
           <a:lstStyle/>
           <a:p>
             <a:r>
-              <a:rPr kumimoji="1" lang="en-US" altLang="ja-JP" sz="2400" err="1"/>
-              <a:t>git</a:t>
-            </a:r>
-            <a:r>
-              <a:rPr kumimoji="1" lang="en-US" altLang="ja-JP" sz="2400"/>
-              <a:t> push</a:t>
+              <a:rPr kumimoji="1" lang="en-US" altLang="ja-JP" sz="2400" dirty="0"/>
+              <a:t>git push</a:t>
             </a:r>
             <a:endParaRPr kumimoji="1" lang="ja-JP" altLang="en-US" sz="2400" dirty="0"/>
           </a:p>
@@ -8193,12 +8189,8 @@
           <a:lstStyle/>
           <a:p>
             <a:r>
-              <a:rPr kumimoji="1" lang="en-US" altLang="ja-JP" sz="2400" dirty="0" err="1"/>
-              <a:t>git</a:t>
-            </a:r>
-            <a:r>
               <a:rPr kumimoji="1" lang="en-US" altLang="ja-JP" sz="2400" dirty="0"/>
-              <a:t> fetch</a:t>
+              <a:t>git fetch</a:t>
             </a:r>
             <a:endParaRPr kumimoji="1" lang="ja-JP" altLang="en-US" sz="2400" dirty="0"/>
           </a:p>
@@ -17979,17 +17971,17 @@
           <a:lstStyle/>
           <a:p>
             <a:r>
-              <a:rPr lang="en-US" sz="2000" b="0">
+              <a:rPr lang="en-US" sz="2000" b="0" dirty="0">
                 <a:solidFill>
                   <a:srgbClr val="D4D4D4"/>
                 </a:solidFill>
                 <a:effectLst/>
                 <a:latin typeface="Consolas" panose="020B0609020204030204" pitchFamily="49" charset="0"/>
               </a:rPr>
-              <a:t>$ git fetch</a:t>
-            </a:r>
-            <a:r>
-              <a:rPr lang="ja-JP" altLang="en-US" sz="2000">
+              <a:t>$ git merge</a:t>
+            </a:r>
+            <a:r>
+              <a:rPr lang="ja-JP" altLang="en-US" sz="2000" dirty="0">
                 <a:solidFill>
                   <a:srgbClr val="D4D4D4"/>
                 </a:solidFill>
@@ -17998,33 +17990,15 @@
               <a:t> </a:t>
             </a:r>
             <a:r>
-              <a:rPr lang="en-US" altLang="ja-JP" sz="2000">
+              <a:rPr lang="en-US" altLang="ja-JP" sz="2000" dirty="0">
                 <a:solidFill>
                   <a:srgbClr val="D4D4D4"/>
                 </a:solidFill>
                 <a:latin typeface="Consolas" panose="020B0609020204030204" pitchFamily="49" charset="0"/>
               </a:rPr>
-              <a:t>origin</a:t>
-            </a:r>
-            <a:r>
-              <a:rPr lang="ja-JP" altLang="en-US" sz="2000">
-                <a:solidFill>
-                  <a:srgbClr val="D4D4D4"/>
-                </a:solidFill>
-                <a:latin typeface="Consolas" panose="020B0609020204030204" pitchFamily="49" charset="0"/>
-              </a:rPr>
-              <a:t> </a:t>
-            </a:r>
-            <a:r>
-              <a:rPr lang="en-US" altLang="ja-JP" sz="2000">
-                <a:solidFill>
-                  <a:srgbClr val="D4D4D4"/>
-                </a:solidFill>
-                <a:latin typeface="Consolas" panose="020B0609020204030204" pitchFamily="49" charset="0"/>
-              </a:rPr>
-              <a:t>main</a:t>
-            </a:r>
-            <a:endParaRPr lang="en-US" sz="2000" b="0">
+              <a:t>origin/main</a:t>
+            </a:r>
+            <a:endParaRPr lang="en-US" sz="2000" b="0" dirty="0">
               <a:solidFill>
                 <a:srgbClr val="D4D4D4"/>
               </a:solidFill>
@@ -30170,11 +30144,7 @@
           <a:lstStyle/>
           <a:p>
             <a:pPr algn="ctr"/>
-            <a:r>
-              <a:rPr kumimoji="1" lang="en-US" altLang="ja-JP"/>
-              <a:t>z</a:t>
-            </a:r>
-            <a:endParaRPr kumimoji="1" lang="ja-JP" altLang="en-US"/>
+            <a:endParaRPr kumimoji="1" lang="ja-JP" altLang="en-US" dirty="0"/>
           </a:p>
         </p:txBody>
       </p:sp>
@@ -36344,7 +36314,7 @@
         <p:spPr>
           <a:xfrm>
             <a:off x="323528" y="6381328"/>
-            <a:ext cx="7045518" cy="369332"/>
+            <a:ext cx="6904454" cy="369332"/>
           </a:xfrm>
           <a:prstGeom prst="rect">
             <a:avLst/>
@@ -36358,18 +36328,18 @@
           <a:lstStyle/>
           <a:p>
             <a:r>
-              <a:rPr lang="en-US" altLang="ja-JP"/>
+              <a:rPr lang="en-US" altLang="ja-JP" dirty="0"/>
               <a:t>※ </a:t>
             </a:r>
             <a:r>
-              <a:rPr lang="en-US"/>
-              <a:t>git init –bare </a:t>
-            </a:r>
-            <a:r>
-              <a:rPr lang="ja-JP" altLang="en-US"/>
+              <a:rPr lang="en-US" dirty="0"/>
+              <a:t>git init --bare </a:t>
+            </a:r>
+            <a:r>
+              <a:rPr lang="ja-JP" altLang="en-US" dirty="0"/>
               <a:t>で作成可能だが、自分で作ることはほとんどない</a:t>
             </a:r>
-            <a:endParaRPr lang="en-US"/>
+            <a:endParaRPr lang="en-US" dirty="0"/>
           </a:p>
         </p:txBody>
       </p:sp>

--- a/remote/fig/slide.pptx
+++ b/remote/fig/slide.pptx
@@ -233,7 +233,7 @@
           </a:lstStyle>
           <a:p>
             <a:fld id="{6B8D1B20-A248-FB47-8240-73C0C5F47C9D}" type="datetimeFigureOut">
-              <a:t>2021/10/4</a:t>
+              <a:t>2022/9/27</a:t>
             </a:fld>
             <a:endParaRPr kumimoji="1" lang="ja-JP" altLang="en-US"/>
           </a:p>
@@ -525,105 +525,6 @@
       </p:grpSpPr>
       <p:sp>
         <p:nvSpPr>
-          <p:cNvPr id="4" name="円/楕円 3">
-            <a:extLst>
-              <a:ext uri="{FF2B5EF4-FFF2-40B4-BE49-F238E27FC236}">
-                <a16:creationId xmlns:a16="http://schemas.microsoft.com/office/drawing/2014/main" id="{40BD511A-FE9E-B641-A323-1F2451D0C873}"/>
-              </a:ext>
-            </a:extLst>
-          </p:cNvPr>
-          <p:cNvSpPr/>
-          <p:nvPr userDrawn="1"/>
-        </p:nvSpPr>
-        <p:spPr>
-          <a:xfrm>
-            <a:off x="8651631" y="6350558"/>
-            <a:ext cx="411982" cy="411982"/>
-          </a:xfrm>
-          <a:prstGeom prst="ellipse">
-            <a:avLst/>
-          </a:prstGeom>
-          <a:solidFill>
-            <a:schemeClr val="bg1">
-              <a:lumMod val="75000"/>
-            </a:schemeClr>
-          </a:solidFill>
-          <a:ln>
-            <a:solidFill>
-              <a:schemeClr val="bg1">
-                <a:lumMod val="85000"/>
-              </a:schemeClr>
-            </a:solidFill>
-          </a:ln>
-        </p:spPr>
-        <p:style>
-          <a:lnRef idx="2">
-            <a:schemeClr val="dk1">
-              <a:shade val="50000"/>
-            </a:schemeClr>
-          </a:lnRef>
-          <a:fillRef idx="1">
-            <a:schemeClr val="dk1"/>
-          </a:fillRef>
-          <a:effectRef idx="0">
-            <a:schemeClr val="dk1"/>
-          </a:effectRef>
-          <a:fontRef idx="minor">
-            <a:schemeClr val="lt1"/>
-          </a:fontRef>
-        </p:style>
-        <p:txBody>
-          <a:bodyPr rtlCol="0" anchor="ctr"/>
-          <a:lstStyle/>
-          <a:p>
-            <a:pPr algn="ctr"/>
-            <a:endParaRPr kumimoji="1" lang="ja-JP" altLang="en-US" sz="1050">
-              <a:latin typeface="+mj-ea"/>
-              <a:ea typeface="+mj-ea"/>
-            </a:endParaRPr>
-          </a:p>
-        </p:txBody>
-      </p:sp>
-      <p:sp>
-        <p:nvSpPr>
-          <p:cNvPr id="5" name="テキスト ボックス 4">
-            <a:extLst>
-              <a:ext uri="{FF2B5EF4-FFF2-40B4-BE49-F238E27FC236}">
-                <a16:creationId xmlns:a16="http://schemas.microsoft.com/office/drawing/2014/main" id="{80A01A1C-B0C5-904D-963A-785848775F4A}"/>
-              </a:ext>
-            </a:extLst>
-          </p:cNvPr>
-          <p:cNvSpPr txBox="1"/>
-          <p:nvPr userDrawn="1"/>
-        </p:nvSpPr>
-        <p:spPr>
-          <a:xfrm>
-            <a:off x="8661679" y="6400799"/>
-            <a:ext cx="401072" cy="307777"/>
-          </a:xfrm>
-          <a:prstGeom prst="rect">
-            <a:avLst/>
-          </a:prstGeom>
-          <a:noFill/>
-        </p:spPr>
-        <p:txBody>
-          <a:bodyPr wrap="none" rtlCol="0">
-            <a:spAutoFit/>
-          </a:bodyPr>
-          <a:lstStyle/>
-          <a:p>
-            <a:pPr algn="ctr"/>
-            <a:fld id="{E8E17320-8F29-C346-80F3-7693511BE498}" type="slidenum">
-              <a:rPr kumimoji="1" lang="ja-JP" altLang="en-US" sz="1400"/>
-              <a:pPr algn="ctr"/>
-              <a:t>‹#›</a:t>
-            </a:fld>
-            <a:endParaRPr kumimoji="1" lang="ja-JP" altLang="en-US" sz="1400"/>
-          </a:p>
-        </p:txBody>
-      </p:sp>
-      <p:sp>
-        <p:nvSpPr>
           <p:cNvPr id="7" name="テキスト プレースホルダー 6">
             <a:extLst>
               <a:ext uri="{FF2B5EF4-FFF2-40B4-BE49-F238E27FC236}">
@@ -663,6 +564,201 @@
           </a:lstStyle>
           <a:p>
             <a:endParaRPr kumimoji="1" lang="ja-JP" altLang="en-US"/>
+          </a:p>
+        </p:txBody>
+      </p:sp>
+      <p:sp>
+        <p:nvSpPr>
+          <p:cNvPr id="2" name="円/楕円 3">
+            <a:extLst>
+              <a:ext uri="{FF2B5EF4-FFF2-40B4-BE49-F238E27FC236}">
+                <a16:creationId xmlns:a16="http://schemas.microsoft.com/office/drawing/2014/main" id="{AEFDC7A7-DBA3-0190-D638-68B296669322}"/>
+              </a:ext>
+            </a:extLst>
+          </p:cNvPr>
+          <p:cNvSpPr/>
+          <p:nvPr userDrawn="1"/>
+        </p:nvSpPr>
+        <p:spPr>
+          <a:xfrm>
+            <a:off x="8497721" y="6230795"/>
+            <a:ext cx="531173" cy="531173"/>
+          </a:xfrm>
+          <a:prstGeom prst="ellipse">
+            <a:avLst/>
+          </a:prstGeom>
+          <a:solidFill>
+            <a:schemeClr val="bg1">
+              <a:lumMod val="75000"/>
+            </a:schemeClr>
+          </a:solidFill>
+          <a:ln>
+            <a:solidFill>
+              <a:schemeClr val="bg1">
+                <a:lumMod val="85000"/>
+              </a:schemeClr>
+            </a:solidFill>
+          </a:ln>
+        </p:spPr>
+        <p:style>
+          <a:lnRef idx="2">
+            <a:schemeClr val="dk1">
+              <a:shade val="50000"/>
+            </a:schemeClr>
+          </a:lnRef>
+          <a:fillRef idx="1">
+            <a:schemeClr val="dk1"/>
+          </a:fillRef>
+          <a:effectRef idx="0">
+            <a:schemeClr val="dk1"/>
+          </a:effectRef>
+          <a:fontRef idx="minor">
+            <a:schemeClr val="lt1"/>
+          </a:fontRef>
+        </p:style>
+        <p:txBody>
+          <a:bodyPr rtlCol="0" anchor="ctr"/>
+          <a:lstStyle/>
+          <a:p>
+            <a:pPr algn="ctr"/>
+            <a:endParaRPr kumimoji="1" lang="ja-JP" altLang="en-US" sz="1050">
+              <a:latin typeface="+mj-ea"/>
+              <a:ea typeface="+mj-ea"/>
+            </a:endParaRPr>
+          </a:p>
+        </p:txBody>
+      </p:sp>
+      <p:sp>
+        <p:nvSpPr>
+          <p:cNvPr id="3" name="テキスト ボックス 2">
+            <a:extLst>
+              <a:ext uri="{FF2B5EF4-FFF2-40B4-BE49-F238E27FC236}">
+                <a16:creationId xmlns:a16="http://schemas.microsoft.com/office/drawing/2014/main" id="{F5F8AFB6-8C5E-D8F3-A0E1-D67DC46E1567}"/>
+              </a:ext>
+            </a:extLst>
+          </p:cNvPr>
+          <p:cNvSpPr txBox="1"/>
+          <p:nvPr userDrawn="1"/>
+        </p:nvSpPr>
+        <p:spPr>
+          <a:xfrm>
+            <a:off x="8491428" y="6270575"/>
+            <a:ext cx="401072" cy="307777"/>
+          </a:xfrm>
+          <a:prstGeom prst="rect">
+            <a:avLst/>
+          </a:prstGeom>
+          <a:noFill/>
+        </p:spPr>
+        <p:txBody>
+          <a:bodyPr wrap="none" rtlCol="0">
+            <a:spAutoFit/>
+          </a:bodyPr>
+          <a:lstStyle/>
+          <a:p>
+            <a:pPr algn="ctr"/>
+            <a:fld id="{E8E17320-8F29-C346-80F3-7693511BE498}" type="slidenum">
+              <a:rPr kumimoji="1" lang="ja-JP" altLang="en-US" sz="1400"/>
+              <a:pPr algn="ctr"/>
+              <a:t>‹#›</a:t>
+            </a:fld>
+            <a:endParaRPr kumimoji="1" lang="ja-JP" altLang="en-US" sz="1400" dirty="0"/>
+          </a:p>
+        </p:txBody>
+      </p:sp>
+      <p:sp>
+        <p:nvSpPr>
+          <p:cNvPr id="6" name="弦 5">
+            <a:extLst>
+              <a:ext uri="{FF2B5EF4-FFF2-40B4-BE49-F238E27FC236}">
+                <a16:creationId xmlns:a16="http://schemas.microsoft.com/office/drawing/2014/main" id="{BEF439F1-7618-2325-4199-FE46C81BECC8}"/>
+              </a:ext>
+            </a:extLst>
+          </p:cNvPr>
+          <p:cNvSpPr/>
+          <p:nvPr userDrawn="1"/>
+        </p:nvSpPr>
+        <p:spPr>
+          <a:xfrm rot="16200000">
+            <a:off x="8491626" y="6224701"/>
+            <a:ext cx="588253" cy="576063"/>
+          </a:xfrm>
+          <a:prstGeom prst="chord">
+            <a:avLst>
+              <a:gd name="adj1" fmla="val 2700000"/>
+              <a:gd name="adj2" fmla="val 14142403"/>
+            </a:avLst>
+          </a:prstGeom>
+          <a:solidFill>
+            <a:schemeClr val="bg1">
+              <a:lumMod val="65000"/>
+            </a:schemeClr>
+          </a:solidFill>
+          <a:ln>
+            <a:noFill/>
+          </a:ln>
+          <a:effectLst>
+            <a:softEdge rad="31750"/>
+          </a:effectLst>
+        </p:spPr>
+        <p:style>
+          <a:lnRef idx="2">
+            <a:schemeClr val="accent1">
+              <a:shade val="50000"/>
+            </a:schemeClr>
+          </a:lnRef>
+          <a:fillRef idx="1">
+            <a:schemeClr val="accent1"/>
+          </a:fillRef>
+          <a:effectRef idx="0">
+            <a:schemeClr val="accent1"/>
+          </a:effectRef>
+          <a:fontRef idx="minor">
+            <a:schemeClr val="lt1"/>
+          </a:fontRef>
+        </p:style>
+        <p:txBody>
+          <a:bodyPr rtlCol="0" anchor="ctr"/>
+          <a:lstStyle/>
+          <a:p>
+            <a:pPr algn="ctr"/>
+            <a:endParaRPr kumimoji="1" lang="ja-JP" altLang="en-US" dirty="0"/>
+          </a:p>
+        </p:txBody>
+      </p:sp>
+      <p:sp>
+        <p:nvSpPr>
+          <p:cNvPr id="8" name="テキスト ボックス 7">
+            <a:extLst>
+              <a:ext uri="{FF2B5EF4-FFF2-40B4-BE49-F238E27FC236}">
+                <a16:creationId xmlns:a16="http://schemas.microsoft.com/office/drawing/2014/main" id="{DAE39926-98C1-5531-76C1-53B0E5D11E52}"/>
+              </a:ext>
+            </a:extLst>
+          </p:cNvPr>
+          <p:cNvSpPr txBox="1"/>
+          <p:nvPr userDrawn="1"/>
+        </p:nvSpPr>
+        <p:spPr>
+          <a:xfrm>
+            <a:off x="8596070" y="6442913"/>
+            <a:ext cx="496310" cy="307777"/>
+          </a:xfrm>
+          <a:prstGeom prst="rect">
+            <a:avLst/>
+          </a:prstGeom>
+          <a:noFill/>
+        </p:spPr>
+        <p:txBody>
+          <a:bodyPr wrap="square" rtlCol="0">
+            <a:spAutoFit/>
+          </a:bodyPr>
+          <a:lstStyle/>
+          <a:p>
+            <a:pPr algn="ctr"/>
+            <a:r>
+              <a:rPr kumimoji="1" lang="en-US" altLang="ja-JP" sz="1400" dirty="0"/>
+              <a:t>27</a:t>
+            </a:r>
           </a:p>
         </p:txBody>
       </p:sp>
